--- a/slides/L11 Use Case Testing.pptx
+++ b/slides/L11 Use Case Testing.pptx
@@ -111,2208 +111,12 @@
       </a:defRPr>
     </a:lvl9pPr>
   </p:defaultTextStyle>
+  <p:extLst>
+    <p:ext uri="{EFAFB233-063F-42B5-8137-9DF3F51BA10A}">
+      <p15:sldGuideLst xmlns:p15="http://schemas.microsoft.com/office/powerpoint/2012/main"/>
+    </p:ext>
+  </p:extLst>
 </p:presentation>
-</file>
-
-<file path=ppt/diagrams/colors1.xml><?xml version="1.0" encoding="utf-8"?>
-<dgm:colorsDef xmlns:dgm="http://schemas.openxmlformats.org/drawingml/2006/diagram" xmlns:a="http://schemas.openxmlformats.org/drawingml/2006/main" uniqueId="urn:microsoft.com/office/officeart/2005/8/colors/accent1_2#7">
-  <dgm:title val=""/>
-  <dgm:desc val=""/>
-  <dgm:catLst>
-    <dgm:cat type="accent1" pri="11200"/>
-  </dgm:catLst>
-  <dgm:styleLbl name="alignAcc1">
-    <dgm:fillClrLst meth="repeat">
-      <a:schemeClr val="lt1">
-        <a:alpha val="90000"/>
-      </a:schemeClr>
-    </dgm:fillClrLst>
-    <dgm:linClrLst meth="repeat">
-      <a:schemeClr val="accent1"/>
-    </dgm:linClrLst>
-    <dgm:effectClrLst/>
-    <dgm:txLinClrLst/>
-    <dgm:txFillClrLst meth="repeat">
-      <a:schemeClr val="dk1"/>
-    </dgm:txFillClrLst>
-    <dgm:txEffectClrLst/>
-  </dgm:styleLbl>
-  <dgm:styleLbl name="alignAccFollowNode1">
-    <dgm:fillClrLst meth="repeat">
-      <a:schemeClr val="accent1">
-        <a:alpha val="90000"/>
-        <a:tint val="40000"/>
-      </a:schemeClr>
-    </dgm:fillClrLst>
-    <dgm:linClrLst meth="repeat">
-      <a:schemeClr val="accent1">
-        <a:alpha val="90000"/>
-        <a:tint val="40000"/>
-      </a:schemeClr>
-    </dgm:linClrLst>
-    <dgm:effectClrLst/>
-    <dgm:txLinClrLst/>
-    <dgm:txFillClrLst meth="repeat">
-      <a:schemeClr val="dk1"/>
-    </dgm:txFillClrLst>
-    <dgm:txEffectClrLst/>
-  </dgm:styleLbl>
-  <dgm:styleLbl name="alignImgPlace1">
-    <dgm:fillClrLst meth="repeat">
-      <a:schemeClr val="accent1">
-        <a:tint val="50000"/>
-      </a:schemeClr>
-    </dgm:fillClrLst>
-    <dgm:linClrLst meth="repeat">
-      <a:schemeClr val="lt1"/>
-    </dgm:linClrLst>
-    <dgm:effectClrLst/>
-    <dgm:txLinClrLst/>
-    <dgm:txFillClrLst meth="repeat">
-      <a:schemeClr val="lt1"/>
-    </dgm:txFillClrLst>
-    <dgm:txEffectClrLst/>
-  </dgm:styleLbl>
-  <dgm:styleLbl name="alignNode1">
-    <dgm:fillClrLst meth="repeat">
-      <a:schemeClr val="accent1"/>
-    </dgm:fillClrLst>
-    <dgm:linClrLst meth="repeat">
-      <a:schemeClr val="accent1"/>
-    </dgm:linClrLst>
-    <dgm:effectClrLst/>
-    <dgm:txLinClrLst/>
-    <dgm:txFillClrLst/>
-    <dgm:txEffectClrLst/>
-  </dgm:styleLbl>
-  <dgm:styleLbl name="asst0">
-    <dgm:fillClrLst meth="repeat">
-      <a:schemeClr val="accent1"/>
-    </dgm:fillClrLst>
-    <dgm:linClrLst meth="repeat">
-      <a:schemeClr val="lt1"/>
-    </dgm:linClrLst>
-    <dgm:effectClrLst/>
-    <dgm:txLinClrLst/>
-    <dgm:txFillClrLst/>
-    <dgm:txEffectClrLst/>
-  </dgm:styleLbl>
-  <dgm:styleLbl name="asst1">
-    <dgm:fillClrLst meth="repeat">
-      <a:schemeClr val="accent1"/>
-    </dgm:fillClrLst>
-    <dgm:linClrLst meth="repeat">
-      <a:schemeClr val="lt1"/>
-    </dgm:linClrLst>
-    <dgm:effectClrLst/>
-    <dgm:txLinClrLst/>
-    <dgm:txFillClrLst/>
-    <dgm:txEffectClrLst/>
-  </dgm:styleLbl>
-  <dgm:styleLbl name="asst2">
-    <dgm:fillClrLst meth="repeat">
-      <a:schemeClr val="accent1"/>
-    </dgm:fillClrLst>
-    <dgm:linClrLst meth="repeat">
-      <a:schemeClr val="lt1"/>
-    </dgm:linClrLst>
-    <dgm:effectClrLst/>
-    <dgm:txLinClrLst/>
-    <dgm:txFillClrLst/>
-    <dgm:txEffectClrLst/>
-  </dgm:styleLbl>
-  <dgm:styleLbl name="asst3">
-    <dgm:fillClrLst meth="repeat">
-      <a:schemeClr val="accent1"/>
-    </dgm:fillClrLst>
-    <dgm:linClrLst meth="repeat">
-      <a:schemeClr val="lt1"/>
-    </dgm:linClrLst>
-    <dgm:effectClrLst/>
-    <dgm:txLinClrLst/>
-    <dgm:txFillClrLst/>
-    <dgm:txEffectClrLst/>
-  </dgm:styleLbl>
-  <dgm:styleLbl name="asst4">
-    <dgm:fillClrLst meth="repeat">
-      <a:schemeClr val="accent1"/>
-    </dgm:fillClrLst>
-    <dgm:linClrLst meth="repeat">
-      <a:schemeClr val="lt1"/>
-    </dgm:linClrLst>
-    <dgm:effectClrLst/>
-    <dgm:txLinClrLst/>
-    <dgm:txFillClrLst/>
-    <dgm:txEffectClrLst/>
-  </dgm:styleLbl>
-  <dgm:styleLbl name="bgAcc1">
-    <dgm:fillClrLst meth="repeat">
-      <a:schemeClr val="lt1">
-        <a:alpha val="90000"/>
-      </a:schemeClr>
-    </dgm:fillClrLst>
-    <dgm:linClrLst meth="repeat">
-      <a:schemeClr val="accent1"/>
-    </dgm:linClrLst>
-    <dgm:effectClrLst/>
-    <dgm:txLinClrLst/>
-    <dgm:txFillClrLst meth="repeat">
-      <a:schemeClr val="dk1"/>
-    </dgm:txFillClrLst>
-    <dgm:txEffectClrLst/>
-  </dgm:styleLbl>
-  <dgm:styleLbl name="bgAccFollowNode1">
-    <dgm:fillClrLst meth="repeat">
-      <a:schemeClr val="accent1">
-        <a:alpha val="90000"/>
-        <a:tint val="40000"/>
-      </a:schemeClr>
-    </dgm:fillClrLst>
-    <dgm:linClrLst meth="repeat">
-      <a:schemeClr val="accent1">
-        <a:alpha val="90000"/>
-        <a:tint val="40000"/>
-      </a:schemeClr>
-    </dgm:linClrLst>
-    <dgm:effectClrLst/>
-    <dgm:txLinClrLst/>
-    <dgm:txFillClrLst meth="repeat">
-      <a:schemeClr val="dk1"/>
-    </dgm:txFillClrLst>
-    <dgm:txEffectClrLst/>
-  </dgm:styleLbl>
-  <dgm:styleLbl name="bgImgPlace1">
-    <dgm:fillClrLst meth="repeat">
-      <a:schemeClr val="accent1">
-        <a:tint val="50000"/>
-      </a:schemeClr>
-    </dgm:fillClrLst>
-    <dgm:linClrLst meth="repeat">
-      <a:schemeClr val="lt1"/>
-    </dgm:linClrLst>
-    <dgm:effectClrLst/>
-    <dgm:txLinClrLst/>
-    <dgm:txFillClrLst meth="repeat">
-      <a:schemeClr val="lt1"/>
-    </dgm:txFillClrLst>
-    <dgm:txEffectClrLst/>
-  </dgm:styleLbl>
-  <dgm:styleLbl name="bgShp">
-    <dgm:fillClrLst meth="repeat">
-      <a:schemeClr val="accent1">
-        <a:tint val="40000"/>
-      </a:schemeClr>
-    </dgm:fillClrLst>
-    <dgm:linClrLst meth="repeat">
-      <a:schemeClr val="accent1"/>
-    </dgm:linClrLst>
-    <dgm:effectClrLst/>
-    <dgm:txLinClrLst/>
-    <dgm:txFillClrLst meth="repeat">
-      <a:schemeClr val="dk1"/>
-    </dgm:txFillClrLst>
-    <dgm:txEffectClrLst/>
-  </dgm:styleLbl>
-  <dgm:styleLbl name="bgSibTrans2D1">
-    <dgm:fillClrLst meth="repeat">
-      <a:schemeClr val="accent1">
-        <a:tint val="60000"/>
-      </a:schemeClr>
-    </dgm:fillClrLst>
-    <dgm:linClrLst meth="repeat">
-      <a:schemeClr val="accent1">
-        <a:tint val="60000"/>
-      </a:schemeClr>
-    </dgm:linClrLst>
-    <dgm:effectClrLst/>
-    <dgm:txLinClrLst/>
-    <dgm:txFillClrLst/>
-    <dgm:txEffectClrLst/>
-  </dgm:styleLbl>
-  <dgm:styleLbl name="callout">
-    <dgm:fillClrLst meth="repeat">
-      <a:schemeClr val="accent1"/>
-    </dgm:fillClrLst>
-    <dgm:linClrLst meth="repeat">
-      <a:schemeClr val="accent1">
-        <a:tint val="50000"/>
-      </a:schemeClr>
-    </dgm:linClrLst>
-    <dgm:effectClrLst/>
-    <dgm:txLinClrLst/>
-    <dgm:txFillClrLst meth="repeat">
-      <a:schemeClr val="tx1"/>
-    </dgm:txFillClrLst>
-    <dgm:txEffectClrLst/>
-  </dgm:styleLbl>
-  <dgm:styleLbl name="conFgAcc1">
-    <dgm:fillClrLst meth="repeat">
-      <a:schemeClr val="lt1">
-        <a:alpha val="90000"/>
-      </a:schemeClr>
-    </dgm:fillClrLst>
-    <dgm:linClrLst meth="repeat">
-      <a:schemeClr val="accent1"/>
-    </dgm:linClrLst>
-    <dgm:effectClrLst/>
-    <dgm:txLinClrLst/>
-    <dgm:txFillClrLst meth="repeat">
-      <a:schemeClr val="dk1"/>
-    </dgm:txFillClrLst>
-    <dgm:txEffectClrLst/>
-  </dgm:styleLbl>
-  <dgm:styleLbl name="dkBgShp">
-    <dgm:fillClrLst meth="repeat">
-      <a:schemeClr val="accent1">
-        <a:shade val="80000"/>
-      </a:schemeClr>
-    </dgm:fillClrLst>
-    <dgm:linClrLst meth="repeat">
-      <a:schemeClr val="accent1"/>
-    </dgm:linClrLst>
-    <dgm:effectClrLst/>
-    <dgm:txLinClrLst/>
-    <dgm:txFillClrLst meth="repeat">
-      <a:schemeClr val="lt1"/>
-    </dgm:txFillClrLst>
-    <dgm:txEffectClrLst/>
-  </dgm:styleLbl>
-  <dgm:styleLbl name="fgAcc0">
-    <dgm:fillClrLst meth="repeat">
-      <a:schemeClr val="lt1">
-        <a:alpha val="90000"/>
-      </a:schemeClr>
-    </dgm:fillClrLst>
-    <dgm:linClrLst meth="repeat">
-      <a:schemeClr val="accent1"/>
-    </dgm:linClrLst>
-    <dgm:effectClrLst/>
-    <dgm:txLinClrLst/>
-    <dgm:txFillClrLst meth="repeat">
-      <a:schemeClr val="dk1"/>
-    </dgm:txFillClrLst>
-    <dgm:txEffectClrLst/>
-  </dgm:styleLbl>
-  <dgm:styleLbl name="fgAcc1">
-    <dgm:fillClrLst meth="repeat">
-      <a:schemeClr val="lt1">
-        <a:alpha val="90000"/>
-      </a:schemeClr>
-    </dgm:fillClrLst>
-    <dgm:linClrLst meth="repeat">
-      <a:schemeClr val="accent1"/>
-    </dgm:linClrLst>
-    <dgm:effectClrLst/>
-    <dgm:txLinClrLst/>
-    <dgm:txFillClrLst meth="repeat">
-      <a:schemeClr val="dk1"/>
-    </dgm:txFillClrLst>
-    <dgm:txEffectClrLst/>
-  </dgm:styleLbl>
-  <dgm:styleLbl name="fgAcc2">
-    <dgm:fillClrLst meth="repeat">
-      <a:schemeClr val="lt1">
-        <a:alpha val="90000"/>
-      </a:schemeClr>
-    </dgm:fillClrLst>
-    <dgm:linClrLst meth="repeat">
-      <a:schemeClr val="accent1"/>
-    </dgm:linClrLst>
-    <dgm:effectClrLst/>
-    <dgm:txLinClrLst/>
-    <dgm:txFillClrLst meth="repeat">
-      <a:schemeClr val="dk1"/>
-    </dgm:txFillClrLst>
-    <dgm:txEffectClrLst/>
-  </dgm:styleLbl>
-  <dgm:styleLbl name="fgAcc3">
-    <dgm:fillClrLst meth="repeat">
-      <a:schemeClr val="lt1">
-        <a:alpha val="90000"/>
-      </a:schemeClr>
-    </dgm:fillClrLst>
-    <dgm:linClrLst meth="repeat">
-      <a:schemeClr val="accent1"/>
-    </dgm:linClrLst>
-    <dgm:effectClrLst/>
-    <dgm:txLinClrLst/>
-    <dgm:txFillClrLst meth="repeat">
-      <a:schemeClr val="dk1"/>
-    </dgm:txFillClrLst>
-    <dgm:txEffectClrLst/>
-  </dgm:styleLbl>
-  <dgm:styleLbl name="fgAcc4">
-    <dgm:fillClrLst meth="repeat">
-      <a:schemeClr val="lt1">
-        <a:alpha val="90000"/>
-      </a:schemeClr>
-    </dgm:fillClrLst>
-    <dgm:linClrLst meth="repeat">
-      <a:schemeClr val="accent1"/>
-    </dgm:linClrLst>
-    <dgm:effectClrLst/>
-    <dgm:txLinClrLst/>
-    <dgm:txFillClrLst meth="repeat">
-      <a:schemeClr val="dk1"/>
-    </dgm:txFillClrLst>
-    <dgm:txEffectClrLst/>
-  </dgm:styleLbl>
-  <dgm:styleLbl name="fgAccFollowNode1">
-    <dgm:fillClrLst meth="repeat">
-      <a:schemeClr val="accent1">
-        <a:alpha val="90000"/>
-        <a:tint val="40000"/>
-      </a:schemeClr>
-    </dgm:fillClrLst>
-    <dgm:linClrLst meth="repeat">
-      <a:schemeClr val="accent1">
-        <a:alpha val="90000"/>
-        <a:tint val="40000"/>
-      </a:schemeClr>
-    </dgm:linClrLst>
-    <dgm:effectClrLst/>
-    <dgm:txLinClrLst/>
-    <dgm:txFillClrLst meth="repeat">
-      <a:schemeClr val="dk1"/>
-    </dgm:txFillClrLst>
-    <dgm:txEffectClrLst/>
-  </dgm:styleLbl>
-  <dgm:styleLbl name="fgImgPlace1">
-    <dgm:fillClrLst meth="repeat">
-      <a:schemeClr val="accent1">
-        <a:tint val="50000"/>
-      </a:schemeClr>
-    </dgm:fillClrLst>
-    <dgm:linClrLst meth="repeat">
-      <a:schemeClr val="lt1"/>
-    </dgm:linClrLst>
-    <dgm:effectClrLst/>
-    <dgm:txLinClrLst/>
-    <dgm:txFillClrLst meth="repeat">
-      <a:schemeClr val="lt1"/>
-    </dgm:txFillClrLst>
-    <dgm:txEffectClrLst/>
-  </dgm:styleLbl>
-  <dgm:styleLbl name="fgShp">
-    <dgm:fillClrLst meth="repeat">
-      <a:schemeClr val="accent1">
-        <a:tint val="60000"/>
-      </a:schemeClr>
-    </dgm:fillClrLst>
-    <dgm:linClrLst meth="repeat">
-      <a:schemeClr val="lt1"/>
-    </dgm:linClrLst>
-    <dgm:effectClrLst/>
-    <dgm:txLinClrLst/>
-    <dgm:txFillClrLst meth="repeat">
-      <a:schemeClr val="dk1"/>
-    </dgm:txFillClrLst>
-    <dgm:txEffectClrLst/>
-  </dgm:styleLbl>
-  <dgm:styleLbl name="fgSibTrans2D1">
-    <dgm:fillClrLst meth="repeat">
-      <a:schemeClr val="accent1">
-        <a:tint val="60000"/>
-      </a:schemeClr>
-    </dgm:fillClrLst>
-    <dgm:linClrLst meth="repeat">
-      <a:schemeClr val="accent1">
-        <a:tint val="60000"/>
-      </a:schemeClr>
-    </dgm:linClrLst>
-    <dgm:effectClrLst/>
-    <dgm:txLinClrLst/>
-    <dgm:txFillClrLst/>
-    <dgm:txEffectClrLst/>
-  </dgm:styleLbl>
-  <dgm:styleLbl name="lnNode1">
-    <dgm:fillClrLst meth="repeat">
-      <a:schemeClr val="accent1"/>
-    </dgm:fillClrLst>
-    <dgm:linClrLst meth="repeat">
-      <a:schemeClr val="lt1"/>
-    </dgm:linClrLst>
-    <dgm:effectClrLst/>
-    <dgm:txLinClrLst/>
-    <dgm:txFillClrLst/>
-    <dgm:txEffectClrLst/>
-  </dgm:styleLbl>
-  <dgm:styleLbl name="node0">
-    <dgm:fillClrLst meth="repeat">
-      <a:schemeClr val="accent1"/>
-    </dgm:fillClrLst>
-    <dgm:linClrLst meth="repeat">
-      <a:schemeClr val="lt1"/>
-    </dgm:linClrLst>
-    <dgm:effectClrLst/>
-    <dgm:txLinClrLst/>
-    <dgm:txFillClrLst/>
-    <dgm:txEffectClrLst/>
-  </dgm:styleLbl>
-  <dgm:styleLbl name="node1">
-    <dgm:fillClrLst meth="repeat">
-      <a:schemeClr val="accent1"/>
-    </dgm:fillClrLst>
-    <dgm:linClrLst meth="repeat">
-      <a:schemeClr val="lt1"/>
-    </dgm:linClrLst>
-    <dgm:effectClrLst/>
-    <dgm:txLinClrLst/>
-    <dgm:txFillClrLst/>
-    <dgm:txEffectClrLst/>
-  </dgm:styleLbl>
-  <dgm:styleLbl name="node2">
-    <dgm:fillClrLst meth="repeat">
-      <a:schemeClr val="accent1"/>
-    </dgm:fillClrLst>
-    <dgm:linClrLst meth="repeat">
-      <a:schemeClr val="lt1"/>
-    </dgm:linClrLst>
-    <dgm:effectClrLst/>
-    <dgm:txLinClrLst/>
-    <dgm:txFillClrLst/>
-    <dgm:txEffectClrLst/>
-  </dgm:styleLbl>
-  <dgm:styleLbl name="node3">
-    <dgm:fillClrLst meth="repeat">
-      <a:schemeClr val="accent1"/>
-    </dgm:fillClrLst>
-    <dgm:linClrLst meth="repeat">
-      <a:schemeClr val="lt1"/>
-    </dgm:linClrLst>
-    <dgm:effectClrLst/>
-    <dgm:txLinClrLst/>
-    <dgm:txFillClrLst/>
-    <dgm:txEffectClrLst/>
-  </dgm:styleLbl>
-  <dgm:styleLbl name="node4">
-    <dgm:fillClrLst meth="repeat">
-      <a:schemeClr val="accent1"/>
-    </dgm:fillClrLst>
-    <dgm:linClrLst meth="repeat">
-      <a:schemeClr val="lt1"/>
-    </dgm:linClrLst>
-    <dgm:effectClrLst/>
-    <dgm:txLinClrLst/>
-    <dgm:txFillClrLst/>
-    <dgm:txEffectClrLst/>
-  </dgm:styleLbl>
-  <dgm:styleLbl name="parChTrans1D1">
-    <dgm:fillClrLst meth="repeat">
-      <a:schemeClr val="accent1"/>
-    </dgm:fillClrLst>
-    <dgm:linClrLst meth="repeat">
-      <a:schemeClr val="accent1">
-        <a:shade val="60000"/>
-      </a:schemeClr>
-    </dgm:linClrLst>
-    <dgm:effectClrLst/>
-    <dgm:txLinClrLst/>
-    <dgm:txFillClrLst meth="repeat">
-      <a:schemeClr val="tx1"/>
-    </dgm:txFillClrLst>
-    <dgm:txEffectClrLst/>
-  </dgm:styleLbl>
-  <dgm:styleLbl name="parChTrans1D2">
-    <dgm:fillClrLst meth="repeat">
-      <a:schemeClr val="accent1"/>
-    </dgm:fillClrLst>
-    <dgm:linClrLst meth="repeat">
-      <a:schemeClr val="accent1">
-        <a:shade val="60000"/>
-      </a:schemeClr>
-    </dgm:linClrLst>
-    <dgm:effectClrLst/>
-    <dgm:txLinClrLst/>
-    <dgm:txFillClrLst meth="repeat">
-      <a:schemeClr val="tx1"/>
-    </dgm:txFillClrLst>
-    <dgm:txEffectClrLst/>
-  </dgm:styleLbl>
-  <dgm:styleLbl name="parChTrans1D3">
-    <dgm:fillClrLst meth="repeat">
-      <a:schemeClr val="accent1"/>
-    </dgm:fillClrLst>
-    <dgm:linClrLst meth="repeat">
-      <a:schemeClr val="accent1">
-        <a:shade val="80000"/>
-      </a:schemeClr>
-    </dgm:linClrLst>
-    <dgm:effectClrLst/>
-    <dgm:txLinClrLst/>
-    <dgm:txFillClrLst meth="repeat">
-      <a:schemeClr val="tx1"/>
-    </dgm:txFillClrLst>
-    <dgm:txEffectClrLst/>
-  </dgm:styleLbl>
-  <dgm:styleLbl name="parChTrans1D4">
-    <dgm:fillClrLst meth="repeat">
-      <a:schemeClr val="accent1"/>
-    </dgm:fillClrLst>
-    <dgm:linClrLst meth="repeat">
-      <a:schemeClr val="accent1">
-        <a:shade val="80000"/>
-      </a:schemeClr>
-    </dgm:linClrLst>
-    <dgm:effectClrLst/>
-    <dgm:txLinClrLst/>
-    <dgm:txFillClrLst meth="repeat">
-      <a:schemeClr val="tx1"/>
-    </dgm:txFillClrLst>
-    <dgm:txEffectClrLst/>
-  </dgm:styleLbl>
-  <dgm:styleLbl name="parChTrans2D1">
-    <dgm:fillClrLst meth="repeat">
-      <a:schemeClr val="accent1">
-        <a:tint val="60000"/>
-      </a:schemeClr>
-    </dgm:fillClrLst>
-    <dgm:linClrLst meth="repeat">
-      <a:schemeClr val="accent1">
-        <a:tint val="60000"/>
-      </a:schemeClr>
-    </dgm:linClrLst>
-    <dgm:effectClrLst/>
-    <dgm:txLinClrLst/>
-    <dgm:txFillClrLst meth="repeat">
-      <a:schemeClr val="lt1"/>
-    </dgm:txFillClrLst>
-    <dgm:txEffectClrLst/>
-  </dgm:styleLbl>
-  <dgm:styleLbl name="parChTrans2D2">
-    <dgm:fillClrLst meth="repeat">
-      <a:schemeClr val="accent1"/>
-    </dgm:fillClrLst>
-    <dgm:linClrLst meth="repeat">
-      <a:schemeClr val="accent1"/>
-    </dgm:linClrLst>
-    <dgm:effectClrLst/>
-    <dgm:txLinClrLst/>
-    <dgm:txFillClrLst meth="repeat">
-      <a:schemeClr val="lt1"/>
-    </dgm:txFillClrLst>
-    <dgm:txEffectClrLst/>
-  </dgm:styleLbl>
-  <dgm:styleLbl name="parChTrans2D3">
-    <dgm:fillClrLst meth="repeat">
-      <a:schemeClr val="accent1"/>
-    </dgm:fillClrLst>
-    <dgm:linClrLst meth="repeat">
-      <a:schemeClr val="accent1"/>
-    </dgm:linClrLst>
-    <dgm:effectClrLst/>
-    <dgm:txLinClrLst/>
-    <dgm:txFillClrLst meth="repeat">
-      <a:schemeClr val="lt1"/>
-    </dgm:txFillClrLst>
-    <dgm:txEffectClrLst/>
-  </dgm:styleLbl>
-  <dgm:styleLbl name="parChTrans2D4">
-    <dgm:fillClrLst meth="repeat">
-      <a:schemeClr val="accent1"/>
-    </dgm:fillClrLst>
-    <dgm:linClrLst meth="repeat">
-      <a:schemeClr val="accent1"/>
-    </dgm:linClrLst>
-    <dgm:effectClrLst/>
-    <dgm:txLinClrLst/>
-    <dgm:txFillClrLst meth="repeat">
-      <a:schemeClr val="lt1"/>
-    </dgm:txFillClrLst>
-    <dgm:txEffectClrLst/>
-  </dgm:styleLbl>
-  <dgm:styleLbl name="revTx">
-    <dgm:fillClrLst meth="repeat">
-      <a:schemeClr val="lt1">
-        <a:alpha val="0"/>
-      </a:schemeClr>
-    </dgm:fillClrLst>
-    <dgm:linClrLst meth="repeat">
-      <a:schemeClr val="dk1">
-        <a:alpha val="0"/>
-      </a:schemeClr>
-    </dgm:linClrLst>
-    <dgm:effectClrLst/>
-    <dgm:txLinClrLst/>
-    <dgm:txFillClrLst meth="repeat">
-      <a:schemeClr val="tx1"/>
-    </dgm:txFillClrLst>
-    <dgm:txEffectClrLst/>
-  </dgm:styleLbl>
-  <dgm:styleLbl name="sibTrans1D1">
-    <dgm:fillClrLst meth="repeat">
-      <a:schemeClr val="accent1"/>
-    </dgm:fillClrLst>
-    <dgm:linClrLst meth="repeat">
-      <a:schemeClr val="accent1"/>
-    </dgm:linClrLst>
-    <dgm:effectClrLst/>
-    <dgm:txLinClrLst/>
-    <dgm:txFillClrLst meth="repeat">
-      <a:schemeClr val="tx1"/>
-    </dgm:txFillClrLst>
-    <dgm:txEffectClrLst/>
-  </dgm:styleLbl>
-  <dgm:styleLbl name="sibTrans2D1">
-    <dgm:fillClrLst meth="repeat">
-      <a:schemeClr val="accent1">
-        <a:tint val="60000"/>
-      </a:schemeClr>
-    </dgm:fillClrLst>
-    <dgm:linClrLst meth="repeat">
-      <a:schemeClr val="accent1">
-        <a:tint val="60000"/>
-      </a:schemeClr>
-    </dgm:linClrLst>
-    <dgm:effectClrLst/>
-    <dgm:txLinClrLst/>
-    <dgm:txFillClrLst/>
-    <dgm:txEffectClrLst/>
-  </dgm:styleLbl>
-  <dgm:styleLbl name="solidAlignAcc1">
-    <dgm:fillClrLst meth="repeat">
-      <a:schemeClr val="lt1"/>
-    </dgm:fillClrLst>
-    <dgm:linClrLst meth="repeat">
-      <a:schemeClr val="accent1"/>
-    </dgm:linClrLst>
-    <dgm:effectClrLst/>
-    <dgm:txLinClrLst/>
-    <dgm:txFillClrLst meth="repeat">
-      <a:schemeClr val="dk1"/>
-    </dgm:txFillClrLst>
-    <dgm:txEffectClrLst/>
-  </dgm:styleLbl>
-  <dgm:styleLbl name="solidBgAcc1">
-    <dgm:fillClrLst meth="repeat">
-      <a:schemeClr val="lt1"/>
-    </dgm:fillClrLst>
-    <dgm:linClrLst meth="repeat">
-      <a:schemeClr val="accent1"/>
-    </dgm:linClrLst>
-    <dgm:effectClrLst/>
-    <dgm:txLinClrLst/>
-    <dgm:txFillClrLst meth="repeat">
-      <a:schemeClr val="dk1"/>
-    </dgm:txFillClrLst>
-    <dgm:txEffectClrLst/>
-  </dgm:styleLbl>
-  <dgm:styleLbl name="solidFgAcc1">
-    <dgm:fillClrLst meth="repeat">
-      <a:schemeClr val="lt1"/>
-    </dgm:fillClrLst>
-    <dgm:linClrLst meth="repeat">
-      <a:schemeClr val="accent1"/>
-    </dgm:linClrLst>
-    <dgm:effectClrLst/>
-    <dgm:txLinClrLst/>
-    <dgm:txFillClrLst meth="repeat">
-      <a:schemeClr val="dk1"/>
-    </dgm:txFillClrLst>
-    <dgm:txEffectClrLst/>
-  </dgm:styleLbl>
-  <dgm:styleLbl name="trAlignAcc1">
-    <dgm:fillClrLst meth="repeat">
-      <a:schemeClr val="lt1">
-        <a:alpha val="40000"/>
-      </a:schemeClr>
-    </dgm:fillClrLst>
-    <dgm:linClrLst meth="repeat">
-      <a:schemeClr val="accent1"/>
-    </dgm:linClrLst>
-    <dgm:effectClrLst/>
-    <dgm:txLinClrLst/>
-    <dgm:txFillClrLst meth="repeat">
-      <a:schemeClr val="dk1"/>
-    </dgm:txFillClrLst>
-    <dgm:txEffectClrLst/>
-  </dgm:styleLbl>
-  <dgm:styleLbl name="trBgShp">
-    <dgm:fillClrLst meth="repeat">
-      <a:schemeClr val="accent1">
-        <a:tint val="50000"/>
-        <a:alpha val="40000"/>
-      </a:schemeClr>
-    </dgm:fillClrLst>
-    <dgm:linClrLst meth="repeat">
-      <a:schemeClr val="accent1"/>
-    </dgm:linClrLst>
-    <dgm:effectClrLst/>
-    <dgm:txLinClrLst/>
-    <dgm:txFillClrLst meth="repeat">
-      <a:schemeClr val="lt1"/>
-    </dgm:txFillClrLst>
-    <dgm:txEffectClrLst/>
-  </dgm:styleLbl>
-  <dgm:styleLbl name="vennNode1">
-    <dgm:fillClrLst meth="repeat">
-      <a:schemeClr val="accent1">
-        <a:alpha val="50000"/>
-      </a:schemeClr>
-    </dgm:fillClrLst>
-    <dgm:linClrLst meth="repeat">
-      <a:schemeClr val="lt1"/>
-    </dgm:linClrLst>
-    <dgm:effectClrLst/>
-    <dgm:txLinClrLst/>
-    <dgm:txFillClrLst/>
-    <dgm:txEffectClrLst/>
-  </dgm:styleLbl>
-</dgm:colorsDef>
-</file>
-
-<file path=ppt/diagrams/data1.xml><?xml version="1.0" encoding="utf-8"?>
-<dgm:dataModel xmlns:dgm="http://schemas.openxmlformats.org/drawingml/2006/diagram" xmlns:a="http://schemas.openxmlformats.org/drawingml/2006/main">
-  <dgm:ptLst>
-    <dgm:pt modelId="{9BA14844-7BCF-4FA9-A94B-421CCFB273C6}" type="doc">
-      <dgm:prSet loTypeId="urn:microsoft.com/office/officeart/2005/8/layout/vList5" loCatId="list" qsTypeId="urn:microsoft.com/office/officeart/2005/8/quickstyle/simple1#7" qsCatId="simple" csTypeId="urn:microsoft.com/office/officeart/2005/8/colors/accent1_2#7" csCatId="accent1" phldr="1"/>
-      <dgm:spPr/>
-      <dgm:t>
-        <a:bodyPr/>
-        <a:lstStyle/>
-        <a:p>
-          <a:endParaRPr lang="en-US"/>
-        </a:p>
-      </dgm:t>
-    </dgm:pt>
-    <dgm:pt modelId="{7BDECAEE-FEEE-4A3D-874B-20D22F12D468}">
-      <dgm:prSet/>
-      <dgm:spPr/>
-      <dgm:t>
-        <a:bodyPr/>
-        <a:lstStyle/>
-        <a:p>
-          <a:pPr rtl="0"/>
-          <a:r>
-            <a:rPr lang="en-US" dirty="0">
-              <a:hlinkClick xmlns:r="http://schemas.openxmlformats.org/officeDocument/2006/relationships" r:id="" action="ppaction://noaction"/>
-            </a:rPr>
-            <a:t>Back to Main</a:t>
-          </a:r>
-          <a:endParaRPr lang="en-US" dirty="0"/>
-        </a:p>
-      </dgm:t>
-    </dgm:pt>
-    <dgm:pt modelId="{9B652B44-C502-48B5-A9EA-870048E656EB}" type="parTrans" cxnId="{22341D24-7506-45FE-9E13-3C82CD90C745}">
-      <dgm:prSet/>
-      <dgm:spPr/>
-      <dgm:t>
-        <a:bodyPr/>
-        <a:lstStyle/>
-        <a:p>
-          <a:endParaRPr lang="en-US"/>
-        </a:p>
-      </dgm:t>
-    </dgm:pt>
-    <dgm:pt modelId="{DB5C6323-D3D9-42C0-A09D-21C1789B8174}" type="sibTrans" cxnId="{22341D24-7506-45FE-9E13-3C82CD90C745}">
-      <dgm:prSet/>
-      <dgm:spPr/>
-      <dgm:t>
-        <a:bodyPr/>
-        <a:lstStyle/>
-        <a:p>
-          <a:endParaRPr lang="en-US"/>
-        </a:p>
-      </dgm:t>
-    </dgm:pt>
-    <dgm:pt modelId="{FE4B0E14-88B5-423A-A7CD-93548B889A1A}" type="pres">
-      <dgm:prSet presAssocID="{9BA14844-7BCF-4FA9-A94B-421CCFB273C6}" presName="Name0" presStyleCnt="0">
-        <dgm:presLayoutVars>
-          <dgm:dir/>
-          <dgm:animLvl val="lvl"/>
-          <dgm:resizeHandles val="exact"/>
-        </dgm:presLayoutVars>
-      </dgm:prSet>
-      <dgm:spPr/>
-    </dgm:pt>
-    <dgm:pt modelId="{36B084BD-EFB8-477A-8B8D-47A46FFD782B}" type="pres">
-      <dgm:prSet presAssocID="{7BDECAEE-FEEE-4A3D-874B-20D22F12D468}" presName="linNode" presStyleCnt="0"/>
-      <dgm:spPr/>
-    </dgm:pt>
-    <dgm:pt modelId="{E7AEF391-57CF-4EB5-A091-1184D6B2D00B}" type="pres">
-      <dgm:prSet presAssocID="{7BDECAEE-FEEE-4A3D-874B-20D22F12D468}" presName="parentText" presStyleLbl="node1" presStyleIdx="0" presStyleCnt="1" custScaleX="253623">
-        <dgm:presLayoutVars>
-          <dgm:chMax val="1"/>
-          <dgm:bulletEnabled val="1"/>
-        </dgm:presLayoutVars>
-      </dgm:prSet>
-      <dgm:spPr/>
-    </dgm:pt>
-  </dgm:ptLst>
-  <dgm:cxnLst>
-    <dgm:cxn modelId="{22341D24-7506-45FE-9E13-3C82CD90C745}" srcId="{9BA14844-7BCF-4FA9-A94B-421CCFB273C6}" destId="{7BDECAEE-FEEE-4A3D-874B-20D22F12D468}" srcOrd="0" destOrd="0" parTransId="{9B652B44-C502-48B5-A9EA-870048E656EB}" sibTransId="{DB5C6323-D3D9-42C0-A09D-21C1789B8174}"/>
-    <dgm:cxn modelId="{95F63551-6AF4-4380-870C-A12FA4431D14}" type="presOf" srcId="{7BDECAEE-FEEE-4A3D-874B-20D22F12D468}" destId="{E7AEF391-57CF-4EB5-A091-1184D6B2D00B}" srcOrd="0" destOrd="0" presId="urn:microsoft.com/office/officeart/2005/8/layout/vList5"/>
-    <dgm:cxn modelId="{EA866EAD-2B42-4D9E-91E3-B25337A0D1F9}" type="presOf" srcId="{9BA14844-7BCF-4FA9-A94B-421CCFB273C6}" destId="{FE4B0E14-88B5-423A-A7CD-93548B889A1A}" srcOrd="0" destOrd="0" presId="urn:microsoft.com/office/officeart/2005/8/layout/vList5"/>
-    <dgm:cxn modelId="{9311F952-6D8F-4FEE-94A7-9F360F062A65}" type="presParOf" srcId="{FE4B0E14-88B5-423A-A7CD-93548B889A1A}" destId="{36B084BD-EFB8-477A-8B8D-47A46FFD782B}" srcOrd="0" destOrd="0" presId="urn:microsoft.com/office/officeart/2005/8/layout/vList5"/>
-    <dgm:cxn modelId="{BC6EA393-C42A-4843-8B17-B394FCB7AD71}" type="presParOf" srcId="{36B084BD-EFB8-477A-8B8D-47A46FFD782B}" destId="{E7AEF391-57CF-4EB5-A091-1184D6B2D00B}" srcOrd="0" destOrd="0" presId="urn:microsoft.com/office/officeart/2005/8/layout/vList5"/>
-  </dgm:cxnLst>
-  <dgm:bg/>
-  <dgm:whole/>
-  <dgm:extLst>
-    <a:ext uri="http://schemas.microsoft.com/office/drawing/2008/diagram">
-      <dsp:dataModelExt xmlns:dsp="http://schemas.microsoft.com/office/drawing/2008/diagram" relId="rId6" minVer="http://schemas.openxmlformats.org/drawingml/2006/diagram"/>
-    </a:ext>
-  </dgm:extLst>
-</dgm:dataModel>
-</file>
-
-<file path=ppt/diagrams/drawing1.xml><?xml version="1.0" encoding="utf-8"?>
-<dsp:drawing xmlns:dgm="http://schemas.openxmlformats.org/drawingml/2006/diagram" xmlns:dsp="http://schemas.microsoft.com/office/drawing/2008/diagram" xmlns:a="http://schemas.openxmlformats.org/drawingml/2006/main">
-  <dsp:spTree>
-    <dsp:nvGrpSpPr>
-      <dsp:cNvPr id="0" name=""/>
-      <dsp:cNvGrpSpPr/>
-    </dsp:nvGrpSpPr>
-    <dsp:grpSpPr/>
-    <dsp:sp modelId="{E7AEF391-57CF-4EB5-A091-1184D6B2D00B}">
-      <dsp:nvSpPr>
-        <dsp:cNvPr id="0" name=""/>
-        <dsp:cNvSpPr/>
-      </dsp:nvSpPr>
-      <dsp:spPr>
-        <a:xfrm>
-          <a:off x="76200" y="0"/>
-          <a:ext cx="1600198" cy="369332"/>
-        </a:xfrm>
-        <a:prstGeom prst="roundRect">
-          <a:avLst/>
-        </a:prstGeom>
-        <a:solidFill>
-          <a:schemeClr val="accent1">
-            <a:hueOff val="0"/>
-            <a:satOff val="0"/>
-            <a:lumOff val="0"/>
-            <a:alphaOff val="0"/>
-          </a:schemeClr>
-        </a:solidFill>
-        <a:ln w="25400" cap="flat" cmpd="sng" algn="ctr">
-          <a:solidFill>
-            <a:schemeClr val="lt1">
-              <a:hueOff val="0"/>
-              <a:satOff val="0"/>
-              <a:lumOff val="0"/>
-              <a:alphaOff val="0"/>
-            </a:schemeClr>
-          </a:solidFill>
-          <a:prstDash val="solid"/>
-        </a:ln>
-        <a:effectLst/>
-      </dsp:spPr>
-      <dsp:style>
-        <a:lnRef idx="2">
-          <a:scrgbClr r="0" g="0" b="0"/>
-        </a:lnRef>
-        <a:fillRef idx="1">
-          <a:scrgbClr r="0" g="0" b="0"/>
-        </a:fillRef>
-        <a:effectRef idx="0">
-          <a:scrgbClr r="0" g="0" b="0"/>
-        </a:effectRef>
-        <a:fontRef idx="minor">
-          <a:schemeClr val="lt1"/>
-        </a:fontRef>
-      </dsp:style>
-      <dsp:txBody>
-        <a:bodyPr spcFirstLastPara="0" vert="horz" wrap="square" lIns="68580" tIns="34290" rIns="68580" bIns="34290" numCol="1" spcCol="1270" anchor="ctr" anchorCtr="0">
-          <a:noAutofit/>
-        </a:bodyPr>
-        <a:lstStyle/>
-        <a:p>
-          <a:pPr marL="0" lvl="0" indent="0" algn="ctr" defTabSz="800100" rtl="0">
-            <a:lnSpc>
-              <a:spcPct val="90000"/>
-            </a:lnSpc>
-            <a:spcBef>
-              <a:spcPct val="0"/>
-            </a:spcBef>
-            <a:spcAft>
-              <a:spcPct val="35000"/>
-            </a:spcAft>
-            <a:buNone/>
-          </a:pPr>
-          <a:r>
-            <a:rPr lang="en-US" sz="1800" kern="1200" dirty="0">
-              <a:hlinkClick xmlns:r="http://schemas.openxmlformats.org/officeDocument/2006/relationships" r:id=""/>
-            </a:rPr>
-            <a:t>Back to Main</a:t>
-          </a:r>
-          <a:endParaRPr lang="en-US" sz="1800" kern="1200" dirty="0"/>
-        </a:p>
-      </dsp:txBody>
-      <dsp:txXfrm>
-        <a:off x="94229" y="18029"/>
-        <a:ext cx="1564140" cy="333274"/>
-      </dsp:txXfrm>
-    </dsp:sp>
-  </dsp:spTree>
-</dsp:drawing>
-</file>
-
-<file path=ppt/diagrams/layout1.xml><?xml version="1.0" encoding="utf-8"?>
-<dgm:layoutDef xmlns:dgm="http://schemas.openxmlformats.org/drawingml/2006/diagram" xmlns:a="http://schemas.openxmlformats.org/drawingml/2006/main" uniqueId="urn:microsoft.com/office/officeart/2005/8/layout/vList5">
-  <dgm:title val=""/>
-  <dgm:desc val=""/>
-  <dgm:catLst>
-    <dgm:cat type="list" pri="15000"/>
-    <dgm:cat type="convert" pri="2000"/>
-  </dgm:catLst>
-  <dgm:sampData>
-    <dgm:dataModel>
-      <dgm:ptLst>
-        <dgm:pt modelId="0" type="doc"/>
-        <dgm:pt modelId="1">
-          <dgm:prSet phldr="1"/>
-        </dgm:pt>
-        <dgm:pt modelId="11">
-          <dgm:prSet phldr="1"/>
-        </dgm:pt>
-        <dgm:pt modelId="12">
-          <dgm:prSet phldr="1"/>
-        </dgm:pt>
-        <dgm:pt modelId="2">
-          <dgm:prSet phldr="1"/>
-        </dgm:pt>
-        <dgm:pt modelId="21">
-          <dgm:prSet phldr="1"/>
-        </dgm:pt>
-        <dgm:pt modelId="22">
-          <dgm:prSet phldr="1"/>
-        </dgm:pt>
-        <dgm:pt modelId="3">
-          <dgm:prSet phldr="1"/>
-        </dgm:pt>
-        <dgm:pt modelId="31">
-          <dgm:prSet phldr="1"/>
-        </dgm:pt>
-        <dgm:pt modelId="32">
-          <dgm:prSet phldr="1"/>
-        </dgm:pt>
-      </dgm:ptLst>
-      <dgm:cxnLst>
-        <dgm:cxn modelId="4" srcId="0" destId="1" srcOrd="0" destOrd="0"/>
-        <dgm:cxn modelId="5" srcId="0" destId="2" srcOrd="1" destOrd="0"/>
-        <dgm:cxn modelId="6" srcId="0" destId="3" srcOrd="2" destOrd="0"/>
-        <dgm:cxn modelId="13" srcId="1" destId="11" srcOrd="0" destOrd="0"/>
-        <dgm:cxn modelId="14" srcId="1" destId="12" srcOrd="1" destOrd="0"/>
-        <dgm:cxn modelId="23" srcId="2" destId="21" srcOrd="0" destOrd="0"/>
-        <dgm:cxn modelId="24" srcId="2" destId="22" srcOrd="1" destOrd="0"/>
-        <dgm:cxn modelId="33" srcId="3" destId="31" srcOrd="0" destOrd="0"/>
-        <dgm:cxn modelId="34" srcId="3" destId="32" srcOrd="1" destOrd="0"/>
-      </dgm:cxnLst>
-      <dgm:bg/>
-      <dgm:whole/>
-    </dgm:dataModel>
-  </dgm:sampData>
-  <dgm:styleData>
-    <dgm:dataModel>
-      <dgm:ptLst>
-        <dgm:pt modelId="0" type="doc"/>
-        <dgm:pt modelId="1"/>
-        <dgm:pt modelId="11"/>
-        <dgm:pt modelId="2"/>
-        <dgm:pt modelId="21"/>
-      </dgm:ptLst>
-      <dgm:cxnLst>
-        <dgm:cxn modelId="4" srcId="0" destId="1" srcOrd="0" destOrd="0"/>
-        <dgm:cxn modelId="5" srcId="0" destId="2" srcOrd="1" destOrd="0"/>
-        <dgm:cxn modelId="13" srcId="1" destId="11" srcOrd="0" destOrd="0"/>
-        <dgm:cxn modelId="23" srcId="2" destId="21" srcOrd="0" destOrd="0"/>
-      </dgm:cxnLst>
-      <dgm:bg/>
-      <dgm:whole/>
-    </dgm:dataModel>
-  </dgm:styleData>
-  <dgm:clrData>
-    <dgm:dataModel>
-      <dgm:ptLst>
-        <dgm:pt modelId="0" type="doc"/>
-        <dgm:pt modelId="1"/>
-        <dgm:pt modelId="11"/>
-        <dgm:pt modelId="2"/>
-        <dgm:pt modelId="21"/>
-        <dgm:pt modelId="3"/>
-        <dgm:pt modelId="31"/>
-        <dgm:pt modelId="4"/>
-        <dgm:pt modelId="41"/>
-      </dgm:ptLst>
-      <dgm:cxnLst>
-        <dgm:cxn modelId="5" srcId="0" destId="1" srcOrd="0" destOrd="0"/>
-        <dgm:cxn modelId="6" srcId="0" destId="2" srcOrd="1" destOrd="0"/>
-        <dgm:cxn modelId="7" srcId="0" destId="3" srcOrd="2" destOrd="0"/>
-        <dgm:cxn modelId="8" srcId="0" destId="4" srcOrd="3" destOrd="0"/>
-        <dgm:cxn modelId="13" srcId="1" destId="11" srcOrd="0" destOrd="0"/>
-        <dgm:cxn modelId="23" srcId="2" destId="21" srcOrd="0" destOrd="0"/>
-        <dgm:cxn modelId="33" srcId="3" destId="31" srcOrd="0" destOrd="0"/>
-        <dgm:cxn modelId="43" srcId="4" destId="41" srcOrd="0" destOrd="0"/>
-      </dgm:cxnLst>
-      <dgm:bg/>
-      <dgm:whole/>
-    </dgm:dataModel>
-  </dgm:clrData>
-  <dgm:layoutNode name="Name0">
-    <dgm:varLst>
-      <dgm:dir/>
-      <dgm:animLvl val="lvl"/>
-      <dgm:resizeHandles val="exact"/>
-    </dgm:varLst>
-    <dgm:choose name="Name1">
-      <dgm:if name="Name2" func="var" arg="dir" op="equ" val="norm">
-        <dgm:alg type="lin">
-          <dgm:param type="linDir" val="fromT"/>
-          <dgm:param type="nodeHorzAlign" val="l"/>
-        </dgm:alg>
-      </dgm:if>
-      <dgm:else name="Name3">
-        <dgm:alg type="lin">
-          <dgm:param type="linDir" val="fromT"/>
-          <dgm:param type="nodeHorzAlign" val="r"/>
-        </dgm:alg>
-      </dgm:else>
-    </dgm:choose>
-    <dgm:shape xmlns:r="http://schemas.openxmlformats.org/officeDocument/2006/relationships" r:blip="">
-      <dgm:adjLst/>
-    </dgm:shape>
-    <dgm:presOf/>
-    <dgm:constrLst>
-      <dgm:constr type="h" for="ch" forName="linNode" refType="h"/>
-      <dgm:constr type="w" for="ch" forName="linNode" refType="w"/>
-      <dgm:constr type="h" for="ch" forName="sp" refType="h" fact="0.05"/>
-      <dgm:constr type="primFontSz" for="des" forName="parentText" op="equ" val="65"/>
-      <dgm:constr type="secFontSz" for="des" forName="descendantText" op="equ"/>
-    </dgm:constrLst>
-    <dgm:ruleLst/>
-    <dgm:forEach name="Name4" axis="ch" ptType="node">
-      <dgm:layoutNode name="linNode">
-        <dgm:choose name="Name5">
-          <dgm:if name="Name6" func="var" arg="dir" op="equ" val="norm">
-            <dgm:alg type="lin">
-              <dgm:param type="linDir" val="fromL"/>
-            </dgm:alg>
-          </dgm:if>
-          <dgm:else name="Name7">
-            <dgm:alg type="lin">
-              <dgm:param type="linDir" val="fromR"/>
-            </dgm:alg>
-          </dgm:else>
-        </dgm:choose>
-        <dgm:shape xmlns:r="http://schemas.openxmlformats.org/officeDocument/2006/relationships" r:blip="">
-          <dgm:adjLst/>
-        </dgm:shape>
-        <dgm:presOf/>
-        <dgm:constrLst>
-          <dgm:constr type="w" for="ch" forName="parentText" refType="w" fact="0.36"/>
-          <dgm:constr type="w" for="ch" forName="descendantText" refType="w" fact="0.64"/>
-          <dgm:constr type="h" for="ch" forName="parentText" refType="h"/>
-          <dgm:constr type="h" for="ch" forName="descendantText" refType="h" refFor="ch" refForName="parentText" fact="0.8"/>
-        </dgm:constrLst>
-        <dgm:ruleLst/>
-        <dgm:layoutNode name="parentText">
-          <dgm:varLst>
-            <dgm:chMax val="1"/>
-            <dgm:bulletEnabled val="1"/>
-          </dgm:varLst>
-          <dgm:alg type="tx"/>
-          <dgm:shape xmlns:r="http://schemas.openxmlformats.org/officeDocument/2006/relationships" type="roundRect" r:blip="" zOrderOff="3">
-            <dgm:adjLst/>
-          </dgm:shape>
-          <dgm:presOf axis="self" ptType="node"/>
-          <dgm:constrLst>
-            <dgm:constr type="tMarg" refType="primFontSz" fact="0.15"/>
-            <dgm:constr type="bMarg" refType="primFontSz" fact="0.15"/>
-            <dgm:constr type="lMarg" refType="primFontSz" fact="0.3"/>
-            <dgm:constr type="rMarg" refType="primFontSz" fact="0.3"/>
-          </dgm:constrLst>
-          <dgm:ruleLst>
-            <dgm:rule type="primFontSz" val="5" fact="NaN" max="NaN"/>
-          </dgm:ruleLst>
-        </dgm:layoutNode>
-        <dgm:choose name="Name8">
-          <dgm:if name="Name9" axis="ch" ptType="node" func="cnt" op="gte" val="1">
-            <dgm:layoutNode name="descendantText" styleLbl="alignAccFollowNode1">
-              <dgm:varLst>
-                <dgm:bulletEnabled val="1"/>
-              </dgm:varLst>
-              <dgm:alg type="tx">
-                <dgm:param type="stBulletLvl" val="1"/>
-                <dgm:param type="txAnchorVertCh" val="mid"/>
-              </dgm:alg>
-              <dgm:choose name="Name10">
-                <dgm:if name="Name11" func="var" arg="dir" op="equ" val="norm">
-                  <dgm:shape xmlns:r="http://schemas.openxmlformats.org/officeDocument/2006/relationships" rot="90" type="round2SameRect" r:blip="">
-                    <dgm:adjLst/>
-                  </dgm:shape>
-                </dgm:if>
-                <dgm:else name="Name12">
-                  <dgm:shape xmlns:r="http://schemas.openxmlformats.org/officeDocument/2006/relationships" rot="-90" type="round2SameRect" r:blip="">
-                    <dgm:adjLst/>
-                  </dgm:shape>
-                </dgm:else>
-              </dgm:choose>
-              <dgm:presOf axis="des" ptType="node"/>
-              <dgm:constrLst>
-                <dgm:constr type="secFontSz" val="65"/>
-                <dgm:constr type="primFontSz" refType="secFontSz"/>
-                <dgm:constr type="lMarg" refType="secFontSz" fact="0.3"/>
-                <dgm:constr type="rMarg" refType="secFontSz" fact="0.3"/>
-                <dgm:constr type="tMarg" refType="secFontSz" fact="0.15"/>
-                <dgm:constr type="bMarg" refType="secFontSz" fact="0.15"/>
-              </dgm:constrLst>
-              <dgm:ruleLst>
-                <dgm:rule type="secFontSz" val="5" fact="NaN" max="NaN"/>
-              </dgm:ruleLst>
-            </dgm:layoutNode>
-          </dgm:if>
-          <dgm:else name="Name13"/>
-        </dgm:choose>
-      </dgm:layoutNode>
-      <dgm:forEach name="Name14" axis="followSib" ptType="sibTrans" cnt="1">
-        <dgm:layoutNode name="sp">
-          <dgm:alg type="sp"/>
-          <dgm:shape xmlns:r="http://schemas.openxmlformats.org/officeDocument/2006/relationships" r:blip="">
-            <dgm:adjLst/>
-          </dgm:shape>
-          <dgm:presOf/>
-          <dgm:constrLst/>
-          <dgm:ruleLst/>
-        </dgm:layoutNode>
-      </dgm:forEach>
-    </dgm:forEach>
-  </dgm:layoutNode>
-</dgm:layoutDef>
-</file>
-
-<file path=ppt/diagrams/quickStyle1.xml><?xml version="1.0" encoding="utf-8"?>
-<dgm:styleDef xmlns:dgm="http://schemas.openxmlformats.org/drawingml/2006/diagram" xmlns:a="http://schemas.openxmlformats.org/drawingml/2006/main" uniqueId="urn:microsoft.com/office/officeart/2005/8/quickstyle/simple1#7">
-  <dgm:title val=""/>
-  <dgm:desc val=""/>
-  <dgm:catLst>
-    <dgm:cat type="simple" pri="10100"/>
-  </dgm:catLst>
-  <dgm:scene3d>
-    <a:camera prst="orthographicFront"/>
-    <a:lightRig rig="threePt" dir="t"/>
-  </dgm:scene3d>
-  <dgm:styleLbl name="alignAcc1">
-    <dgm:scene3d>
-      <a:camera prst="orthographicFront"/>
-      <a:lightRig rig="threePt" dir="t"/>
-    </dgm:scene3d>
-    <dgm:sp3d/>
-    <dgm:txPr/>
-    <dgm:style>
-      <a:lnRef idx="2">
-        <a:scrgbClr r="0" g="0" b="0"/>
-      </a:lnRef>
-      <a:fillRef idx="1">
-        <a:scrgbClr r="0" g="0" b="0"/>
-      </a:fillRef>
-      <a:effectRef idx="0">
-        <a:scrgbClr r="0" g="0" b="0"/>
-      </a:effectRef>
-      <a:fontRef idx="minor"/>
-    </dgm:style>
-  </dgm:styleLbl>
-  <dgm:styleLbl name="alignAccFollowNode1">
-    <dgm:scene3d>
-      <a:camera prst="orthographicFront"/>
-      <a:lightRig rig="threePt" dir="t"/>
-    </dgm:scene3d>
-    <dgm:sp3d/>
-    <dgm:txPr/>
-    <dgm:style>
-      <a:lnRef idx="2">
-        <a:scrgbClr r="0" g="0" b="0"/>
-      </a:lnRef>
-      <a:fillRef idx="1">
-        <a:scrgbClr r="0" g="0" b="0"/>
-      </a:fillRef>
-      <a:effectRef idx="0">
-        <a:scrgbClr r="0" g="0" b="0"/>
-      </a:effectRef>
-      <a:fontRef idx="minor"/>
-    </dgm:style>
-  </dgm:styleLbl>
-  <dgm:styleLbl name="alignImgPlace1">
-    <dgm:scene3d>
-      <a:camera prst="orthographicFront"/>
-      <a:lightRig rig="threePt" dir="t"/>
-    </dgm:scene3d>
-    <dgm:sp3d/>
-    <dgm:txPr/>
-    <dgm:style>
-      <a:lnRef idx="2">
-        <a:scrgbClr r="0" g="0" b="0"/>
-      </a:lnRef>
-      <a:fillRef idx="1">
-        <a:scrgbClr r="0" g="0" b="0"/>
-      </a:fillRef>
-      <a:effectRef idx="0">
-        <a:scrgbClr r="0" g="0" b="0"/>
-      </a:effectRef>
-      <a:fontRef idx="minor"/>
-    </dgm:style>
-  </dgm:styleLbl>
-  <dgm:styleLbl name="alignNode1">
-    <dgm:scene3d>
-      <a:camera prst="orthographicFront"/>
-      <a:lightRig rig="threePt" dir="t"/>
-    </dgm:scene3d>
-    <dgm:sp3d/>
-    <dgm:txPr/>
-    <dgm:style>
-      <a:lnRef idx="2">
-        <a:scrgbClr r="0" g="0" b="0"/>
-      </a:lnRef>
-      <a:fillRef idx="1">
-        <a:scrgbClr r="0" g="0" b="0"/>
-      </a:fillRef>
-      <a:effectRef idx="0">
-        <a:scrgbClr r="0" g="0" b="0"/>
-      </a:effectRef>
-      <a:fontRef idx="minor">
-        <a:schemeClr val="lt1"/>
-      </a:fontRef>
-    </dgm:style>
-  </dgm:styleLbl>
-  <dgm:styleLbl name="asst0">
-    <dgm:scene3d>
-      <a:camera prst="orthographicFront"/>
-      <a:lightRig rig="threePt" dir="t"/>
-    </dgm:scene3d>
-    <dgm:sp3d/>
-    <dgm:txPr/>
-    <dgm:style>
-      <a:lnRef idx="2">
-        <a:scrgbClr r="0" g="0" b="0"/>
-      </a:lnRef>
-      <a:fillRef idx="1">
-        <a:scrgbClr r="0" g="0" b="0"/>
-      </a:fillRef>
-      <a:effectRef idx="0">
-        <a:scrgbClr r="0" g="0" b="0"/>
-      </a:effectRef>
-      <a:fontRef idx="minor">
-        <a:schemeClr val="lt1"/>
-      </a:fontRef>
-    </dgm:style>
-  </dgm:styleLbl>
-  <dgm:styleLbl name="asst1">
-    <dgm:scene3d>
-      <a:camera prst="orthographicFront"/>
-      <a:lightRig rig="threePt" dir="t"/>
-    </dgm:scene3d>
-    <dgm:sp3d/>
-    <dgm:txPr/>
-    <dgm:style>
-      <a:lnRef idx="2">
-        <a:scrgbClr r="0" g="0" b="0"/>
-      </a:lnRef>
-      <a:fillRef idx="1">
-        <a:scrgbClr r="0" g="0" b="0"/>
-      </a:fillRef>
-      <a:effectRef idx="0">
-        <a:scrgbClr r="0" g="0" b="0"/>
-      </a:effectRef>
-      <a:fontRef idx="minor">
-        <a:schemeClr val="lt1"/>
-      </a:fontRef>
-    </dgm:style>
-  </dgm:styleLbl>
-  <dgm:styleLbl name="asst2">
-    <dgm:scene3d>
-      <a:camera prst="orthographicFront"/>
-      <a:lightRig rig="threePt" dir="t"/>
-    </dgm:scene3d>
-    <dgm:sp3d/>
-    <dgm:txPr/>
-    <dgm:style>
-      <a:lnRef idx="2">
-        <a:scrgbClr r="0" g="0" b="0"/>
-      </a:lnRef>
-      <a:fillRef idx="1">
-        <a:scrgbClr r="0" g="0" b="0"/>
-      </a:fillRef>
-      <a:effectRef idx="0">
-        <a:scrgbClr r="0" g="0" b="0"/>
-      </a:effectRef>
-      <a:fontRef idx="minor">
-        <a:schemeClr val="lt1"/>
-      </a:fontRef>
-    </dgm:style>
-  </dgm:styleLbl>
-  <dgm:styleLbl name="asst3">
-    <dgm:scene3d>
-      <a:camera prst="orthographicFront"/>
-      <a:lightRig rig="threePt" dir="t"/>
-    </dgm:scene3d>
-    <dgm:sp3d/>
-    <dgm:txPr/>
-    <dgm:style>
-      <a:lnRef idx="2">
-        <a:scrgbClr r="0" g="0" b="0"/>
-      </a:lnRef>
-      <a:fillRef idx="1">
-        <a:scrgbClr r="0" g="0" b="0"/>
-      </a:fillRef>
-      <a:effectRef idx="0">
-        <a:scrgbClr r="0" g="0" b="0"/>
-      </a:effectRef>
-      <a:fontRef idx="minor">
-        <a:schemeClr val="lt1"/>
-      </a:fontRef>
-    </dgm:style>
-  </dgm:styleLbl>
-  <dgm:styleLbl name="asst4">
-    <dgm:scene3d>
-      <a:camera prst="orthographicFront"/>
-      <a:lightRig rig="threePt" dir="t"/>
-    </dgm:scene3d>
-    <dgm:sp3d/>
-    <dgm:txPr/>
-    <dgm:style>
-      <a:lnRef idx="2">
-        <a:scrgbClr r="0" g="0" b="0"/>
-      </a:lnRef>
-      <a:fillRef idx="1">
-        <a:scrgbClr r="0" g="0" b="0"/>
-      </a:fillRef>
-      <a:effectRef idx="0">
-        <a:scrgbClr r="0" g="0" b="0"/>
-      </a:effectRef>
-      <a:fontRef idx="minor">
-        <a:schemeClr val="lt1"/>
-      </a:fontRef>
-    </dgm:style>
-  </dgm:styleLbl>
-  <dgm:styleLbl name="bgAcc1">
-    <dgm:scene3d>
-      <a:camera prst="orthographicFront"/>
-      <a:lightRig rig="threePt" dir="t"/>
-    </dgm:scene3d>
-    <dgm:sp3d/>
-    <dgm:txPr/>
-    <dgm:style>
-      <a:lnRef idx="2">
-        <a:scrgbClr r="0" g="0" b="0"/>
-      </a:lnRef>
-      <a:fillRef idx="1">
-        <a:scrgbClr r="0" g="0" b="0"/>
-      </a:fillRef>
-      <a:effectRef idx="0">
-        <a:scrgbClr r="0" g="0" b="0"/>
-      </a:effectRef>
-      <a:fontRef idx="minor"/>
-    </dgm:style>
-  </dgm:styleLbl>
-  <dgm:styleLbl name="bgAccFollowNode1">
-    <dgm:scene3d>
-      <a:camera prst="orthographicFront"/>
-      <a:lightRig rig="threePt" dir="t"/>
-    </dgm:scene3d>
-    <dgm:sp3d/>
-    <dgm:txPr/>
-    <dgm:style>
-      <a:lnRef idx="2">
-        <a:scrgbClr r="0" g="0" b="0"/>
-      </a:lnRef>
-      <a:fillRef idx="1">
-        <a:scrgbClr r="0" g="0" b="0"/>
-      </a:fillRef>
-      <a:effectRef idx="0">
-        <a:scrgbClr r="0" g="0" b="0"/>
-      </a:effectRef>
-      <a:fontRef idx="minor"/>
-    </dgm:style>
-  </dgm:styleLbl>
-  <dgm:styleLbl name="bgImgPlace1">
-    <dgm:scene3d>
-      <a:camera prst="orthographicFront"/>
-      <a:lightRig rig="threePt" dir="t"/>
-    </dgm:scene3d>
-    <dgm:sp3d/>
-    <dgm:txPr/>
-    <dgm:style>
-      <a:lnRef idx="2">
-        <a:scrgbClr r="0" g="0" b="0"/>
-      </a:lnRef>
-      <a:fillRef idx="1">
-        <a:scrgbClr r="0" g="0" b="0"/>
-      </a:fillRef>
-      <a:effectRef idx="0">
-        <a:scrgbClr r="0" g="0" b="0"/>
-      </a:effectRef>
-      <a:fontRef idx="minor"/>
-    </dgm:style>
-  </dgm:styleLbl>
-  <dgm:styleLbl name="bgShp">
-    <dgm:scene3d>
-      <a:camera prst="orthographicFront"/>
-      <a:lightRig rig="threePt" dir="t"/>
-    </dgm:scene3d>
-    <dgm:sp3d/>
-    <dgm:txPr/>
-    <dgm:style>
-      <a:lnRef idx="0">
-        <a:scrgbClr r="0" g="0" b="0"/>
-      </a:lnRef>
-      <a:fillRef idx="1">
-        <a:scrgbClr r="0" g="0" b="0"/>
-      </a:fillRef>
-      <a:effectRef idx="0">
-        <a:scrgbClr r="0" g="0" b="0"/>
-      </a:effectRef>
-      <a:fontRef idx="minor"/>
-    </dgm:style>
-  </dgm:styleLbl>
-  <dgm:styleLbl name="bgSibTrans2D1">
-    <dgm:scene3d>
-      <a:camera prst="orthographicFront"/>
-      <a:lightRig rig="threePt" dir="t"/>
-    </dgm:scene3d>
-    <dgm:sp3d/>
-    <dgm:txPr/>
-    <dgm:style>
-      <a:lnRef idx="0">
-        <a:scrgbClr r="0" g="0" b="0"/>
-      </a:lnRef>
-      <a:fillRef idx="1">
-        <a:scrgbClr r="0" g="0" b="0"/>
-      </a:fillRef>
-      <a:effectRef idx="0">
-        <a:scrgbClr r="0" g="0" b="0"/>
-      </a:effectRef>
-      <a:fontRef idx="minor">
-        <a:schemeClr val="lt1"/>
-      </a:fontRef>
-    </dgm:style>
-  </dgm:styleLbl>
-  <dgm:styleLbl name="callout">
-    <dgm:scene3d>
-      <a:camera prst="orthographicFront"/>
-      <a:lightRig rig="threePt" dir="t"/>
-    </dgm:scene3d>
-    <dgm:sp3d/>
-    <dgm:txPr/>
-    <dgm:style>
-      <a:lnRef idx="2">
-        <a:scrgbClr r="0" g="0" b="0"/>
-      </a:lnRef>
-      <a:fillRef idx="1">
-        <a:scrgbClr r="0" g="0" b="0"/>
-      </a:fillRef>
-      <a:effectRef idx="0">
-        <a:scrgbClr r="0" g="0" b="0"/>
-      </a:effectRef>
-      <a:fontRef idx="minor"/>
-    </dgm:style>
-  </dgm:styleLbl>
-  <dgm:styleLbl name="conFgAcc1">
-    <dgm:scene3d>
-      <a:camera prst="orthographicFront"/>
-      <a:lightRig rig="threePt" dir="t"/>
-    </dgm:scene3d>
-    <dgm:sp3d/>
-    <dgm:txPr/>
-    <dgm:style>
-      <a:lnRef idx="2">
-        <a:scrgbClr r="0" g="0" b="0"/>
-      </a:lnRef>
-      <a:fillRef idx="1">
-        <a:scrgbClr r="0" g="0" b="0"/>
-      </a:fillRef>
-      <a:effectRef idx="0">
-        <a:scrgbClr r="0" g="0" b="0"/>
-      </a:effectRef>
-      <a:fontRef idx="minor"/>
-    </dgm:style>
-  </dgm:styleLbl>
-  <dgm:styleLbl name="dkBgShp">
-    <dgm:scene3d>
-      <a:camera prst="orthographicFront"/>
-      <a:lightRig rig="threePt" dir="t"/>
-    </dgm:scene3d>
-    <dgm:sp3d/>
-    <dgm:txPr/>
-    <dgm:style>
-      <a:lnRef idx="0">
-        <a:scrgbClr r="0" g="0" b="0"/>
-      </a:lnRef>
-      <a:fillRef idx="1">
-        <a:scrgbClr r="0" g="0" b="0"/>
-      </a:fillRef>
-      <a:effectRef idx="0">
-        <a:scrgbClr r="0" g="0" b="0"/>
-      </a:effectRef>
-      <a:fontRef idx="minor"/>
-    </dgm:style>
-  </dgm:styleLbl>
-  <dgm:styleLbl name="fgAcc0">
-    <dgm:scene3d>
-      <a:camera prst="orthographicFront"/>
-      <a:lightRig rig="threePt" dir="t"/>
-    </dgm:scene3d>
-    <dgm:sp3d/>
-    <dgm:txPr/>
-    <dgm:style>
-      <a:lnRef idx="2">
-        <a:scrgbClr r="0" g="0" b="0"/>
-      </a:lnRef>
-      <a:fillRef idx="1">
-        <a:scrgbClr r="0" g="0" b="0"/>
-      </a:fillRef>
-      <a:effectRef idx="0">
-        <a:scrgbClr r="0" g="0" b="0"/>
-      </a:effectRef>
-      <a:fontRef idx="minor"/>
-    </dgm:style>
-  </dgm:styleLbl>
-  <dgm:styleLbl name="fgAcc1">
-    <dgm:scene3d>
-      <a:camera prst="orthographicFront"/>
-      <a:lightRig rig="threePt" dir="t"/>
-    </dgm:scene3d>
-    <dgm:sp3d/>
-    <dgm:txPr/>
-    <dgm:style>
-      <a:lnRef idx="2">
-        <a:scrgbClr r="0" g="0" b="0"/>
-      </a:lnRef>
-      <a:fillRef idx="1">
-        <a:scrgbClr r="0" g="0" b="0"/>
-      </a:fillRef>
-      <a:effectRef idx="0">
-        <a:scrgbClr r="0" g="0" b="0"/>
-      </a:effectRef>
-      <a:fontRef idx="minor"/>
-    </dgm:style>
-  </dgm:styleLbl>
-  <dgm:styleLbl name="fgAcc2">
-    <dgm:scene3d>
-      <a:camera prst="orthographicFront"/>
-      <a:lightRig rig="threePt" dir="t"/>
-    </dgm:scene3d>
-    <dgm:sp3d/>
-    <dgm:txPr/>
-    <dgm:style>
-      <a:lnRef idx="2">
-        <a:scrgbClr r="0" g="0" b="0"/>
-      </a:lnRef>
-      <a:fillRef idx="1">
-        <a:scrgbClr r="0" g="0" b="0"/>
-      </a:fillRef>
-      <a:effectRef idx="0">
-        <a:scrgbClr r="0" g="0" b="0"/>
-      </a:effectRef>
-      <a:fontRef idx="minor"/>
-    </dgm:style>
-  </dgm:styleLbl>
-  <dgm:styleLbl name="fgAcc3">
-    <dgm:scene3d>
-      <a:camera prst="orthographicFront"/>
-      <a:lightRig rig="threePt" dir="t"/>
-    </dgm:scene3d>
-    <dgm:sp3d/>
-    <dgm:txPr/>
-    <dgm:style>
-      <a:lnRef idx="2">
-        <a:scrgbClr r="0" g="0" b="0"/>
-      </a:lnRef>
-      <a:fillRef idx="1">
-        <a:scrgbClr r="0" g="0" b="0"/>
-      </a:fillRef>
-      <a:effectRef idx="0">
-        <a:scrgbClr r="0" g="0" b="0"/>
-      </a:effectRef>
-      <a:fontRef idx="minor"/>
-    </dgm:style>
-  </dgm:styleLbl>
-  <dgm:styleLbl name="fgAcc4">
-    <dgm:scene3d>
-      <a:camera prst="orthographicFront"/>
-      <a:lightRig rig="threePt" dir="t"/>
-    </dgm:scene3d>
-    <dgm:sp3d/>
-    <dgm:txPr/>
-    <dgm:style>
-      <a:lnRef idx="2">
-        <a:scrgbClr r="0" g="0" b="0"/>
-      </a:lnRef>
-      <a:fillRef idx="1">
-        <a:scrgbClr r="0" g="0" b="0"/>
-      </a:fillRef>
-      <a:effectRef idx="0">
-        <a:scrgbClr r="0" g="0" b="0"/>
-      </a:effectRef>
-      <a:fontRef idx="minor"/>
-    </dgm:style>
-  </dgm:styleLbl>
-  <dgm:styleLbl name="fgAccFollowNode1">
-    <dgm:scene3d>
-      <a:camera prst="orthographicFront"/>
-      <a:lightRig rig="threePt" dir="t"/>
-    </dgm:scene3d>
-    <dgm:sp3d/>
-    <dgm:txPr/>
-    <dgm:style>
-      <a:lnRef idx="2">
-        <a:scrgbClr r="0" g="0" b="0"/>
-      </a:lnRef>
-      <a:fillRef idx="1">
-        <a:scrgbClr r="0" g="0" b="0"/>
-      </a:fillRef>
-      <a:effectRef idx="0">
-        <a:scrgbClr r="0" g="0" b="0"/>
-      </a:effectRef>
-      <a:fontRef idx="minor"/>
-    </dgm:style>
-  </dgm:styleLbl>
-  <dgm:styleLbl name="fgImgPlace1">
-    <dgm:scene3d>
-      <a:camera prst="orthographicFront"/>
-      <a:lightRig rig="threePt" dir="t"/>
-    </dgm:scene3d>
-    <dgm:sp3d/>
-    <dgm:txPr/>
-    <dgm:style>
-      <a:lnRef idx="2">
-        <a:scrgbClr r="0" g="0" b="0"/>
-      </a:lnRef>
-      <a:fillRef idx="1">
-        <a:scrgbClr r="0" g="0" b="0"/>
-      </a:fillRef>
-      <a:effectRef idx="0">
-        <a:scrgbClr r="0" g="0" b="0"/>
-      </a:effectRef>
-      <a:fontRef idx="minor"/>
-    </dgm:style>
-  </dgm:styleLbl>
-  <dgm:styleLbl name="fgShp">
-    <dgm:scene3d>
-      <a:camera prst="orthographicFront"/>
-      <a:lightRig rig="threePt" dir="t"/>
-    </dgm:scene3d>
-    <dgm:sp3d/>
-    <dgm:txPr/>
-    <dgm:style>
-      <a:lnRef idx="2">
-        <a:scrgbClr r="0" g="0" b="0"/>
-      </a:lnRef>
-      <a:fillRef idx="1">
-        <a:scrgbClr r="0" g="0" b="0"/>
-      </a:fillRef>
-      <a:effectRef idx="0">
-        <a:scrgbClr r="0" g="0" b="0"/>
-      </a:effectRef>
-      <a:fontRef idx="minor"/>
-    </dgm:style>
-  </dgm:styleLbl>
-  <dgm:styleLbl name="fgSibTrans2D1">
-    <dgm:scene3d>
-      <a:camera prst="orthographicFront"/>
-      <a:lightRig rig="threePt" dir="t"/>
-    </dgm:scene3d>
-    <dgm:sp3d/>
-    <dgm:txPr/>
-    <dgm:style>
-      <a:lnRef idx="0">
-        <a:scrgbClr r="0" g="0" b="0"/>
-      </a:lnRef>
-      <a:fillRef idx="1">
-        <a:scrgbClr r="0" g="0" b="0"/>
-      </a:fillRef>
-      <a:effectRef idx="0">
-        <a:scrgbClr r="0" g="0" b="0"/>
-      </a:effectRef>
-      <a:fontRef idx="minor">
-        <a:schemeClr val="lt1"/>
-      </a:fontRef>
-    </dgm:style>
-  </dgm:styleLbl>
-  <dgm:styleLbl name="lnNode1">
-    <dgm:scene3d>
-      <a:camera prst="orthographicFront"/>
-      <a:lightRig rig="threePt" dir="t"/>
-    </dgm:scene3d>
-    <dgm:sp3d/>
-    <dgm:txPr/>
-    <dgm:style>
-      <a:lnRef idx="2">
-        <a:scrgbClr r="0" g="0" b="0"/>
-      </a:lnRef>
-      <a:fillRef idx="1">
-        <a:scrgbClr r="0" g="0" b="0"/>
-      </a:fillRef>
-      <a:effectRef idx="0">
-        <a:scrgbClr r="0" g="0" b="0"/>
-      </a:effectRef>
-      <a:fontRef idx="minor">
-        <a:schemeClr val="lt1"/>
-      </a:fontRef>
-    </dgm:style>
-  </dgm:styleLbl>
-  <dgm:styleLbl name="node0">
-    <dgm:scene3d>
-      <a:camera prst="orthographicFront"/>
-      <a:lightRig rig="threePt" dir="t"/>
-    </dgm:scene3d>
-    <dgm:sp3d/>
-    <dgm:txPr/>
-    <dgm:style>
-      <a:lnRef idx="2">
-        <a:scrgbClr r="0" g="0" b="0"/>
-      </a:lnRef>
-      <a:fillRef idx="1">
-        <a:scrgbClr r="0" g="0" b="0"/>
-      </a:fillRef>
-      <a:effectRef idx="0">
-        <a:scrgbClr r="0" g="0" b="0"/>
-      </a:effectRef>
-      <a:fontRef idx="minor">
-        <a:schemeClr val="lt1"/>
-      </a:fontRef>
-    </dgm:style>
-  </dgm:styleLbl>
-  <dgm:styleLbl name="node1">
-    <dgm:scene3d>
-      <a:camera prst="orthographicFront"/>
-      <a:lightRig rig="threePt" dir="t"/>
-    </dgm:scene3d>
-    <dgm:sp3d/>
-    <dgm:txPr/>
-    <dgm:style>
-      <a:lnRef idx="2">
-        <a:scrgbClr r="0" g="0" b="0"/>
-      </a:lnRef>
-      <a:fillRef idx="1">
-        <a:scrgbClr r="0" g="0" b="0"/>
-      </a:fillRef>
-      <a:effectRef idx="0">
-        <a:scrgbClr r="0" g="0" b="0"/>
-      </a:effectRef>
-      <a:fontRef idx="minor">
-        <a:schemeClr val="lt1"/>
-      </a:fontRef>
-    </dgm:style>
-  </dgm:styleLbl>
-  <dgm:styleLbl name="node2">
-    <dgm:scene3d>
-      <a:camera prst="orthographicFront"/>
-      <a:lightRig rig="threePt" dir="t"/>
-    </dgm:scene3d>
-    <dgm:sp3d/>
-    <dgm:txPr/>
-    <dgm:style>
-      <a:lnRef idx="2">
-        <a:scrgbClr r="0" g="0" b="0"/>
-      </a:lnRef>
-      <a:fillRef idx="1">
-        <a:scrgbClr r="0" g="0" b="0"/>
-      </a:fillRef>
-      <a:effectRef idx="0">
-        <a:scrgbClr r="0" g="0" b="0"/>
-      </a:effectRef>
-      <a:fontRef idx="minor">
-        <a:schemeClr val="lt1"/>
-      </a:fontRef>
-    </dgm:style>
-  </dgm:styleLbl>
-  <dgm:styleLbl name="node3">
-    <dgm:scene3d>
-      <a:camera prst="orthographicFront"/>
-      <a:lightRig rig="threePt" dir="t"/>
-    </dgm:scene3d>
-    <dgm:sp3d/>
-    <dgm:txPr/>
-    <dgm:style>
-      <a:lnRef idx="2">
-        <a:scrgbClr r="0" g="0" b="0"/>
-      </a:lnRef>
-      <a:fillRef idx="1">
-        <a:scrgbClr r="0" g="0" b="0"/>
-      </a:fillRef>
-      <a:effectRef idx="0">
-        <a:scrgbClr r="0" g="0" b="0"/>
-      </a:effectRef>
-      <a:fontRef idx="minor">
-        <a:schemeClr val="lt1"/>
-      </a:fontRef>
-    </dgm:style>
-  </dgm:styleLbl>
-  <dgm:styleLbl name="node4">
-    <dgm:scene3d>
-      <a:camera prst="orthographicFront"/>
-      <a:lightRig rig="threePt" dir="t"/>
-    </dgm:scene3d>
-    <dgm:sp3d/>
-    <dgm:txPr/>
-    <dgm:style>
-      <a:lnRef idx="2">
-        <a:scrgbClr r="0" g="0" b="0"/>
-      </a:lnRef>
-      <a:fillRef idx="1">
-        <a:scrgbClr r="0" g="0" b="0"/>
-      </a:fillRef>
-      <a:effectRef idx="0">
-        <a:scrgbClr r="0" g="0" b="0"/>
-      </a:effectRef>
-      <a:fontRef idx="minor">
-        <a:schemeClr val="lt1"/>
-      </a:fontRef>
-    </dgm:style>
-  </dgm:styleLbl>
-  <dgm:styleLbl name="parChTrans1D1">
-    <dgm:scene3d>
-      <a:camera prst="orthographicFront"/>
-      <a:lightRig rig="threePt" dir="t"/>
-    </dgm:scene3d>
-    <dgm:sp3d/>
-    <dgm:txPr/>
-    <dgm:style>
-      <a:lnRef idx="2">
-        <a:scrgbClr r="0" g="0" b="0"/>
-      </a:lnRef>
-      <a:fillRef idx="0">
-        <a:scrgbClr r="0" g="0" b="0"/>
-      </a:fillRef>
-      <a:effectRef idx="0">
-        <a:scrgbClr r="0" g="0" b="0"/>
-      </a:effectRef>
-      <a:fontRef idx="minor"/>
-    </dgm:style>
-  </dgm:styleLbl>
-  <dgm:styleLbl name="parChTrans1D2">
-    <dgm:scene3d>
-      <a:camera prst="orthographicFront"/>
-      <a:lightRig rig="threePt" dir="t"/>
-    </dgm:scene3d>
-    <dgm:sp3d/>
-    <dgm:txPr/>
-    <dgm:style>
-      <a:lnRef idx="2">
-        <a:scrgbClr r="0" g="0" b="0"/>
-      </a:lnRef>
-      <a:fillRef idx="0">
-        <a:scrgbClr r="0" g="0" b="0"/>
-      </a:fillRef>
-      <a:effectRef idx="0">
-        <a:scrgbClr r="0" g="0" b="0"/>
-      </a:effectRef>
-      <a:fontRef idx="minor"/>
-    </dgm:style>
-  </dgm:styleLbl>
-  <dgm:styleLbl name="parChTrans1D3">
-    <dgm:scene3d>
-      <a:camera prst="orthographicFront"/>
-      <a:lightRig rig="threePt" dir="t"/>
-    </dgm:scene3d>
-    <dgm:sp3d/>
-    <dgm:txPr/>
-    <dgm:style>
-      <a:lnRef idx="2">
-        <a:scrgbClr r="0" g="0" b="0"/>
-      </a:lnRef>
-      <a:fillRef idx="0">
-        <a:scrgbClr r="0" g="0" b="0"/>
-      </a:fillRef>
-      <a:effectRef idx="0">
-        <a:scrgbClr r="0" g="0" b="0"/>
-      </a:effectRef>
-      <a:fontRef idx="minor"/>
-    </dgm:style>
-  </dgm:styleLbl>
-  <dgm:styleLbl name="parChTrans1D4">
-    <dgm:scene3d>
-      <a:camera prst="orthographicFront"/>
-      <a:lightRig rig="threePt" dir="t"/>
-    </dgm:scene3d>
-    <dgm:sp3d/>
-    <dgm:txPr/>
-    <dgm:style>
-      <a:lnRef idx="2">
-        <a:scrgbClr r="0" g="0" b="0"/>
-      </a:lnRef>
-      <a:fillRef idx="0">
-        <a:scrgbClr r="0" g="0" b="0"/>
-      </a:fillRef>
-      <a:effectRef idx="0">
-        <a:scrgbClr r="0" g="0" b="0"/>
-      </a:effectRef>
-      <a:fontRef idx="minor"/>
-    </dgm:style>
-  </dgm:styleLbl>
-  <dgm:styleLbl name="parChTrans2D1">
-    <dgm:scene3d>
-      <a:camera prst="orthographicFront"/>
-      <a:lightRig rig="threePt" dir="t"/>
-    </dgm:scene3d>
-    <dgm:sp3d/>
-    <dgm:txPr/>
-    <dgm:style>
-      <a:lnRef idx="2">
-        <a:scrgbClr r="0" g="0" b="0"/>
-      </a:lnRef>
-      <a:fillRef idx="1">
-        <a:scrgbClr r="0" g="0" b="0"/>
-      </a:fillRef>
-      <a:effectRef idx="0">
-        <a:scrgbClr r="0" g="0" b="0"/>
-      </a:effectRef>
-      <a:fontRef idx="minor">
-        <a:schemeClr val="lt1"/>
-      </a:fontRef>
-    </dgm:style>
-  </dgm:styleLbl>
-  <dgm:styleLbl name="parChTrans2D2">
-    <dgm:scene3d>
-      <a:camera prst="orthographicFront"/>
-      <a:lightRig rig="threePt" dir="t"/>
-    </dgm:scene3d>
-    <dgm:sp3d/>
-    <dgm:txPr/>
-    <dgm:style>
-      <a:lnRef idx="2">
-        <a:scrgbClr r="0" g="0" b="0"/>
-      </a:lnRef>
-      <a:fillRef idx="1">
-        <a:scrgbClr r="0" g="0" b="0"/>
-      </a:fillRef>
-      <a:effectRef idx="0">
-        <a:scrgbClr r="0" g="0" b="0"/>
-      </a:effectRef>
-      <a:fontRef idx="minor">
-        <a:schemeClr val="lt1"/>
-      </a:fontRef>
-    </dgm:style>
-  </dgm:styleLbl>
-  <dgm:styleLbl name="parChTrans2D3">
-    <dgm:scene3d>
-      <a:camera prst="orthographicFront"/>
-      <a:lightRig rig="threePt" dir="t"/>
-    </dgm:scene3d>
-    <dgm:sp3d/>
-    <dgm:txPr/>
-    <dgm:style>
-      <a:lnRef idx="2">
-        <a:scrgbClr r="0" g="0" b="0"/>
-      </a:lnRef>
-      <a:fillRef idx="1">
-        <a:scrgbClr r="0" g="0" b="0"/>
-      </a:fillRef>
-      <a:effectRef idx="0">
-        <a:scrgbClr r="0" g="0" b="0"/>
-      </a:effectRef>
-      <a:fontRef idx="minor">
-        <a:schemeClr val="lt1"/>
-      </a:fontRef>
-    </dgm:style>
-  </dgm:styleLbl>
-  <dgm:styleLbl name="parChTrans2D4">
-    <dgm:scene3d>
-      <a:camera prst="orthographicFront"/>
-      <a:lightRig rig="threePt" dir="t"/>
-    </dgm:scene3d>
-    <dgm:sp3d/>
-    <dgm:txPr/>
-    <dgm:style>
-      <a:lnRef idx="2">
-        <a:scrgbClr r="0" g="0" b="0"/>
-      </a:lnRef>
-      <a:fillRef idx="1">
-        <a:scrgbClr r="0" g="0" b="0"/>
-      </a:fillRef>
-      <a:effectRef idx="0">
-        <a:scrgbClr r="0" g="0" b="0"/>
-      </a:effectRef>
-      <a:fontRef idx="minor">
-        <a:schemeClr val="lt1"/>
-      </a:fontRef>
-    </dgm:style>
-  </dgm:styleLbl>
-  <dgm:styleLbl name="revTx">
-    <dgm:scene3d>
-      <a:camera prst="orthographicFront"/>
-      <a:lightRig rig="threePt" dir="t"/>
-    </dgm:scene3d>
-    <dgm:sp3d/>
-    <dgm:txPr/>
-    <dgm:style>
-      <a:lnRef idx="0">
-        <a:scrgbClr r="0" g="0" b="0"/>
-      </a:lnRef>
-      <a:fillRef idx="0">
-        <a:scrgbClr r="0" g="0" b="0"/>
-      </a:fillRef>
-      <a:effectRef idx="0">
-        <a:scrgbClr r="0" g="0" b="0"/>
-      </a:effectRef>
-      <a:fontRef idx="minor"/>
-    </dgm:style>
-  </dgm:styleLbl>
-  <dgm:styleLbl name="sibTrans1D1">
-    <dgm:scene3d>
-      <a:camera prst="orthographicFront"/>
-      <a:lightRig rig="threePt" dir="t"/>
-    </dgm:scene3d>
-    <dgm:sp3d/>
-    <dgm:txPr/>
-    <dgm:style>
-      <a:lnRef idx="1">
-        <a:scrgbClr r="0" g="0" b="0"/>
-      </a:lnRef>
-      <a:fillRef idx="0">
-        <a:scrgbClr r="0" g="0" b="0"/>
-      </a:fillRef>
-      <a:effectRef idx="0">
-        <a:scrgbClr r="0" g="0" b="0"/>
-      </a:effectRef>
-      <a:fontRef idx="minor"/>
-    </dgm:style>
-  </dgm:styleLbl>
-  <dgm:styleLbl name="sibTrans2D1">
-    <dgm:scene3d>
-      <a:camera prst="orthographicFront"/>
-      <a:lightRig rig="threePt" dir="t"/>
-    </dgm:scene3d>
-    <dgm:sp3d/>
-    <dgm:txPr/>
-    <dgm:style>
-      <a:lnRef idx="0">
-        <a:scrgbClr r="0" g="0" b="0"/>
-      </a:lnRef>
-      <a:fillRef idx="1">
-        <a:scrgbClr r="0" g="0" b="0"/>
-      </a:fillRef>
-      <a:effectRef idx="0">
-        <a:scrgbClr r="0" g="0" b="0"/>
-      </a:effectRef>
-      <a:fontRef idx="minor">
-        <a:schemeClr val="lt1"/>
-      </a:fontRef>
-    </dgm:style>
-  </dgm:styleLbl>
-  <dgm:styleLbl name="solidAlignAcc1">
-    <dgm:scene3d>
-      <a:camera prst="orthographicFront"/>
-      <a:lightRig rig="threePt" dir="t"/>
-    </dgm:scene3d>
-    <dgm:sp3d/>
-    <dgm:txPr/>
-    <dgm:style>
-      <a:lnRef idx="2">
-        <a:scrgbClr r="0" g="0" b="0"/>
-      </a:lnRef>
-      <a:fillRef idx="1">
-        <a:scrgbClr r="0" g="0" b="0"/>
-      </a:fillRef>
-      <a:effectRef idx="0">
-        <a:scrgbClr r="0" g="0" b="0"/>
-      </a:effectRef>
-      <a:fontRef idx="minor"/>
-    </dgm:style>
-  </dgm:styleLbl>
-  <dgm:styleLbl name="solidBgAcc1">
-    <dgm:scene3d>
-      <a:camera prst="orthographicFront"/>
-      <a:lightRig rig="threePt" dir="t"/>
-    </dgm:scene3d>
-    <dgm:sp3d/>
-    <dgm:txPr/>
-    <dgm:style>
-      <a:lnRef idx="2">
-        <a:scrgbClr r="0" g="0" b="0"/>
-      </a:lnRef>
-      <a:fillRef idx="1">
-        <a:scrgbClr r="0" g="0" b="0"/>
-      </a:fillRef>
-      <a:effectRef idx="0">
-        <a:scrgbClr r="0" g="0" b="0"/>
-      </a:effectRef>
-      <a:fontRef idx="minor"/>
-    </dgm:style>
-  </dgm:styleLbl>
-  <dgm:styleLbl name="solidFgAcc1">
-    <dgm:scene3d>
-      <a:camera prst="orthographicFront"/>
-      <a:lightRig rig="threePt" dir="t"/>
-    </dgm:scene3d>
-    <dgm:sp3d/>
-    <dgm:txPr/>
-    <dgm:style>
-      <a:lnRef idx="2">
-        <a:scrgbClr r="0" g="0" b="0"/>
-      </a:lnRef>
-      <a:fillRef idx="1">
-        <a:scrgbClr r="0" g="0" b="0"/>
-      </a:fillRef>
-      <a:effectRef idx="0">
-        <a:scrgbClr r="0" g="0" b="0"/>
-      </a:effectRef>
-      <a:fontRef idx="minor"/>
-    </dgm:style>
-  </dgm:styleLbl>
-  <dgm:styleLbl name="trAlignAcc1">
-    <dgm:scene3d>
-      <a:camera prst="orthographicFront"/>
-      <a:lightRig rig="threePt" dir="t"/>
-    </dgm:scene3d>
-    <dgm:sp3d/>
-    <dgm:txPr/>
-    <dgm:style>
-      <a:lnRef idx="1">
-        <a:scrgbClr r="0" g="0" b="0"/>
-      </a:lnRef>
-      <a:fillRef idx="1">
-        <a:scrgbClr r="0" g="0" b="0"/>
-      </a:fillRef>
-      <a:effectRef idx="0">
-        <a:scrgbClr r="0" g="0" b="0"/>
-      </a:effectRef>
-      <a:fontRef idx="minor"/>
-    </dgm:style>
-  </dgm:styleLbl>
-  <dgm:styleLbl name="trBgShp">
-    <dgm:scene3d>
-      <a:camera prst="orthographicFront"/>
-      <a:lightRig rig="threePt" dir="t"/>
-    </dgm:scene3d>
-    <dgm:sp3d/>
-    <dgm:txPr/>
-    <dgm:style>
-      <a:lnRef idx="0">
-        <a:scrgbClr r="0" g="0" b="0"/>
-      </a:lnRef>
-      <a:fillRef idx="1">
-        <a:scrgbClr r="0" g="0" b="0"/>
-      </a:fillRef>
-      <a:effectRef idx="0">
-        <a:scrgbClr r="0" g="0" b="0"/>
-      </a:effectRef>
-      <a:fontRef idx="minor"/>
-    </dgm:style>
-  </dgm:styleLbl>
-  <dgm:styleLbl name="vennNode1">
-    <dgm:scene3d>
-      <a:camera prst="orthographicFront"/>
-      <a:lightRig rig="threePt" dir="t"/>
-    </dgm:scene3d>
-    <dgm:sp3d/>
-    <dgm:txPr/>
-    <dgm:style>
-      <a:lnRef idx="2">
-        <a:scrgbClr r="0" g="0" b="0"/>
-      </a:lnRef>
-      <a:fillRef idx="1">
-        <a:scrgbClr r="0" g="0" b="0"/>
-      </a:fillRef>
-      <a:effectRef idx="0">
-        <a:scrgbClr r="0" g="0" b="0"/>
-      </a:effectRef>
-      <a:fontRef idx="minor">
-        <a:schemeClr val="tx1"/>
-      </a:fontRef>
-    </dgm:style>
-  </dgm:styleLbl>
-</dgm:styleDef>
 </file>
 
 <file path=ppt/notesMasters/notesMaster1.xml><?xml version="1.0" encoding="utf-8"?>
@@ -2397,7 +201,7 @@
           <a:p>
             <a:fld id="{BC2A1303-A898-4EBF-944F-127D3F4AE6D8}" type="datetimeFigureOut">
               <a:rPr lang="en-US" smtClean="0"/>
-              <a:t>3/15/2024</a:t>
+              <a:t>3/23/2024</a:t>
             </a:fld>
             <a:endParaRPr lang="en-US"/>
           </a:p>
@@ -2968,7 +772,7 @@
           <a:p>
             <a:fld id="{3BFB4463-3776-441D-85CA-AB94FE2EE4CC}" type="datetimeFigureOut">
               <a:rPr lang="en-US" smtClean="0"/>
-              <a:t>3/15/2024</a:t>
+              <a:t>3/23/2024</a:t>
             </a:fld>
             <a:endParaRPr lang="en-US"/>
           </a:p>
@@ -3166,7 +970,7 @@
           <a:p>
             <a:fld id="{3BFB4463-3776-441D-85CA-AB94FE2EE4CC}" type="datetimeFigureOut">
               <a:rPr lang="en-US" smtClean="0"/>
-              <a:t>3/15/2024</a:t>
+              <a:t>3/23/2024</a:t>
             </a:fld>
             <a:endParaRPr lang="en-US"/>
           </a:p>
@@ -3374,7 +1178,7 @@
           <a:p>
             <a:fld id="{3BFB4463-3776-441D-85CA-AB94FE2EE4CC}" type="datetimeFigureOut">
               <a:rPr lang="en-US" smtClean="0"/>
-              <a:t>3/15/2024</a:t>
+              <a:t>3/23/2024</a:t>
             </a:fld>
             <a:endParaRPr lang="en-US"/>
           </a:p>
@@ -3632,7 +1436,7 @@
               <a:pPr>
                 <a:defRPr/>
               </a:pPr>
-              <a:t>3/15/2024</a:t>
+              <a:t>3/23/2024</a:t>
             </a:fld>
             <a:endParaRPr lang="en-US"/>
           </a:p>
@@ -3814,7 +1618,7 @@
               <a:pPr>
                 <a:defRPr/>
               </a:pPr>
-              <a:t>3/15/2024</a:t>
+              <a:t>3/23/2024</a:t>
             </a:fld>
             <a:endParaRPr lang="en-US"/>
           </a:p>
@@ -4073,7 +1877,7 @@
               <a:pPr>
                 <a:defRPr/>
               </a:pPr>
-              <a:t>3/15/2024</a:t>
+              <a:t>3/23/2024</a:t>
             </a:fld>
             <a:endParaRPr lang="en-US"/>
           </a:p>
@@ -4372,7 +2176,7 @@
               <a:pPr>
                 <a:defRPr/>
               </a:pPr>
-              <a:t>3/15/2024</a:t>
+              <a:t>3/23/2024</a:t>
             </a:fld>
             <a:endParaRPr lang="en-US"/>
           </a:p>
@@ -4805,7 +2609,7 @@
               <a:pPr>
                 <a:defRPr/>
               </a:pPr>
-              <a:t>3/15/2024</a:t>
+              <a:t>3/23/2024</a:t>
             </a:fld>
             <a:endParaRPr lang="en-US"/>
           </a:p>
@@ -4936,7 +2740,7 @@
               <a:pPr>
                 <a:defRPr/>
               </a:pPr>
-              <a:t>3/15/2024</a:t>
+              <a:t>3/23/2024</a:t>
             </a:fld>
             <a:endParaRPr lang="en-US"/>
           </a:p>
@@ -5045,7 +2849,7 @@
               <a:pPr>
                 <a:defRPr/>
               </a:pPr>
-              <a:t>3/15/2024</a:t>
+              <a:t>3/23/2024</a:t>
             </a:fld>
             <a:endParaRPr lang="en-US"/>
           </a:p>
@@ -5334,7 +3138,7 @@
               <a:pPr>
                 <a:defRPr/>
               </a:pPr>
-              <a:t>3/15/2024</a:t>
+              <a:t>3/23/2024</a:t>
             </a:fld>
             <a:endParaRPr lang="en-US"/>
           </a:p>
@@ -5528,7 +3332,7 @@
           <a:p>
             <a:fld id="{3BFB4463-3776-441D-85CA-AB94FE2EE4CC}" type="datetimeFigureOut">
               <a:rPr lang="en-US" smtClean="0"/>
-              <a:t>3/15/2024</a:t>
+              <a:t>3/23/2024</a:t>
             </a:fld>
             <a:endParaRPr lang="en-US"/>
           </a:p>
@@ -5829,7 +3633,7 @@
               <a:pPr>
                 <a:defRPr/>
               </a:pPr>
-              <a:t>3/15/2024</a:t>
+              <a:t>3/23/2024</a:t>
             </a:fld>
             <a:endParaRPr lang="en-US"/>
           </a:p>
@@ -6011,7 +3815,7 @@
               <a:pPr>
                 <a:defRPr/>
               </a:pPr>
-              <a:t>3/15/2024</a:t>
+              <a:t>3/23/2024</a:t>
             </a:fld>
             <a:endParaRPr lang="en-US"/>
           </a:p>
@@ -6203,7 +4007,7 @@
               <a:pPr>
                 <a:defRPr/>
               </a:pPr>
-              <a:t>3/15/2024</a:t>
+              <a:t>3/23/2024</a:t>
             </a:fld>
             <a:endParaRPr lang="en-US"/>
           </a:p>
@@ -6394,7 +4198,7 @@
               <a:pPr>
                 <a:defRPr/>
               </a:pPr>
-              <a:t>3/15/2024</a:t>
+              <a:t>3/23/2024</a:t>
             </a:fld>
             <a:endParaRPr lang="en-US" sz="900"/>
           </a:p>
@@ -6694,7 +4498,7 @@
           <a:p>
             <a:fld id="{3BFB4463-3776-441D-85CA-AB94FE2EE4CC}" type="datetimeFigureOut">
               <a:rPr lang="en-US" smtClean="0"/>
-              <a:t>3/15/2024</a:t>
+              <a:t>3/23/2024</a:t>
             </a:fld>
             <a:endParaRPr lang="en-US"/>
           </a:p>
@@ -6959,7 +4763,7 @@
           <a:p>
             <a:fld id="{3BFB4463-3776-441D-85CA-AB94FE2EE4CC}" type="datetimeFigureOut">
               <a:rPr lang="en-US" smtClean="0"/>
-              <a:t>3/15/2024</a:t>
+              <a:t>3/23/2024</a:t>
             </a:fld>
             <a:endParaRPr lang="en-US"/>
           </a:p>
@@ -7371,7 +5175,7 @@
           <a:p>
             <a:fld id="{3BFB4463-3776-441D-85CA-AB94FE2EE4CC}" type="datetimeFigureOut">
               <a:rPr lang="en-US" smtClean="0"/>
-              <a:t>3/15/2024</a:t>
+              <a:t>3/23/2024</a:t>
             </a:fld>
             <a:endParaRPr lang="en-US"/>
           </a:p>
@@ -7512,7 +5316,7 @@
           <a:p>
             <a:fld id="{3BFB4463-3776-441D-85CA-AB94FE2EE4CC}" type="datetimeFigureOut">
               <a:rPr lang="en-US" smtClean="0"/>
-              <a:t>3/15/2024</a:t>
+              <a:t>3/23/2024</a:t>
             </a:fld>
             <a:endParaRPr lang="en-US"/>
           </a:p>
@@ -7625,7 +5429,7 @@
           <a:p>
             <a:fld id="{3BFB4463-3776-441D-85CA-AB94FE2EE4CC}" type="datetimeFigureOut">
               <a:rPr lang="en-US" smtClean="0"/>
-              <a:t>3/15/2024</a:t>
+              <a:t>3/23/2024</a:t>
             </a:fld>
             <a:endParaRPr lang="en-US"/>
           </a:p>
@@ -7936,7 +5740,7 @@
           <a:p>
             <a:fld id="{3BFB4463-3776-441D-85CA-AB94FE2EE4CC}" type="datetimeFigureOut">
               <a:rPr lang="en-US" smtClean="0"/>
-              <a:t>3/15/2024</a:t>
+              <a:t>3/23/2024</a:t>
             </a:fld>
             <a:endParaRPr lang="en-US"/>
           </a:p>
@@ -8224,7 +6028,7 @@
           <a:p>
             <a:fld id="{3BFB4463-3776-441D-85CA-AB94FE2EE4CC}" type="datetimeFigureOut">
               <a:rPr lang="en-US" smtClean="0"/>
-              <a:t>3/15/2024</a:t>
+              <a:t>3/23/2024</a:t>
             </a:fld>
             <a:endParaRPr lang="en-US"/>
           </a:p>
@@ -8465,7 +6269,7 @@
           <a:p>
             <a:fld id="{3BFB4463-3776-441D-85CA-AB94FE2EE4CC}" type="datetimeFigureOut">
               <a:rPr lang="en-US" smtClean="0"/>
-              <a:t>3/15/2024</a:t>
+              <a:t>3/23/2024</a:t>
             </a:fld>
             <a:endParaRPr lang="en-US"/>
           </a:p>
@@ -9034,7 +6838,7 @@
               <a:pPr>
                 <a:defRPr/>
               </a:pPr>
-              <a:t>3/15/2024</a:t>
+              <a:t>3/23/2024</a:t>
             </a:fld>
             <a:endParaRPr lang="en-US"/>
           </a:p>
@@ -9584,7 +7388,7 @@
               <a:rPr lang="en-US" dirty="0"/>
             </a:br>
             <a:r>
-              <a:rPr lang="en-US" dirty="0"/>
+              <a:rPr lang="en-US" b="1" dirty="0"/>
               <a:t>Use Case Testing</a:t>
             </a:r>
           </a:p>
@@ -9700,7 +7504,7 @@
             </a:pPr>
             <a:r>
               <a:rPr sz="2800" dirty="0"/>
-              <a:t>		Use case testing is a technique that helps us identify test cases that exercise the whole system on a </a:t>
+              <a:t>Use case testing is a technique that helps us identify test cases that exercise the whole system on a </a:t>
             </a:r>
             <a:r>
               <a:rPr lang="en-US" sz="2800" dirty="0"/>
@@ -9708,7 +7512,37 @@
             </a:r>
             <a:r>
               <a:rPr sz="2800" dirty="0"/>
-              <a:t> basis from start to finish. A use case is a description of a particular use of the system by an actor (a user of the system). Each use case describes the interactions the actor has with the system in order to achieve a specific task (or, at least, produce something of value to the user). Actors are generally people but they may also be other systems. Use cases are a sequence of steps that describe the interactions between the actor and the system.</a:t>
+              <a:t> basis from start to finish. </a:t>
+            </a:r>
+            <a:endParaRPr lang="en-US" sz="2800" dirty="0"/>
+          </a:p>
+          <a:p>
+            <a:pPr algn="just">
+              <a:buNone/>
+            </a:pPr>
+            <a:r>
+              <a:rPr sz="2800" dirty="0"/>
+              <a:t>A use case is a description of a particular use of the system by an actor (a user of the system). </a:t>
+            </a:r>
+            <a:endParaRPr lang="en-US" sz="2800" dirty="0"/>
+          </a:p>
+          <a:p>
+            <a:pPr algn="just">
+              <a:buNone/>
+            </a:pPr>
+            <a:r>
+              <a:rPr sz="2800" dirty="0"/>
+              <a:t>Each use case describes the interactions the actor has with the system in order to achieve a specific task (or, at least, produce something of value to the user). </a:t>
+            </a:r>
+            <a:endParaRPr lang="en-US" sz="2800" dirty="0"/>
+          </a:p>
+          <a:p>
+            <a:pPr algn="just">
+              <a:buNone/>
+            </a:pPr>
+            <a:r>
+              <a:rPr sz="2800" dirty="0"/>
+              <a:t>Actors are generally people but they may also be other systems. Use cases are a sequence of steps that describe the interactions between the actor and the system.</a:t>
             </a:r>
           </a:p>
         </p:txBody>
@@ -9765,22 +7599,6 @@
           </a:p>
         </p:txBody>
       </p:sp>
-      <p:graphicFrame>
-        <p:nvGraphicFramePr>
-          <p:cNvPr id="4" name="Diagram 3"/>
-          <p:cNvGraphicFramePr/>
-          <p:nvPr/>
-        </p:nvGraphicFramePr>
-        <p:xfrm>
-          <a:off x="2133600" y="6260068"/>
-          <a:ext cx="1752600" cy="369332"/>
-        </p:xfrm>
-        <a:graphic>
-          <a:graphicData uri="http://schemas.openxmlformats.org/drawingml/2006/diagram">
-            <dgm:relIds xmlns:dgm="http://schemas.openxmlformats.org/drawingml/2006/diagram" xmlns:r="http://schemas.openxmlformats.org/officeDocument/2006/relationships" r:dm="rId2" r:lo="rId3" r:qs="rId4" r:cs="rId5"/>
-          </a:graphicData>
-        </a:graphic>
-      </p:graphicFrame>
       <p:sp>
         <p:nvSpPr>
           <p:cNvPr id="25604" name="Content Placeholder 5"/>
@@ -9820,7 +7638,7 @@
           <p:nvPr/>
         </p:nvPicPr>
         <p:blipFill>
-          <a:blip r:embed="rId7"/>
+          <a:blip r:embed="rId2"/>
           <a:stretch>
             <a:fillRect/>
           </a:stretch>
@@ -11769,7 +9587,7 @@
                 <a:latin typeface="Arial" panose="020B0604020202020204" pitchFamily="34" charset="0"/>
               </a:rPr>
               <a:pPr eaLnBrk="1" hangingPunct="1"/>
-              <a:t>3/15/2024</a:t>
+              <a:t>3/23/2024</a:t>
             </a:fld>
             <a:endParaRPr lang="en-US" altLang="en-US" sz="900" dirty="0">
               <a:solidFill>

--- a/slides/L11 Use Case Testing.pptx
+++ b/slides/L11 Use Case Testing.pptx
@@ -1,18 +1,19 @@
 
 <file path=ppt/presentation.xml><?xml version="1.0" encoding="utf-8"?>
-<p:presentation xmlns:a="http://schemas.openxmlformats.org/drawingml/2006/main" xmlns:r="http://schemas.openxmlformats.org/officeDocument/2006/relationships" xmlns:p="http://schemas.openxmlformats.org/presentationml/2006/main" saveSubsetFonts="1">
+<p:presentation xmlns:a="http://schemas.openxmlformats.org/drawingml/2006/main" xmlns:r="http://schemas.openxmlformats.org/officeDocument/2006/relationships" xmlns:p="http://schemas.openxmlformats.org/presentationml/2006/main">
   <p:sldMasterIdLst>
     <p:sldMasterId id="2147483648" r:id="rId1"/>
-    <p:sldMasterId id="2147483660" r:id="rId2"/>
+    <p:sldMasterId id="2147483660" r:id="rId3"/>
   </p:sldMasterIdLst>
   <p:notesMasterIdLst>
-    <p:notesMasterId r:id="rId7"/>
+    <p:notesMasterId r:id="rId9"/>
   </p:notesMasterIdLst>
   <p:sldIdLst>
-    <p:sldId id="256" r:id="rId3"/>
-    <p:sldId id="295" r:id="rId4"/>
-    <p:sldId id="296" r:id="rId5"/>
-    <p:sldId id="324" r:id="rId6"/>
+    <p:sldId id="256" r:id="rId4"/>
+    <p:sldId id="295" r:id="rId5"/>
+    <p:sldId id="325" r:id="rId6"/>
+    <p:sldId id="296" r:id="rId7"/>
+    <p:sldId id="324" r:id="rId8"/>
   </p:sldIdLst>
   <p:sldSz cx="12192000" cy="6858000"/>
   <p:notesSz cx="6858000" cy="9144000"/>
@@ -111,11 +112,6 @@
       </a:defRPr>
     </a:lvl9pPr>
   </p:defaultTextStyle>
-  <p:extLst>
-    <p:ext uri="{EFAFB233-063F-42B5-8137-9DF3F51BA10A}">
-      <p15:sldGuideLst xmlns:p15="http://schemas.microsoft.com/office/powerpoint/2012/main"/>
-    </p:ext>
-  </p:extLst>
 </p:presentation>
 </file>
 
@@ -201,7 +197,6 @@
           <a:p>
             <a:fld id="{BC2A1303-A898-4EBF-944F-127D3F4AE6D8}" type="datetimeFigureOut">
               <a:rPr lang="en-US" smtClean="0"/>
-              <a:t>3/23/2024</a:t>
             </a:fld>
             <a:endParaRPr lang="en-US"/>
           </a:p>
@@ -268,6 +263,7 @@
               <a:rPr lang="en-US"/>
               <a:t>Click to edit Master text styles</a:t>
             </a:r>
+            <a:endParaRPr lang="en-US"/>
           </a:p>
           <a:p>
             <a:pPr lvl="1"/>
@@ -275,6 +271,7 @@
               <a:rPr lang="en-US"/>
               <a:t>Second level</a:t>
             </a:r>
+            <a:endParaRPr lang="en-US"/>
           </a:p>
           <a:p>
             <a:pPr lvl="2"/>
@@ -282,6 +279,7 @@
               <a:rPr lang="en-US"/>
               <a:t>Third level</a:t>
             </a:r>
+            <a:endParaRPr lang="en-US"/>
           </a:p>
           <a:p>
             <a:pPr lvl="3"/>
@@ -289,6 +287,7 @@
               <a:rPr lang="en-US"/>
               <a:t>Fourth level</a:t>
             </a:r>
+            <a:endParaRPr lang="en-US"/>
           </a:p>
           <a:p>
             <a:pPr lvl="4"/>
@@ -296,6 +295,7 @@
               <a:rPr lang="en-US"/>
               <a:t>Fifth level</a:t>
             </a:r>
+            <a:endParaRPr lang="en-US"/>
           </a:p>
         </p:txBody>
       </p:sp>
@@ -359,18 +359,12 @@
           <a:p>
             <a:fld id="{3E46629C-C1AC-445B-9CAC-FE3F8A5A4707}" type="slidenum">
               <a:rPr lang="en-US" smtClean="0"/>
-              <a:t>‹#›</a:t>
             </a:fld>
             <a:endParaRPr lang="en-US"/>
           </a:p>
         </p:txBody>
       </p:sp>
     </p:spTree>
-    <p:extLst>
-      <p:ext uri="{BB962C8B-B14F-4D97-AF65-F5344CB8AC3E}">
-        <p14:creationId xmlns:p14="http://schemas.microsoft.com/office/powerpoint/2010/main" val="2456179832"/>
-      </p:ext>
-    </p:extLst>
   </p:cSld>
   <p:clrMap bg1="lt1" tx1="dk1" bg2="lt2" tx2="dk2" accent1="accent1" accent2="accent2" accent3="accent3" accent4="accent4" accent5="accent5" accent6="accent6" hlink="hlink" folHlink="folHlink"/>
   <p:notesStyle>
@@ -526,7 +520,6 @@
               <a:buSzTx/>
               <a:buFontTx/>
               <a:buNone/>
-              <a:tabLst/>
               <a:defRPr/>
             </a:pPr>
             <a:fld id="{9A0DB2DC-4C9A-4742-B13C-FB6460FD3503}" type="slidenum">
@@ -544,24 +537,6 @@
                 <a:ea typeface="+mn-ea"/>
                 <a:cs typeface="+mn-cs"/>
               </a:rPr>
-              <a:pPr marL="0" marR="0" lvl="0" indent="0" algn="r" defTabSz="914400" rtl="0" eaLnBrk="1" fontAlgn="base" latinLnBrk="0" hangingPunct="1">
-                <a:lnSpc>
-                  <a:spcPct val="100000"/>
-                </a:lnSpc>
-                <a:spcBef>
-                  <a:spcPct val="0"/>
-                </a:spcBef>
-                <a:spcAft>
-                  <a:spcPct val="0"/>
-                </a:spcAft>
-                <a:buClrTx/>
-                <a:buSzTx/>
-                <a:buFontTx/>
-                <a:buNone/>
-                <a:tabLst/>
-                <a:defRPr/>
-              </a:pPr>
-              <a:t>4</a:t>
             </a:fld>
             <a:endParaRPr kumimoji="0" lang="en-US" altLang="en-US" sz="1000" b="0" i="1" u="none" strike="noStrike" kern="1200" cap="none" spc="0" normalizeH="0" baseline="0" noProof="0" dirty="0">
               <a:ln>
@@ -644,13 +619,7 @@
       </p:grpSpPr>
       <p:sp>
         <p:nvSpPr>
-          <p:cNvPr id="2" name="Title 1">
-            <a:extLst>
-              <a:ext uri="{FF2B5EF4-FFF2-40B4-BE49-F238E27FC236}">
-                <a16:creationId xmlns:a16="http://schemas.microsoft.com/office/drawing/2014/main" id="{8FD7DDE0-BA20-CF9A-74AB-8B0CF3DC0B7F}"/>
-              </a:ext>
-            </a:extLst>
-          </p:cNvPr>
+          <p:cNvPr id="2" name="Title 1"/>
           <p:cNvSpPr>
             <a:spLocks noGrp="1"/>
           </p:cNvSpPr>
@@ -676,18 +645,13 @@
               <a:rPr lang="en-US"/>
               <a:t>Click to edit Master title style</a:t>
             </a:r>
-          </a:p>
-        </p:txBody>
-      </p:sp>
-      <p:sp>
-        <p:nvSpPr>
-          <p:cNvPr id="3" name="Subtitle 2">
-            <a:extLst>
-              <a:ext uri="{FF2B5EF4-FFF2-40B4-BE49-F238E27FC236}">
-                <a16:creationId xmlns:a16="http://schemas.microsoft.com/office/drawing/2014/main" id="{D950FE50-A0FD-42E4-42CD-7010D0019F51}"/>
-              </a:ext>
-            </a:extLst>
-          </p:cNvPr>
+            <a:endParaRPr lang="en-US"/>
+          </a:p>
+        </p:txBody>
+      </p:sp>
+      <p:sp>
+        <p:nvSpPr>
+          <p:cNvPr id="3" name="Subtitle 2"/>
           <p:cNvSpPr>
             <a:spLocks noGrp="1"/>
           </p:cNvSpPr>
@@ -746,18 +710,13 @@
               <a:rPr lang="en-US"/>
               <a:t>Click to edit Master subtitle style</a:t>
             </a:r>
-          </a:p>
-        </p:txBody>
-      </p:sp>
-      <p:sp>
-        <p:nvSpPr>
-          <p:cNvPr id="4" name="Date Placeholder 3">
-            <a:extLst>
-              <a:ext uri="{FF2B5EF4-FFF2-40B4-BE49-F238E27FC236}">
-                <a16:creationId xmlns:a16="http://schemas.microsoft.com/office/drawing/2014/main" id="{74EB8054-278C-C69E-9AC9-7E86A0217F07}"/>
-              </a:ext>
-            </a:extLst>
-          </p:cNvPr>
+            <a:endParaRPr lang="en-US"/>
+          </a:p>
+        </p:txBody>
+      </p:sp>
+      <p:sp>
+        <p:nvSpPr>
+          <p:cNvPr id="4" name="Date Placeholder 3"/>
           <p:cNvSpPr>
             <a:spLocks noGrp="1"/>
           </p:cNvSpPr>
@@ -772,7 +731,6 @@
           <a:p>
             <a:fld id="{3BFB4463-3776-441D-85CA-AB94FE2EE4CC}" type="datetimeFigureOut">
               <a:rPr lang="en-US" smtClean="0"/>
-              <a:t>3/23/2024</a:t>
             </a:fld>
             <a:endParaRPr lang="en-US"/>
           </a:p>
@@ -780,13 +738,7 @@
       </p:sp>
       <p:sp>
         <p:nvSpPr>
-          <p:cNvPr id="5" name="Footer Placeholder 4">
-            <a:extLst>
-              <a:ext uri="{FF2B5EF4-FFF2-40B4-BE49-F238E27FC236}">
-                <a16:creationId xmlns:a16="http://schemas.microsoft.com/office/drawing/2014/main" id="{8F12A251-72AA-8198-1FF8-38649CF7ED52}"/>
-              </a:ext>
-            </a:extLst>
-          </p:cNvPr>
+          <p:cNvPr id="5" name="Footer Placeholder 4"/>
           <p:cNvSpPr>
             <a:spLocks noGrp="1"/>
           </p:cNvSpPr>
@@ -805,13 +757,7 @@
       </p:sp>
       <p:sp>
         <p:nvSpPr>
-          <p:cNvPr id="6" name="Slide Number Placeholder 5">
-            <a:extLst>
-              <a:ext uri="{FF2B5EF4-FFF2-40B4-BE49-F238E27FC236}">
-                <a16:creationId xmlns:a16="http://schemas.microsoft.com/office/drawing/2014/main" id="{693BDC04-B7E7-BDF6-0575-226DD4DF2333}"/>
-              </a:ext>
-            </a:extLst>
-          </p:cNvPr>
+          <p:cNvPr id="6" name="Slide Number Placeholder 5"/>
           <p:cNvSpPr>
             <a:spLocks noGrp="1"/>
           </p:cNvSpPr>
@@ -826,18 +772,12 @@
           <a:p>
             <a:fld id="{7EB64147-2B6D-451A-A8A6-4A08A0555F1E}" type="slidenum">
               <a:rPr lang="en-US" smtClean="0"/>
-              <a:t>‹#›</a:t>
             </a:fld>
             <a:endParaRPr lang="en-US"/>
           </a:p>
         </p:txBody>
       </p:sp>
     </p:spTree>
-    <p:extLst>
-      <p:ext uri="{BB962C8B-B14F-4D97-AF65-F5344CB8AC3E}">
-        <p14:creationId xmlns:p14="http://schemas.microsoft.com/office/powerpoint/2010/main" val="3873938495"/>
-      </p:ext>
-    </p:extLst>
   </p:cSld>
   <p:clrMapOvr>
     <a:masterClrMapping/>
@@ -864,13 +804,7 @@
       </p:grpSpPr>
       <p:sp>
         <p:nvSpPr>
-          <p:cNvPr id="2" name="Title 1">
-            <a:extLst>
-              <a:ext uri="{FF2B5EF4-FFF2-40B4-BE49-F238E27FC236}">
-                <a16:creationId xmlns:a16="http://schemas.microsoft.com/office/drawing/2014/main" id="{1C4E1027-D4B9-DCC6-5729-6DC5361C8C24}"/>
-              </a:ext>
-            </a:extLst>
-          </p:cNvPr>
+          <p:cNvPr id="2" name="Title 1"/>
           <p:cNvSpPr>
             <a:spLocks noGrp="1"/>
           </p:cNvSpPr>
@@ -887,18 +821,13 @@
               <a:rPr lang="en-US"/>
               <a:t>Click to edit Master title style</a:t>
             </a:r>
-          </a:p>
-        </p:txBody>
-      </p:sp>
-      <p:sp>
-        <p:nvSpPr>
-          <p:cNvPr id="3" name="Vertical Text Placeholder 2">
-            <a:extLst>
-              <a:ext uri="{FF2B5EF4-FFF2-40B4-BE49-F238E27FC236}">
-                <a16:creationId xmlns:a16="http://schemas.microsoft.com/office/drawing/2014/main" id="{71CDBC58-B496-1C4F-AE7A-BD4DC3668ED2}"/>
-              </a:ext>
-            </a:extLst>
-          </p:cNvPr>
+            <a:endParaRPr lang="en-US"/>
+          </a:p>
+        </p:txBody>
+      </p:sp>
+      <p:sp>
+        <p:nvSpPr>
+          <p:cNvPr id="3" name="Vertical Text Placeholder 2"/>
           <p:cNvSpPr>
             <a:spLocks noGrp="1"/>
           </p:cNvSpPr>
@@ -916,6 +845,7 @@
               <a:rPr lang="en-US"/>
               <a:t>Click to edit Master text styles</a:t>
             </a:r>
+            <a:endParaRPr lang="en-US"/>
           </a:p>
           <a:p>
             <a:pPr lvl="1"/>
@@ -923,6 +853,7 @@
               <a:rPr lang="en-US"/>
               <a:t>Second level</a:t>
             </a:r>
+            <a:endParaRPr lang="en-US"/>
           </a:p>
           <a:p>
             <a:pPr lvl="2"/>
@@ -930,6 +861,7 @@
               <a:rPr lang="en-US"/>
               <a:t>Third level</a:t>
             </a:r>
+            <a:endParaRPr lang="en-US"/>
           </a:p>
           <a:p>
             <a:pPr lvl="3"/>
@@ -937,6 +869,7 @@
               <a:rPr lang="en-US"/>
               <a:t>Fourth level</a:t>
             </a:r>
+            <a:endParaRPr lang="en-US"/>
           </a:p>
           <a:p>
             <a:pPr lvl="4"/>
@@ -944,18 +877,13 @@
               <a:rPr lang="en-US"/>
               <a:t>Fifth level</a:t>
             </a:r>
-          </a:p>
-        </p:txBody>
-      </p:sp>
-      <p:sp>
-        <p:nvSpPr>
-          <p:cNvPr id="4" name="Date Placeholder 3">
-            <a:extLst>
-              <a:ext uri="{FF2B5EF4-FFF2-40B4-BE49-F238E27FC236}">
-                <a16:creationId xmlns:a16="http://schemas.microsoft.com/office/drawing/2014/main" id="{FC9BDF01-58A7-1F5F-ED5E-3F07A1B28F9B}"/>
-              </a:ext>
-            </a:extLst>
-          </p:cNvPr>
+            <a:endParaRPr lang="en-US"/>
+          </a:p>
+        </p:txBody>
+      </p:sp>
+      <p:sp>
+        <p:nvSpPr>
+          <p:cNvPr id="4" name="Date Placeholder 3"/>
           <p:cNvSpPr>
             <a:spLocks noGrp="1"/>
           </p:cNvSpPr>
@@ -970,7 +898,6 @@
           <a:p>
             <a:fld id="{3BFB4463-3776-441D-85CA-AB94FE2EE4CC}" type="datetimeFigureOut">
               <a:rPr lang="en-US" smtClean="0"/>
-              <a:t>3/23/2024</a:t>
             </a:fld>
             <a:endParaRPr lang="en-US"/>
           </a:p>
@@ -978,13 +905,7 @@
       </p:sp>
       <p:sp>
         <p:nvSpPr>
-          <p:cNvPr id="5" name="Footer Placeholder 4">
-            <a:extLst>
-              <a:ext uri="{FF2B5EF4-FFF2-40B4-BE49-F238E27FC236}">
-                <a16:creationId xmlns:a16="http://schemas.microsoft.com/office/drawing/2014/main" id="{2448C27F-788E-4B9D-9305-BA08DA98EEFE}"/>
-              </a:ext>
-            </a:extLst>
-          </p:cNvPr>
+          <p:cNvPr id="5" name="Footer Placeholder 4"/>
           <p:cNvSpPr>
             <a:spLocks noGrp="1"/>
           </p:cNvSpPr>
@@ -1003,13 +924,7 @@
       </p:sp>
       <p:sp>
         <p:nvSpPr>
-          <p:cNvPr id="6" name="Slide Number Placeholder 5">
-            <a:extLst>
-              <a:ext uri="{FF2B5EF4-FFF2-40B4-BE49-F238E27FC236}">
-                <a16:creationId xmlns:a16="http://schemas.microsoft.com/office/drawing/2014/main" id="{D827C2D4-8C5D-D376-1470-FD32B4304F69}"/>
-              </a:ext>
-            </a:extLst>
-          </p:cNvPr>
+          <p:cNvPr id="6" name="Slide Number Placeholder 5"/>
           <p:cNvSpPr>
             <a:spLocks noGrp="1"/>
           </p:cNvSpPr>
@@ -1024,18 +939,12 @@
           <a:p>
             <a:fld id="{7EB64147-2B6D-451A-A8A6-4A08A0555F1E}" type="slidenum">
               <a:rPr lang="en-US" smtClean="0"/>
-              <a:t>‹#›</a:t>
             </a:fld>
             <a:endParaRPr lang="en-US"/>
           </a:p>
         </p:txBody>
       </p:sp>
     </p:spTree>
-    <p:extLst>
-      <p:ext uri="{BB962C8B-B14F-4D97-AF65-F5344CB8AC3E}">
-        <p14:creationId xmlns:p14="http://schemas.microsoft.com/office/powerpoint/2010/main" val="1699192709"/>
-      </p:ext>
-    </p:extLst>
   </p:cSld>
   <p:clrMapOvr>
     <a:masterClrMapping/>
@@ -1062,13 +971,7 @@
       </p:grpSpPr>
       <p:sp>
         <p:nvSpPr>
-          <p:cNvPr id="2" name="Vertical Title 1">
-            <a:extLst>
-              <a:ext uri="{FF2B5EF4-FFF2-40B4-BE49-F238E27FC236}">
-                <a16:creationId xmlns:a16="http://schemas.microsoft.com/office/drawing/2014/main" id="{06E47E42-053E-69E1-2719-60885B310ED5}"/>
-              </a:ext>
-            </a:extLst>
-          </p:cNvPr>
+          <p:cNvPr id="2" name="Vertical Title 1"/>
           <p:cNvSpPr>
             <a:spLocks noGrp="1"/>
           </p:cNvSpPr>
@@ -1090,18 +993,13 @@
               <a:rPr lang="en-US"/>
               <a:t>Click to edit Master title style</a:t>
             </a:r>
-          </a:p>
-        </p:txBody>
-      </p:sp>
-      <p:sp>
-        <p:nvSpPr>
-          <p:cNvPr id="3" name="Vertical Text Placeholder 2">
-            <a:extLst>
-              <a:ext uri="{FF2B5EF4-FFF2-40B4-BE49-F238E27FC236}">
-                <a16:creationId xmlns:a16="http://schemas.microsoft.com/office/drawing/2014/main" id="{44936586-1C14-A2AA-C827-0CA52AEA8E5D}"/>
-              </a:ext>
-            </a:extLst>
-          </p:cNvPr>
+            <a:endParaRPr lang="en-US"/>
+          </a:p>
+        </p:txBody>
+      </p:sp>
+      <p:sp>
+        <p:nvSpPr>
+          <p:cNvPr id="3" name="Vertical Text Placeholder 2"/>
           <p:cNvSpPr>
             <a:spLocks noGrp="1"/>
           </p:cNvSpPr>
@@ -1124,6 +1022,7 @@
               <a:rPr lang="en-US"/>
               <a:t>Click to edit Master text styles</a:t>
             </a:r>
+            <a:endParaRPr lang="en-US"/>
           </a:p>
           <a:p>
             <a:pPr lvl="1"/>
@@ -1131,6 +1030,7 @@
               <a:rPr lang="en-US"/>
               <a:t>Second level</a:t>
             </a:r>
+            <a:endParaRPr lang="en-US"/>
           </a:p>
           <a:p>
             <a:pPr lvl="2"/>
@@ -1138,6 +1038,7 @@
               <a:rPr lang="en-US"/>
               <a:t>Third level</a:t>
             </a:r>
+            <a:endParaRPr lang="en-US"/>
           </a:p>
           <a:p>
             <a:pPr lvl="3"/>
@@ -1145,6 +1046,7 @@
               <a:rPr lang="en-US"/>
               <a:t>Fourth level</a:t>
             </a:r>
+            <a:endParaRPr lang="en-US"/>
           </a:p>
           <a:p>
             <a:pPr lvl="4"/>
@@ -1152,18 +1054,13 @@
               <a:rPr lang="en-US"/>
               <a:t>Fifth level</a:t>
             </a:r>
-          </a:p>
-        </p:txBody>
-      </p:sp>
-      <p:sp>
-        <p:nvSpPr>
-          <p:cNvPr id="4" name="Date Placeholder 3">
-            <a:extLst>
-              <a:ext uri="{FF2B5EF4-FFF2-40B4-BE49-F238E27FC236}">
-                <a16:creationId xmlns:a16="http://schemas.microsoft.com/office/drawing/2014/main" id="{0B43FF27-80D2-F01F-B03A-86A1217EBD64}"/>
-              </a:ext>
-            </a:extLst>
-          </p:cNvPr>
+            <a:endParaRPr lang="en-US"/>
+          </a:p>
+        </p:txBody>
+      </p:sp>
+      <p:sp>
+        <p:nvSpPr>
+          <p:cNvPr id="4" name="Date Placeholder 3"/>
           <p:cNvSpPr>
             <a:spLocks noGrp="1"/>
           </p:cNvSpPr>
@@ -1178,7 +1075,6 @@
           <a:p>
             <a:fld id="{3BFB4463-3776-441D-85CA-AB94FE2EE4CC}" type="datetimeFigureOut">
               <a:rPr lang="en-US" smtClean="0"/>
-              <a:t>3/23/2024</a:t>
             </a:fld>
             <a:endParaRPr lang="en-US"/>
           </a:p>
@@ -1186,13 +1082,7 @@
       </p:sp>
       <p:sp>
         <p:nvSpPr>
-          <p:cNvPr id="5" name="Footer Placeholder 4">
-            <a:extLst>
-              <a:ext uri="{FF2B5EF4-FFF2-40B4-BE49-F238E27FC236}">
-                <a16:creationId xmlns:a16="http://schemas.microsoft.com/office/drawing/2014/main" id="{ED4F4DF3-A0AD-C65B-9832-200958679A99}"/>
-              </a:ext>
-            </a:extLst>
-          </p:cNvPr>
+          <p:cNvPr id="5" name="Footer Placeholder 4"/>
           <p:cNvSpPr>
             <a:spLocks noGrp="1"/>
           </p:cNvSpPr>
@@ -1211,13 +1101,7 @@
       </p:sp>
       <p:sp>
         <p:nvSpPr>
-          <p:cNvPr id="6" name="Slide Number Placeholder 5">
-            <a:extLst>
-              <a:ext uri="{FF2B5EF4-FFF2-40B4-BE49-F238E27FC236}">
-                <a16:creationId xmlns:a16="http://schemas.microsoft.com/office/drawing/2014/main" id="{DC829C01-AAD5-F30F-B98A-BDA3A30D89B2}"/>
-              </a:ext>
-            </a:extLst>
-          </p:cNvPr>
+          <p:cNvPr id="6" name="Slide Number Placeholder 5"/>
           <p:cNvSpPr>
             <a:spLocks noGrp="1"/>
           </p:cNvSpPr>
@@ -1232,18 +1116,12 @@
           <a:p>
             <a:fld id="{7EB64147-2B6D-451A-A8A6-4A08A0555F1E}" type="slidenum">
               <a:rPr lang="en-US" smtClean="0"/>
-              <a:t>‹#›</a:t>
             </a:fld>
             <a:endParaRPr lang="en-US"/>
           </a:p>
         </p:txBody>
       </p:sp>
     </p:spTree>
-    <p:extLst>
-      <p:ext uri="{BB962C8B-B14F-4D97-AF65-F5344CB8AC3E}">
-        <p14:creationId xmlns:p14="http://schemas.microsoft.com/office/powerpoint/2010/main" val="533283366"/>
-      </p:ext>
-    </p:extLst>
   </p:cSld>
   <p:clrMapOvr>
     <a:masterClrMapping/>
@@ -1292,6 +1170,7 @@
               <a:rPr lang="en-US"/>
               <a:t>Click to edit Master title style</a:t>
             </a:r>
+            <a:endParaRPr lang="en-US"/>
           </a:p>
         </p:txBody>
       </p:sp>
@@ -1410,6 +1289,7 @@
               <a:rPr lang="en-US"/>
               <a:t>Click to edit Master subtitle style</a:t>
             </a:r>
+            <a:endParaRPr lang="en-US"/>
           </a:p>
         </p:txBody>
       </p:sp>
@@ -1433,10 +1313,6 @@
             </a:pPr>
             <a:fld id="{B42C9122-BF34-435C-A61B-D2201D289E11}" type="datetimeFigureOut">
               <a:rPr lang="en-US" smtClean="0"/>
-              <a:pPr>
-                <a:defRPr/>
-              </a:pPr>
-              <a:t>3/23/2024</a:t>
             </a:fld>
             <a:endParaRPr lang="en-US"/>
           </a:p>
@@ -1484,7 +1360,6 @@
             </a:pPr>
             <a:fld id="{9A0DB2DC-4C9A-4742-B13C-FB6460FD3503}" type="slidenum">
               <a:rPr lang="en-US" dirty="0"/>
-              <a:t>‹#›</a:t>
             </a:fld>
             <a:endParaRPr lang="en-US" dirty="0">
               <a:latin typeface="Arial" panose="020B0604020202020204" pitchFamily="34" charset="0"/>
@@ -1493,11 +1368,6 @@
         </p:txBody>
       </p:sp>
     </p:spTree>
-    <p:extLst>
-      <p:ext uri="{BB962C8B-B14F-4D97-AF65-F5344CB8AC3E}">
-        <p14:creationId xmlns:p14="http://schemas.microsoft.com/office/powerpoint/2010/main" val="3719792184"/>
-      </p:ext>
-    </p:extLst>
   </p:cSld>
   <p:clrMapOvr>
     <a:masterClrMapping/>
@@ -1541,6 +1411,7 @@
               <a:rPr lang="en-US"/>
               <a:t>Click to edit Master title style</a:t>
             </a:r>
+            <a:endParaRPr lang="en-US"/>
           </a:p>
         </p:txBody>
       </p:sp>
@@ -1564,6 +1435,7 @@
               <a:rPr lang="en-US"/>
               <a:t>Click to edit Master text styles</a:t>
             </a:r>
+            <a:endParaRPr lang="en-US"/>
           </a:p>
           <a:p>
             <a:pPr lvl="1"/>
@@ -1571,6 +1443,7 @@
               <a:rPr lang="en-US"/>
               <a:t>Second level</a:t>
             </a:r>
+            <a:endParaRPr lang="en-US"/>
           </a:p>
           <a:p>
             <a:pPr lvl="2"/>
@@ -1578,6 +1451,7 @@
               <a:rPr lang="en-US"/>
               <a:t>Third level</a:t>
             </a:r>
+            <a:endParaRPr lang="en-US"/>
           </a:p>
           <a:p>
             <a:pPr lvl="3"/>
@@ -1585,6 +1459,7 @@
               <a:rPr lang="en-US"/>
               <a:t>Fourth level</a:t>
             </a:r>
+            <a:endParaRPr lang="en-US"/>
           </a:p>
           <a:p>
             <a:pPr lvl="4"/>
@@ -1592,6 +1467,7 @@
               <a:rPr lang="en-US"/>
               <a:t>Fifth level</a:t>
             </a:r>
+            <a:endParaRPr lang="en-US"/>
           </a:p>
         </p:txBody>
       </p:sp>
@@ -1615,10 +1491,6 @@
             </a:pPr>
             <a:fld id="{B42C9122-BF34-435C-A61B-D2201D289E11}" type="datetimeFigureOut">
               <a:rPr lang="en-US" smtClean="0"/>
-              <a:pPr>
-                <a:defRPr/>
-              </a:pPr>
-              <a:t>3/23/2024</a:t>
             </a:fld>
             <a:endParaRPr lang="en-US"/>
           </a:p>
@@ -1666,7 +1538,6 @@
             </a:pPr>
             <a:fld id="{9A0DB2DC-4C9A-4742-B13C-FB6460FD3503}" type="slidenum">
               <a:rPr lang="en-US" dirty="0"/>
-              <a:t>‹#›</a:t>
             </a:fld>
             <a:endParaRPr lang="en-US" dirty="0">
               <a:latin typeface="Arial" panose="020B0604020202020204" pitchFamily="34" charset="0"/>
@@ -1675,11 +1546,6 @@
         </p:txBody>
       </p:sp>
     </p:spTree>
-    <p:extLst>
-      <p:ext uri="{BB962C8B-B14F-4D97-AF65-F5344CB8AC3E}">
-        <p14:creationId xmlns:p14="http://schemas.microsoft.com/office/powerpoint/2010/main" val="2283230975"/>
-      </p:ext>
-    </p:extLst>
   </p:cSld>
   <p:clrMapOvr>
     <a:masterClrMapping/>
@@ -1732,6 +1598,7 @@
               <a:rPr lang="en-US"/>
               <a:t>Click to edit Master title style</a:t>
             </a:r>
+            <a:endParaRPr lang="en-US"/>
           </a:p>
         </p:txBody>
       </p:sp>
@@ -1851,6 +1718,7 @@
               <a:rPr lang="en-US"/>
               <a:t>Click to edit Master text styles</a:t>
             </a:r>
+            <a:endParaRPr lang="en-US"/>
           </a:p>
         </p:txBody>
       </p:sp>
@@ -1874,10 +1742,6 @@
             </a:pPr>
             <a:fld id="{B42C9122-BF34-435C-A61B-D2201D289E11}" type="datetimeFigureOut">
               <a:rPr lang="en-US" smtClean="0"/>
-              <a:pPr>
-                <a:defRPr/>
-              </a:pPr>
-              <a:t>3/23/2024</a:t>
             </a:fld>
             <a:endParaRPr lang="en-US"/>
           </a:p>
@@ -1925,7 +1789,6 @@
             </a:pPr>
             <a:fld id="{9A0DB2DC-4C9A-4742-B13C-FB6460FD3503}" type="slidenum">
               <a:rPr lang="en-US" dirty="0"/>
-              <a:t>‹#›</a:t>
             </a:fld>
             <a:endParaRPr lang="en-US" dirty="0">
               <a:latin typeface="Arial" panose="020B0604020202020204" pitchFamily="34" charset="0"/>
@@ -1934,11 +1797,6 @@
         </p:txBody>
       </p:sp>
     </p:spTree>
-    <p:extLst>
-      <p:ext uri="{BB962C8B-B14F-4D97-AF65-F5344CB8AC3E}">
-        <p14:creationId xmlns:p14="http://schemas.microsoft.com/office/powerpoint/2010/main" val="1534964560"/>
-      </p:ext>
-    </p:extLst>
   </p:cSld>
   <p:clrMapOvr>
     <a:masterClrMapping/>
@@ -1982,6 +1840,7 @@
               <a:rPr lang="en-US"/>
               <a:t>Click to edit Master title style</a:t>
             </a:r>
+            <a:endParaRPr lang="en-US"/>
           </a:p>
         </p:txBody>
       </p:sp>
@@ -2038,6 +1897,7 @@
               <a:rPr lang="en-US"/>
               <a:t>Click to edit Master text styles</a:t>
             </a:r>
+            <a:endParaRPr lang="en-US"/>
           </a:p>
           <a:p>
             <a:pPr lvl="1"/>
@@ -2045,6 +1905,7 @@
               <a:rPr lang="en-US"/>
               <a:t>Second level</a:t>
             </a:r>
+            <a:endParaRPr lang="en-US"/>
           </a:p>
           <a:p>
             <a:pPr lvl="2"/>
@@ -2052,6 +1913,7 @@
               <a:rPr lang="en-US"/>
               <a:t>Third level</a:t>
             </a:r>
+            <a:endParaRPr lang="en-US"/>
           </a:p>
           <a:p>
             <a:pPr lvl="3"/>
@@ -2059,6 +1921,7 @@
               <a:rPr lang="en-US"/>
               <a:t>Fourth level</a:t>
             </a:r>
+            <a:endParaRPr lang="en-US"/>
           </a:p>
           <a:p>
             <a:pPr lvl="4"/>
@@ -2066,6 +1929,7 @@
               <a:rPr lang="en-US"/>
               <a:t>Fifth level</a:t>
             </a:r>
+            <a:endParaRPr lang="en-US"/>
           </a:p>
         </p:txBody>
       </p:sp>
@@ -2122,6 +1986,7 @@
               <a:rPr lang="en-US"/>
               <a:t>Click to edit Master text styles</a:t>
             </a:r>
+            <a:endParaRPr lang="en-US"/>
           </a:p>
           <a:p>
             <a:pPr lvl="1"/>
@@ -2129,6 +1994,7 @@
               <a:rPr lang="en-US"/>
               <a:t>Second level</a:t>
             </a:r>
+            <a:endParaRPr lang="en-US"/>
           </a:p>
           <a:p>
             <a:pPr lvl="2"/>
@@ -2136,6 +2002,7 @@
               <a:rPr lang="en-US"/>
               <a:t>Third level</a:t>
             </a:r>
+            <a:endParaRPr lang="en-US"/>
           </a:p>
           <a:p>
             <a:pPr lvl="3"/>
@@ -2143,6 +2010,7 @@
               <a:rPr lang="en-US"/>
               <a:t>Fourth level</a:t>
             </a:r>
+            <a:endParaRPr lang="en-US"/>
           </a:p>
           <a:p>
             <a:pPr lvl="4"/>
@@ -2150,6 +2018,7 @@
               <a:rPr lang="en-US"/>
               <a:t>Fifth level</a:t>
             </a:r>
+            <a:endParaRPr lang="en-US"/>
           </a:p>
         </p:txBody>
       </p:sp>
@@ -2173,10 +2042,6 @@
             </a:pPr>
             <a:fld id="{B42C9122-BF34-435C-A61B-D2201D289E11}" type="datetimeFigureOut">
               <a:rPr lang="en-US" smtClean="0"/>
-              <a:pPr>
-                <a:defRPr/>
-              </a:pPr>
-              <a:t>3/23/2024</a:t>
             </a:fld>
             <a:endParaRPr lang="en-US"/>
           </a:p>
@@ -2224,7 +2089,6 @@
             </a:pPr>
             <a:fld id="{9A0DB2DC-4C9A-4742-B13C-FB6460FD3503}" type="slidenum">
               <a:rPr lang="en-US" dirty="0"/>
-              <a:t>‹#›</a:t>
             </a:fld>
             <a:endParaRPr lang="en-US" dirty="0">
               <a:latin typeface="Arial" panose="020B0604020202020204" pitchFamily="34" charset="0"/>
@@ -2233,11 +2097,6 @@
         </p:txBody>
       </p:sp>
     </p:spTree>
-    <p:extLst>
-      <p:ext uri="{BB962C8B-B14F-4D97-AF65-F5344CB8AC3E}">
-        <p14:creationId xmlns:p14="http://schemas.microsoft.com/office/powerpoint/2010/main" val="3781966266"/>
-      </p:ext>
-    </p:extLst>
   </p:cSld>
   <p:clrMapOvr>
     <a:masterClrMapping/>
@@ -2285,6 +2144,7 @@
               <a:rPr lang="en-US"/>
               <a:t>Click to edit Master title style</a:t>
             </a:r>
+            <a:endParaRPr lang="en-US"/>
           </a:p>
         </p:txBody>
       </p:sp>
@@ -2350,6 +2210,7 @@
               <a:rPr lang="en-US"/>
               <a:t>Click to edit Master text styles</a:t>
             </a:r>
+            <a:endParaRPr lang="en-US"/>
           </a:p>
         </p:txBody>
       </p:sp>
@@ -2406,6 +2267,7 @@
               <a:rPr lang="en-US"/>
               <a:t>Click to edit Master text styles</a:t>
             </a:r>
+            <a:endParaRPr lang="en-US"/>
           </a:p>
           <a:p>
             <a:pPr lvl="1"/>
@@ -2413,6 +2275,7 @@
               <a:rPr lang="en-US"/>
               <a:t>Second level</a:t>
             </a:r>
+            <a:endParaRPr lang="en-US"/>
           </a:p>
           <a:p>
             <a:pPr lvl="2"/>
@@ -2420,6 +2283,7 @@
               <a:rPr lang="en-US"/>
               <a:t>Third level</a:t>
             </a:r>
+            <a:endParaRPr lang="en-US"/>
           </a:p>
           <a:p>
             <a:pPr lvl="3"/>
@@ -2427,6 +2291,7 @@
               <a:rPr lang="en-US"/>
               <a:t>Fourth level</a:t>
             </a:r>
+            <a:endParaRPr lang="en-US"/>
           </a:p>
           <a:p>
             <a:pPr lvl="4"/>
@@ -2434,6 +2299,7 @@
               <a:rPr lang="en-US"/>
               <a:t>Fifth level</a:t>
             </a:r>
+            <a:endParaRPr lang="en-US"/>
           </a:p>
         </p:txBody>
       </p:sp>
@@ -2499,6 +2365,7 @@
               <a:rPr lang="en-US"/>
               <a:t>Click to edit Master text styles</a:t>
             </a:r>
+            <a:endParaRPr lang="en-US"/>
           </a:p>
         </p:txBody>
       </p:sp>
@@ -2555,6 +2422,7 @@
               <a:rPr lang="en-US"/>
               <a:t>Click to edit Master text styles</a:t>
             </a:r>
+            <a:endParaRPr lang="en-US"/>
           </a:p>
           <a:p>
             <a:pPr lvl="1"/>
@@ -2562,6 +2430,7 @@
               <a:rPr lang="en-US"/>
               <a:t>Second level</a:t>
             </a:r>
+            <a:endParaRPr lang="en-US"/>
           </a:p>
           <a:p>
             <a:pPr lvl="2"/>
@@ -2569,6 +2438,7 @@
               <a:rPr lang="en-US"/>
               <a:t>Third level</a:t>
             </a:r>
+            <a:endParaRPr lang="en-US"/>
           </a:p>
           <a:p>
             <a:pPr lvl="3"/>
@@ -2576,6 +2446,7 @@
               <a:rPr lang="en-US"/>
               <a:t>Fourth level</a:t>
             </a:r>
+            <a:endParaRPr lang="en-US"/>
           </a:p>
           <a:p>
             <a:pPr lvl="4"/>
@@ -2583,6 +2454,7 @@
               <a:rPr lang="en-US"/>
               <a:t>Fifth level</a:t>
             </a:r>
+            <a:endParaRPr lang="en-US"/>
           </a:p>
         </p:txBody>
       </p:sp>
@@ -2606,10 +2478,6 @@
             </a:pPr>
             <a:fld id="{B42C9122-BF34-435C-A61B-D2201D289E11}" type="datetimeFigureOut">
               <a:rPr lang="en-US" smtClean="0"/>
-              <a:pPr>
-                <a:defRPr/>
-              </a:pPr>
-              <a:t>3/23/2024</a:t>
             </a:fld>
             <a:endParaRPr lang="en-US"/>
           </a:p>
@@ -2657,7 +2525,6 @@
             </a:pPr>
             <a:fld id="{9A0DB2DC-4C9A-4742-B13C-FB6460FD3503}" type="slidenum">
               <a:rPr lang="en-US" dirty="0"/>
-              <a:t>‹#›</a:t>
             </a:fld>
             <a:endParaRPr lang="en-US" dirty="0">
               <a:latin typeface="Arial" panose="020B0604020202020204" pitchFamily="34" charset="0"/>
@@ -2666,11 +2533,6 @@
         </p:txBody>
       </p:sp>
     </p:spTree>
-    <p:extLst>
-      <p:ext uri="{BB962C8B-B14F-4D97-AF65-F5344CB8AC3E}">
-        <p14:creationId xmlns:p14="http://schemas.microsoft.com/office/powerpoint/2010/main" val="2439813692"/>
-      </p:ext>
-    </p:extLst>
   </p:cSld>
   <p:clrMapOvr>
     <a:masterClrMapping/>
@@ -2714,6 +2576,7 @@
               <a:rPr lang="en-US"/>
               <a:t>Click to edit Master title style</a:t>
             </a:r>
+            <a:endParaRPr lang="en-US"/>
           </a:p>
         </p:txBody>
       </p:sp>
@@ -2737,10 +2600,6 @@
             </a:pPr>
             <a:fld id="{B42C9122-BF34-435C-A61B-D2201D289E11}" type="datetimeFigureOut">
               <a:rPr lang="en-US" smtClean="0"/>
-              <a:pPr>
-                <a:defRPr/>
-              </a:pPr>
-              <a:t>3/23/2024</a:t>
             </a:fld>
             <a:endParaRPr lang="en-US"/>
           </a:p>
@@ -2788,7 +2647,6 @@
             </a:pPr>
             <a:fld id="{9A0DB2DC-4C9A-4742-B13C-FB6460FD3503}" type="slidenum">
               <a:rPr lang="en-US" dirty="0"/>
-              <a:t>‹#›</a:t>
             </a:fld>
             <a:endParaRPr lang="en-US" dirty="0">
               <a:latin typeface="Arial" panose="020B0604020202020204" pitchFamily="34" charset="0"/>
@@ -2797,11 +2655,6 @@
         </p:txBody>
       </p:sp>
     </p:spTree>
-    <p:extLst>
-      <p:ext uri="{BB962C8B-B14F-4D97-AF65-F5344CB8AC3E}">
-        <p14:creationId xmlns:p14="http://schemas.microsoft.com/office/powerpoint/2010/main" val="4169878584"/>
-      </p:ext>
-    </p:extLst>
   </p:cSld>
   <p:clrMapOvr>
     <a:masterClrMapping/>
@@ -2846,10 +2699,6 @@
             </a:pPr>
             <a:fld id="{B42C9122-BF34-435C-A61B-D2201D289E11}" type="datetimeFigureOut">
               <a:rPr lang="en-US" smtClean="0"/>
-              <a:pPr>
-                <a:defRPr/>
-              </a:pPr>
-              <a:t>3/23/2024</a:t>
             </a:fld>
             <a:endParaRPr lang="en-US"/>
           </a:p>
@@ -2897,7 +2746,6 @@
             </a:pPr>
             <a:fld id="{9A0DB2DC-4C9A-4742-B13C-FB6460FD3503}" type="slidenum">
               <a:rPr lang="en-US" dirty="0"/>
-              <a:t>‹#›</a:t>
             </a:fld>
             <a:endParaRPr lang="en-US" dirty="0">
               <a:latin typeface="Arial" panose="020B0604020202020204" pitchFamily="34" charset="0"/>
@@ -2906,11 +2754,6 @@
         </p:txBody>
       </p:sp>
     </p:spTree>
-    <p:extLst>
-      <p:ext uri="{BB962C8B-B14F-4D97-AF65-F5344CB8AC3E}">
-        <p14:creationId xmlns:p14="http://schemas.microsoft.com/office/powerpoint/2010/main" val="3947229830"/>
-      </p:ext>
-    </p:extLst>
   </p:cSld>
   <p:clrMapOvr>
     <a:masterClrMapping/>
@@ -2963,6 +2806,7 @@
               <a:rPr lang="en-US"/>
               <a:t>Click to edit Master title style</a:t>
             </a:r>
+            <a:endParaRPr lang="en-US"/>
           </a:p>
         </p:txBody>
       </p:sp>
@@ -3019,6 +2863,7 @@
               <a:rPr lang="en-US"/>
               <a:t>Click to edit Master text styles</a:t>
             </a:r>
+            <a:endParaRPr lang="en-US"/>
           </a:p>
           <a:p>
             <a:pPr lvl="1"/>
@@ -3026,6 +2871,7 @@
               <a:rPr lang="en-US"/>
               <a:t>Second level</a:t>
             </a:r>
+            <a:endParaRPr lang="en-US"/>
           </a:p>
           <a:p>
             <a:pPr lvl="2"/>
@@ -3033,6 +2879,7 @@
               <a:rPr lang="en-US"/>
               <a:t>Third level</a:t>
             </a:r>
+            <a:endParaRPr lang="en-US"/>
           </a:p>
           <a:p>
             <a:pPr lvl="3"/>
@@ -3040,6 +2887,7 @@
               <a:rPr lang="en-US"/>
               <a:t>Fourth level</a:t>
             </a:r>
+            <a:endParaRPr lang="en-US"/>
           </a:p>
           <a:p>
             <a:pPr lvl="4"/>
@@ -3047,6 +2895,7 @@
               <a:rPr lang="en-US"/>
               <a:t>Fifth level</a:t>
             </a:r>
+            <a:endParaRPr lang="en-US"/>
           </a:p>
         </p:txBody>
       </p:sp>
@@ -3112,6 +2961,7 @@
               <a:rPr lang="en-US"/>
               <a:t>Click to edit Master text styles</a:t>
             </a:r>
+            <a:endParaRPr lang="en-US"/>
           </a:p>
         </p:txBody>
       </p:sp>
@@ -3135,10 +2985,6 @@
             </a:pPr>
             <a:fld id="{B42C9122-BF34-435C-A61B-D2201D289E11}" type="datetimeFigureOut">
               <a:rPr lang="en-US" smtClean="0"/>
-              <a:pPr>
-                <a:defRPr/>
-              </a:pPr>
-              <a:t>3/23/2024</a:t>
             </a:fld>
             <a:endParaRPr lang="en-US"/>
           </a:p>
@@ -3186,7 +3032,6 @@
             </a:pPr>
             <a:fld id="{9A0DB2DC-4C9A-4742-B13C-FB6460FD3503}" type="slidenum">
               <a:rPr lang="en-US" dirty="0"/>
-              <a:t>‹#›</a:t>
             </a:fld>
             <a:endParaRPr lang="en-US" dirty="0">
               <a:latin typeface="Arial" panose="020B0604020202020204" pitchFamily="34" charset="0"/>
@@ -3195,11 +3040,6 @@
         </p:txBody>
       </p:sp>
     </p:spTree>
-    <p:extLst>
-      <p:ext uri="{BB962C8B-B14F-4D97-AF65-F5344CB8AC3E}">
-        <p14:creationId xmlns:p14="http://schemas.microsoft.com/office/powerpoint/2010/main" val="1939489934"/>
-      </p:ext>
-    </p:extLst>
   </p:cSld>
   <p:clrMapOvr>
     <a:masterClrMapping/>
@@ -3226,13 +3066,7 @@
       </p:grpSpPr>
       <p:sp>
         <p:nvSpPr>
-          <p:cNvPr id="2" name="Title 1">
-            <a:extLst>
-              <a:ext uri="{FF2B5EF4-FFF2-40B4-BE49-F238E27FC236}">
-                <a16:creationId xmlns:a16="http://schemas.microsoft.com/office/drawing/2014/main" id="{A94BB6FF-802A-42B8-03B2-213634B12A6C}"/>
-              </a:ext>
-            </a:extLst>
-          </p:cNvPr>
+          <p:cNvPr id="2" name="Title 1"/>
           <p:cNvSpPr>
             <a:spLocks noGrp="1"/>
           </p:cNvSpPr>
@@ -3249,18 +3083,13 @@
               <a:rPr lang="en-US"/>
               <a:t>Click to edit Master title style</a:t>
             </a:r>
-          </a:p>
-        </p:txBody>
-      </p:sp>
-      <p:sp>
-        <p:nvSpPr>
-          <p:cNvPr id="3" name="Content Placeholder 2">
-            <a:extLst>
-              <a:ext uri="{FF2B5EF4-FFF2-40B4-BE49-F238E27FC236}">
-                <a16:creationId xmlns:a16="http://schemas.microsoft.com/office/drawing/2014/main" id="{857F3599-A3D1-C4A4-90BD-0BF11B9EB837}"/>
-              </a:ext>
-            </a:extLst>
-          </p:cNvPr>
+            <a:endParaRPr lang="en-US"/>
+          </a:p>
+        </p:txBody>
+      </p:sp>
+      <p:sp>
+        <p:nvSpPr>
+          <p:cNvPr id="3" name="Content Placeholder 2"/>
           <p:cNvSpPr>
             <a:spLocks noGrp="1"/>
           </p:cNvSpPr>
@@ -3278,6 +3107,7 @@
               <a:rPr lang="en-US"/>
               <a:t>Click to edit Master text styles</a:t>
             </a:r>
+            <a:endParaRPr lang="en-US"/>
           </a:p>
           <a:p>
             <a:pPr lvl="1"/>
@@ -3285,6 +3115,7 @@
               <a:rPr lang="en-US"/>
               <a:t>Second level</a:t>
             </a:r>
+            <a:endParaRPr lang="en-US"/>
           </a:p>
           <a:p>
             <a:pPr lvl="2"/>
@@ -3292,6 +3123,7 @@
               <a:rPr lang="en-US"/>
               <a:t>Third level</a:t>
             </a:r>
+            <a:endParaRPr lang="en-US"/>
           </a:p>
           <a:p>
             <a:pPr lvl="3"/>
@@ -3299,6 +3131,7 @@
               <a:rPr lang="en-US"/>
               <a:t>Fourth level</a:t>
             </a:r>
+            <a:endParaRPr lang="en-US"/>
           </a:p>
           <a:p>
             <a:pPr lvl="4"/>
@@ -3306,18 +3139,13 @@
               <a:rPr lang="en-US"/>
               <a:t>Fifth level</a:t>
             </a:r>
-          </a:p>
-        </p:txBody>
-      </p:sp>
-      <p:sp>
-        <p:nvSpPr>
-          <p:cNvPr id="4" name="Date Placeholder 3">
-            <a:extLst>
-              <a:ext uri="{FF2B5EF4-FFF2-40B4-BE49-F238E27FC236}">
-                <a16:creationId xmlns:a16="http://schemas.microsoft.com/office/drawing/2014/main" id="{E12FE96A-C1C1-B89D-720E-C6B0C2E31D74}"/>
-              </a:ext>
-            </a:extLst>
-          </p:cNvPr>
+            <a:endParaRPr lang="en-US"/>
+          </a:p>
+        </p:txBody>
+      </p:sp>
+      <p:sp>
+        <p:nvSpPr>
+          <p:cNvPr id="4" name="Date Placeholder 3"/>
           <p:cNvSpPr>
             <a:spLocks noGrp="1"/>
           </p:cNvSpPr>
@@ -3332,7 +3160,6 @@
           <a:p>
             <a:fld id="{3BFB4463-3776-441D-85CA-AB94FE2EE4CC}" type="datetimeFigureOut">
               <a:rPr lang="en-US" smtClean="0"/>
-              <a:t>3/23/2024</a:t>
             </a:fld>
             <a:endParaRPr lang="en-US"/>
           </a:p>
@@ -3340,13 +3167,7 @@
       </p:sp>
       <p:sp>
         <p:nvSpPr>
-          <p:cNvPr id="5" name="Footer Placeholder 4">
-            <a:extLst>
-              <a:ext uri="{FF2B5EF4-FFF2-40B4-BE49-F238E27FC236}">
-                <a16:creationId xmlns:a16="http://schemas.microsoft.com/office/drawing/2014/main" id="{CC155194-DB5F-A9F4-4E44-6E7D6CBB6774}"/>
-              </a:ext>
-            </a:extLst>
-          </p:cNvPr>
+          <p:cNvPr id="5" name="Footer Placeholder 4"/>
           <p:cNvSpPr>
             <a:spLocks noGrp="1"/>
           </p:cNvSpPr>
@@ -3365,13 +3186,7 @@
       </p:sp>
       <p:sp>
         <p:nvSpPr>
-          <p:cNvPr id="6" name="Slide Number Placeholder 5">
-            <a:extLst>
-              <a:ext uri="{FF2B5EF4-FFF2-40B4-BE49-F238E27FC236}">
-                <a16:creationId xmlns:a16="http://schemas.microsoft.com/office/drawing/2014/main" id="{3D4FC086-0F71-1337-0F61-7D1C60B9FD02}"/>
-              </a:ext>
-            </a:extLst>
-          </p:cNvPr>
+          <p:cNvPr id="6" name="Slide Number Placeholder 5"/>
           <p:cNvSpPr>
             <a:spLocks noGrp="1"/>
           </p:cNvSpPr>
@@ -3386,18 +3201,12 @@
           <a:p>
             <a:fld id="{7EB64147-2B6D-451A-A8A6-4A08A0555F1E}" type="slidenum">
               <a:rPr lang="en-US" smtClean="0"/>
-              <a:t>‹#›</a:t>
             </a:fld>
             <a:endParaRPr lang="en-US"/>
           </a:p>
         </p:txBody>
       </p:sp>
     </p:spTree>
-    <p:extLst>
-      <p:ext uri="{BB962C8B-B14F-4D97-AF65-F5344CB8AC3E}">
-        <p14:creationId xmlns:p14="http://schemas.microsoft.com/office/powerpoint/2010/main" val="59216848"/>
-      </p:ext>
-    </p:extLst>
   </p:cSld>
   <p:clrMapOvr>
     <a:masterClrMapping/>
@@ -3450,6 +3259,7 @@
               <a:rPr lang="en-US"/>
               <a:t>Click to edit Master title style</a:t>
             </a:r>
+            <a:endParaRPr lang="en-US"/>
           </a:p>
         </p:txBody>
       </p:sp>
@@ -3607,6 +3417,7 @@
               <a:rPr lang="en-US"/>
               <a:t>Click to edit Master text styles</a:t>
             </a:r>
+            <a:endParaRPr lang="en-US"/>
           </a:p>
         </p:txBody>
       </p:sp>
@@ -3630,10 +3441,6 @@
             </a:pPr>
             <a:fld id="{B42C9122-BF34-435C-A61B-D2201D289E11}" type="datetimeFigureOut">
               <a:rPr lang="en-US" smtClean="0"/>
-              <a:pPr>
-                <a:defRPr/>
-              </a:pPr>
-              <a:t>3/23/2024</a:t>
             </a:fld>
             <a:endParaRPr lang="en-US"/>
           </a:p>
@@ -3681,7 +3488,6 @@
             </a:pPr>
             <a:fld id="{9A0DB2DC-4C9A-4742-B13C-FB6460FD3503}" type="slidenum">
               <a:rPr lang="en-US" dirty="0"/>
-              <a:t>‹#›</a:t>
             </a:fld>
             <a:endParaRPr lang="en-US" dirty="0">
               <a:latin typeface="Arial" panose="020B0604020202020204" pitchFamily="34" charset="0"/>
@@ -3690,11 +3496,6 @@
         </p:txBody>
       </p:sp>
     </p:spTree>
-    <p:extLst>
-      <p:ext uri="{BB962C8B-B14F-4D97-AF65-F5344CB8AC3E}">
-        <p14:creationId xmlns:p14="http://schemas.microsoft.com/office/powerpoint/2010/main" val="3098742788"/>
-      </p:ext>
-    </p:extLst>
   </p:cSld>
   <p:clrMapOvr>
     <a:masterClrMapping/>
@@ -3738,6 +3539,7 @@
               <a:rPr lang="en-US"/>
               <a:t>Click to edit Master title style</a:t>
             </a:r>
+            <a:endParaRPr lang="en-US"/>
           </a:p>
         </p:txBody>
       </p:sp>
@@ -3761,6 +3563,7 @@
               <a:rPr lang="en-US"/>
               <a:t>Click to edit Master text styles</a:t>
             </a:r>
+            <a:endParaRPr lang="en-US"/>
           </a:p>
           <a:p>
             <a:pPr lvl="1"/>
@@ -3768,6 +3571,7 @@
               <a:rPr lang="en-US"/>
               <a:t>Second level</a:t>
             </a:r>
+            <a:endParaRPr lang="en-US"/>
           </a:p>
           <a:p>
             <a:pPr lvl="2"/>
@@ -3775,6 +3579,7 @@
               <a:rPr lang="en-US"/>
               <a:t>Third level</a:t>
             </a:r>
+            <a:endParaRPr lang="en-US"/>
           </a:p>
           <a:p>
             <a:pPr lvl="3"/>
@@ -3782,6 +3587,7 @@
               <a:rPr lang="en-US"/>
               <a:t>Fourth level</a:t>
             </a:r>
+            <a:endParaRPr lang="en-US"/>
           </a:p>
           <a:p>
             <a:pPr lvl="4"/>
@@ -3789,6 +3595,7 @@
               <a:rPr lang="en-US"/>
               <a:t>Fifth level</a:t>
             </a:r>
+            <a:endParaRPr lang="en-US"/>
           </a:p>
         </p:txBody>
       </p:sp>
@@ -3812,10 +3619,6 @@
             </a:pPr>
             <a:fld id="{B42C9122-BF34-435C-A61B-D2201D289E11}" type="datetimeFigureOut">
               <a:rPr lang="en-US" smtClean="0"/>
-              <a:pPr>
-                <a:defRPr/>
-              </a:pPr>
-              <a:t>3/23/2024</a:t>
             </a:fld>
             <a:endParaRPr lang="en-US"/>
           </a:p>
@@ -3863,7 +3666,6 @@
             </a:pPr>
             <a:fld id="{9A0DB2DC-4C9A-4742-B13C-FB6460FD3503}" type="slidenum">
               <a:rPr lang="en-US" dirty="0"/>
-              <a:t>‹#›</a:t>
             </a:fld>
             <a:endParaRPr lang="en-US" dirty="0">
               <a:latin typeface="Arial" panose="020B0604020202020204" pitchFamily="34" charset="0"/>
@@ -3872,11 +3674,6 @@
         </p:txBody>
       </p:sp>
     </p:spTree>
-    <p:extLst>
-      <p:ext uri="{BB962C8B-B14F-4D97-AF65-F5344CB8AC3E}">
-        <p14:creationId xmlns:p14="http://schemas.microsoft.com/office/powerpoint/2010/main" val="2128552102"/>
-      </p:ext>
-    </p:extLst>
   </p:cSld>
   <p:clrMapOvr>
     <a:masterClrMapping/>
@@ -3925,6 +3722,7 @@
               <a:rPr lang="en-US"/>
               <a:t>Click to edit Master title style</a:t>
             </a:r>
+            <a:endParaRPr lang="en-US"/>
           </a:p>
         </p:txBody>
       </p:sp>
@@ -3953,6 +3751,7 @@
               <a:rPr lang="en-US"/>
               <a:t>Click to edit Master text styles</a:t>
             </a:r>
+            <a:endParaRPr lang="en-US"/>
           </a:p>
           <a:p>
             <a:pPr lvl="1"/>
@@ -3960,6 +3759,7 @@
               <a:rPr lang="en-US"/>
               <a:t>Second level</a:t>
             </a:r>
+            <a:endParaRPr lang="en-US"/>
           </a:p>
           <a:p>
             <a:pPr lvl="2"/>
@@ -3967,6 +3767,7 @@
               <a:rPr lang="en-US"/>
               <a:t>Third level</a:t>
             </a:r>
+            <a:endParaRPr lang="en-US"/>
           </a:p>
           <a:p>
             <a:pPr lvl="3"/>
@@ -3974,6 +3775,7 @@
               <a:rPr lang="en-US"/>
               <a:t>Fourth level</a:t>
             </a:r>
+            <a:endParaRPr lang="en-US"/>
           </a:p>
           <a:p>
             <a:pPr lvl="4"/>
@@ -3981,6 +3783,7 @@
               <a:rPr lang="en-US"/>
               <a:t>Fifth level</a:t>
             </a:r>
+            <a:endParaRPr lang="en-US"/>
           </a:p>
         </p:txBody>
       </p:sp>
@@ -4004,10 +3807,6 @@
             </a:pPr>
             <a:fld id="{B42C9122-BF34-435C-A61B-D2201D289E11}" type="datetimeFigureOut">
               <a:rPr lang="en-US" smtClean="0"/>
-              <a:pPr>
-                <a:defRPr/>
-              </a:pPr>
-              <a:t>3/23/2024</a:t>
             </a:fld>
             <a:endParaRPr lang="en-US"/>
           </a:p>
@@ -4055,7 +3854,6 @@
             </a:pPr>
             <a:fld id="{9A0DB2DC-4C9A-4742-B13C-FB6460FD3503}" type="slidenum">
               <a:rPr lang="en-US" dirty="0"/>
-              <a:t>‹#›</a:t>
             </a:fld>
             <a:endParaRPr lang="en-US" dirty="0">
               <a:latin typeface="Arial" panose="020B0604020202020204" pitchFamily="34" charset="0"/>
@@ -4064,11 +3862,6 @@
         </p:txBody>
       </p:sp>
     </p:spTree>
-    <p:extLst>
-      <p:ext uri="{BB962C8B-B14F-4D97-AF65-F5344CB8AC3E}">
-        <p14:creationId xmlns:p14="http://schemas.microsoft.com/office/powerpoint/2010/main" val="4188356642"/>
-      </p:ext>
-    </p:extLst>
   </p:cSld>
   <p:clrMapOvr>
     <a:masterClrMapping/>
@@ -4117,6 +3910,7 @@
               <a:rPr lang="en-US"/>
               <a:t>Click to edit Master title style</a:t>
             </a:r>
+            <a:endParaRPr lang="en-US"/>
           </a:p>
         </p:txBody>
       </p:sp>
@@ -4195,10 +3989,6 @@
             </a:pPr>
             <a:fld id="{7C4DD920-A025-458A-B9E0-08028F96DEC1}" type="datetime1">
               <a:rPr lang="en-US" sz="900" smtClean="0"/>
-              <a:pPr>
-                <a:defRPr/>
-              </a:pPr>
-              <a:t>3/23/2024</a:t>
             </a:fld>
             <a:endParaRPr lang="en-US" sz="900"/>
           </a:p>
@@ -4226,6 +4016,7 @@
               <a:rPr lang="en-US" sz="900"/>
               <a:t>Black Box Testing</a:t>
             </a:r>
+            <a:endParaRPr lang="en-US" sz="900"/>
           </a:p>
         </p:txBody>
       </p:sp>
@@ -4267,10 +4058,6 @@
                 </a:solidFill>
                 <a:latin typeface="+mn-lt"/>
               </a:rPr>
-              <a:pPr>
-                <a:defRPr/>
-              </a:pPr>
-              <a:t>‹#›</a:t>
             </a:fld>
             <a:endParaRPr lang="en-US" altLang="en-US" sz="900">
               <a:solidFill>
@@ -4284,11 +4071,6 @@
         </p:txBody>
       </p:sp>
     </p:spTree>
-    <p:extLst>
-      <p:ext uri="{BB962C8B-B14F-4D97-AF65-F5344CB8AC3E}">
-        <p14:creationId xmlns:p14="http://schemas.microsoft.com/office/powerpoint/2010/main" val="2681794011"/>
-      </p:ext>
-    </p:extLst>
   </p:cSld>
   <p:clrMapOvr>
     <a:masterClrMapping/>
@@ -4315,13 +4097,7 @@
       </p:grpSpPr>
       <p:sp>
         <p:nvSpPr>
-          <p:cNvPr id="2" name="Title 1">
-            <a:extLst>
-              <a:ext uri="{FF2B5EF4-FFF2-40B4-BE49-F238E27FC236}">
-                <a16:creationId xmlns:a16="http://schemas.microsoft.com/office/drawing/2014/main" id="{BF9D806A-37F1-591F-5559-208756FD237F}"/>
-              </a:ext>
-            </a:extLst>
-          </p:cNvPr>
+          <p:cNvPr id="2" name="Title 1"/>
           <p:cNvSpPr>
             <a:spLocks noGrp="1"/>
           </p:cNvSpPr>
@@ -4347,18 +4123,13 @@
               <a:rPr lang="en-US"/>
               <a:t>Click to edit Master title style</a:t>
             </a:r>
-          </a:p>
-        </p:txBody>
-      </p:sp>
-      <p:sp>
-        <p:nvSpPr>
-          <p:cNvPr id="3" name="Text Placeholder 2">
-            <a:extLst>
-              <a:ext uri="{FF2B5EF4-FFF2-40B4-BE49-F238E27FC236}">
-                <a16:creationId xmlns:a16="http://schemas.microsoft.com/office/drawing/2014/main" id="{298BD4BD-D776-7B24-60F9-A7D54CEE19F9}"/>
-              </a:ext>
-            </a:extLst>
-          </p:cNvPr>
+            <a:endParaRPr lang="en-US"/>
+          </a:p>
+        </p:txBody>
+      </p:sp>
+      <p:sp>
+        <p:nvSpPr>
+          <p:cNvPr id="3" name="Text Placeholder 2"/>
           <p:cNvSpPr>
             <a:spLocks noGrp="1"/>
           </p:cNvSpPr>
@@ -4472,18 +4243,13 @@
               <a:rPr lang="en-US"/>
               <a:t>Click to edit Master text styles</a:t>
             </a:r>
-          </a:p>
-        </p:txBody>
-      </p:sp>
-      <p:sp>
-        <p:nvSpPr>
-          <p:cNvPr id="4" name="Date Placeholder 3">
-            <a:extLst>
-              <a:ext uri="{FF2B5EF4-FFF2-40B4-BE49-F238E27FC236}">
-                <a16:creationId xmlns:a16="http://schemas.microsoft.com/office/drawing/2014/main" id="{D1EC2CF1-D2ED-5AE1-6309-8E06C5823410}"/>
-              </a:ext>
-            </a:extLst>
-          </p:cNvPr>
+            <a:endParaRPr lang="en-US"/>
+          </a:p>
+        </p:txBody>
+      </p:sp>
+      <p:sp>
+        <p:nvSpPr>
+          <p:cNvPr id="4" name="Date Placeholder 3"/>
           <p:cNvSpPr>
             <a:spLocks noGrp="1"/>
           </p:cNvSpPr>
@@ -4498,7 +4264,6 @@
           <a:p>
             <a:fld id="{3BFB4463-3776-441D-85CA-AB94FE2EE4CC}" type="datetimeFigureOut">
               <a:rPr lang="en-US" smtClean="0"/>
-              <a:t>3/23/2024</a:t>
             </a:fld>
             <a:endParaRPr lang="en-US"/>
           </a:p>
@@ -4506,13 +4271,7 @@
       </p:sp>
       <p:sp>
         <p:nvSpPr>
-          <p:cNvPr id="5" name="Footer Placeholder 4">
-            <a:extLst>
-              <a:ext uri="{FF2B5EF4-FFF2-40B4-BE49-F238E27FC236}">
-                <a16:creationId xmlns:a16="http://schemas.microsoft.com/office/drawing/2014/main" id="{E89328EF-C866-C255-E0AC-A79DCF4E9CB2}"/>
-              </a:ext>
-            </a:extLst>
-          </p:cNvPr>
+          <p:cNvPr id="5" name="Footer Placeholder 4"/>
           <p:cNvSpPr>
             <a:spLocks noGrp="1"/>
           </p:cNvSpPr>
@@ -4531,13 +4290,7 @@
       </p:sp>
       <p:sp>
         <p:nvSpPr>
-          <p:cNvPr id="6" name="Slide Number Placeholder 5">
-            <a:extLst>
-              <a:ext uri="{FF2B5EF4-FFF2-40B4-BE49-F238E27FC236}">
-                <a16:creationId xmlns:a16="http://schemas.microsoft.com/office/drawing/2014/main" id="{130A3AC9-68DE-E35D-CAAA-68E7CE294743}"/>
-              </a:ext>
-            </a:extLst>
-          </p:cNvPr>
+          <p:cNvPr id="6" name="Slide Number Placeholder 5"/>
           <p:cNvSpPr>
             <a:spLocks noGrp="1"/>
           </p:cNvSpPr>
@@ -4552,18 +4305,12 @@
           <a:p>
             <a:fld id="{7EB64147-2B6D-451A-A8A6-4A08A0555F1E}" type="slidenum">
               <a:rPr lang="en-US" smtClean="0"/>
-              <a:t>‹#›</a:t>
             </a:fld>
             <a:endParaRPr lang="en-US"/>
           </a:p>
         </p:txBody>
       </p:sp>
     </p:spTree>
-    <p:extLst>
-      <p:ext uri="{BB962C8B-B14F-4D97-AF65-F5344CB8AC3E}">
-        <p14:creationId xmlns:p14="http://schemas.microsoft.com/office/powerpoint/2010/main" val="3038291893"/>
-      </p:ext>
-    </p:extLst>
   </p:cSld>
   <p:clrMapOvr>
     <a:masterClrMapping/>
@@ -4590,13 +4337,7 @@
       </p:grpSpPr>
       <p:sp>
         <p:nvSpPr>
-          <p:cNvPr id="2" name="Title 1">
-            <a:extLst>
-              <a:ext uri="{FF2B5EF4-FFF2-40B4-BE49-F238E27FC236}">
-                <a16:creationId xmlns:a16="http://schemas.microsoft.com/office/drawing/2014/main" id="{3C1A89AC-9D56-6C82-72E8-698519CE69C7}"/>
-              </a:ext>
-            </a:extLst>
-          </p:cNvPr>
+          <p:cNvPr id="2" name="Title 1"/>
           <p:cNvSpPr>
             <a:spLocks noGrp="1"/>
           </p:cNvSpPr>
@@ -4613,18 +4354,13 @@
               <a:rPr lang="en-US"/>
               <a:t>Click to edit Master title style</a:t>
             </a:r>
-          </a:p>
-        </p:txBody>
-      </p:sp>
-      <p:sp>
-        <p:nvSpPr>
-          <p:cNvPr id="3" name="Content Placeholder 2">
-            <a:extLst>
-              <a:ext uri="{FF2B5EF4-FFF2-40B4-BE49-F238E27FC236}">
-                <a16:creationId xmlns:a16="http://schemas.microsoft.com/office/drawing/2014/main" id="{F49D54CB-E71B-2CFF-64CA-333EC21E53D0}"/>
-              </a:ext>
-            </a:extLst>
-          </p:cNvPr>
+            <a:endParaRPr lang="en-US"/>
+          </a:p>
+        </p:txBody>
+      </p:sp>
+      <p:sp>
+        <p:nvSpPr>
+          <p:cNvPr id="3" name="Content Placeholder 2"/>
           <p:cNvSpPr>
             <a:spLocks noGrp="1"/>
           </p:cNvSpPr>
@@ -4647,6 +4383,7 @@
               <a:rPr lang="en-US"/>
               <a:t>Click to edit Master text styles</a:t>
             </a:r>
+            <a:endParaRPr lang="en-US"/>
           </a:p>
           <a:p>
             <a:pPr lvl="1"/>
@@ -4654,6 +4391,7 @@
               <a:rPr lang="en-US"/>
               <a:t>Second level</a:t>
             </a:r>
+            <a:endParaRPr lang="en-US"/>
           </a:p>
           <a:p>
             <a:pPr lvl="2"/>
@@ -4661,6 +4399,7 @@
               <a:rPr lang="en-US"/>
               <a:t>Third level</a:t>
             </a:r>
+            <a:endParaRPr lang="en-US"/>
           </a:p>
           <a:p>
             <a:pPr lvl="3"/>
@@ -4668,6 +4407,7 @@
               <a:rPr lang="en-US"/>
               <a:t>Fourth level</a:t>
             </a:r>
+            <a:endParaRPr lang="en-US"/>
           </a:p>
           <a:p>
             <a:pPr lvl="4"/>
@@ -4675,18 +4415,13 @@
               <a:rPr lang="en-US"/>
               <a:t>Fifth level</a:t>
             </a:r>
-          </a:p>
-        </p:txBody>
-      </p:sp>
-      <p:sp>
-        <p:nvSpPr>
-          <p:cNvPr id="4" name="Content Placeholder 3">
-            <a:extLst>
-              <a:ext uri="{FF2B5EF4-FFF2-40B4-BE49-F238E27FC236}">
-                <a16:creationId xmlns:a16="http://schemas.microsoft.com/office/drawing/2014/main" id="{D251A615-E78E-A444-7F01-BB8CFFFE5CAD}"/>
-              </a:ext>
-            </a:extLst>
-          </p:cNvPr>
+            <a:endParaRPr lang="en-US"/>
+          </a:p>
+        </p:txBody>
+      </p:sp>
+      <p:sp>
+        <p:nvSpPr>
+          <p:cNvPr id="4" name="Content Placeholder 3"/>
           <p:cNvSpPr>
             <a:spLocks noGrp="1"/>
           </p:cNvSpPr>
@@ -4709,6 +4444,7 @@
               <a:rPr lang="en-US"/>
               <a:t>Click to edit Master text styles</a:t>
             </a:r>
+            <a:endParaRPr lang="en-US"/>
           </a:p>
           <a:p>
             <a:pPr lvl="1"/>
@@ -4716,6 +4452,7 @@
               <a:rPr lang="en-US"/>
               <a:t>Second level</a:t>
             </a:r>
+            <a:endParaRPr lang="en-US"/>
           </a:p>
           <a:p>
             <a:pPr lvl="2"/>
@@ -4723,6 +4460,7 @@
               <a:rPr lang="en-US"/>
               <a:t>Third level</a:t>
             </a:r>
+            <a:endParaRPr lang="en-US"/>
           </a:p>
           <a:p>
             <a:pPr lvl="3"/>
@@ -4730,6 +4468,7 @@
               <a:rPr lang="en-US"/>
               <a:t>Fourth level</a:t>
             </a:r>
+            <a:endParaRPr lang="en-US"/>
           </a:p>
           <a:p>
             <a:pPr lvl="4"/>
@@ -4737,18 +4476,13 @@
               <a:rPr lang="en-US"/>
               <a:t>Fifth level</a:t>
             </a:r>
-          </a:p>
-        </p:txBody>
-      </p:sp>
-      <p:sp>
-        <p:nvSpPr>
-          <p:cNvPr id="5" name="Date Placeholder 4">
-            <a:extLst>
-              <a:ext uri="{FF2B5EF4-FFF2-40B4-BE49-F238E27FC236}">
-                <a16:creationId xmlns:a16="http://schemas.microsoft.com/office/drawing/2014/main" id="{A687899A-313B-E2C2-3C8F-D2D719881ECE}"/>
-              </a:ext>
-            </a:extLst>
-          </p:cNvPr>
+            <a:endParaRPr lang="en-US"/>
+          </a:p>
+        </p:txBody>
+      </p:sp>
+      <p:sp>
+        <p:nvSpPr>
+          <p:cNvPr id="5" name="Date Placeholder 4"/>
           <p:cNvSpPr>
             <a:spLocks noGrp="1"/>
           </p:cNvSpPr>
@@ -4763,7 +4497,6 @@
           <a:p>
             <a:fld id="{3BFB4463-3776-441D-85CA-AB94FE2EE4CC}" type="datetimeFigureOut">
               <a:rPr lang="en-US" smtClean="0"/>
-              <a:t>3/23/2024</a:t>
             </a:fld>
             <a:endParaRPr lang="en-US"/>
           </a:p>
@@ -4771,13 +4504,7 @@
       </p:sp>
       <p:sp>
         <p:nvSpPr>
-          <p:cNvPr id="6" name="Footer Placeholder 5">
-            <a:extLst>
-              <a:ext uri="{FF2B5EF4-FFF2-40B4-BE49-F238E27FC236}">
-                <a16:creationId xmlns:a16="http://schemas.microsoft.com/office/drawing/2014/main" id="{82A3FC84-9E78-3D4D-D7F0-D2A91471EF97}"/>
-              </a:ext>
-            </a:extLst>
-          </p:cNvPr>
+          <p:cNvPr id="6" name="Footer Placeholder 5"/>
           <p:cNvSpPr>
             <a:spLocks noGrp="1"/>
           </p:cNvSpPr>
@@ -4796,13 +4523,7 @@
       </p:sp>
       <p:sp>
         <p:nvSpPr>
-          <p:cNvPr id="7" name="Slide Number Placeholder 6">
-            <a:extLst>
-              <a:ext uri="{FF2B5EF4-FFF2-40B4-BE49-F238E27FC236}">
-                <a16:creationId xmlns:a16="http://schemas.microsoft.com/office/drawing/2014/main" id="{6EE624FC-1263-B37A-55E5-CE3CCDEF7DD5}"/>
-              </a:ext>
-            </a:extLst>
-          </p:cNvPr>
+          <p:cNvPr id="7" name="Slide Number Placeholder 6"/>
           <p:cNvSpPr>
             <a:spLocks noGrp="1"/>
           </p:cNvSpPr>
@@ -4817,18 +4538,12 @@
           <a:p>
             <a:fld id="{7EB64147-2B6D-451A-A8A6-4A08A0555F1E}" type="slidenum">
               <a:rPr lang="en-US" smtClean="0"/>
-              <a:t>‹#›</a:t>
             </a:fld>
             <a:endParaRPr lang="en-US"/>
           </a:p>
         </p:txBody>
       </p:sp>
     </p:spTree>
-    <p:extLst>
-      <p:ext uri="{BB962C8B-B14F-4D97-AF65-F5344CB8AC3E}">
-        <p14:creationId xmlns:p14="http://schemas.microsoft.com/office/powerpoint/2010/main" val="421075240"/>
-      </p:ext>
-    </p:extLst>
   </p:cSld>
   <p:clrMapOvr>
     <a:masterClrMapping/>
@@ -4855,13 +4570,7 @@
       </p:grpSpPr>
       <p:sp>
         <p:nvSpPr>
-          <p:cNvPr id="2" name="Title 1">
-            <a:extLst>
-              <a:ext uri="{FF2B5EF4-FFF2-40B4-BE49-F238E27FC236}">
-                <a16:creationId xmlns:a16="http://schemas.microsoft.com/office/drawing/2014/main" id="{0A64BB40-26C1-3143-F8A4-5C1BC85EBDE7}"/>
-              </a:ext>
-            </a:extLst>
-          </p:cNvPr>
+          <p:cNvPr id="2" name="Title 1"/>
           <p:cNvSpPr>
             <a:spLocks noGrp="1"/>
           </p:cNvSpPr>
@@ -4883,18 +4592,13 @@
               <a:rPr lang="en-US"/>
               <a:t>Click to edit Master title style</a:t>
             </a:r>
-          </a:p>
-        </p:txBody>
-      </p:sp>
-      <p:sp>
-        <p:nvSpPr>
-          <p:cNvPr id="3" name="Text Placeholder 2">
-            <a:extLst>
-              <a:ext uri="{FF2B5EF4-FFF2-40B4-BE49-F238E27FC236}">
-                <a16:creationId xmlns:a16="http://schemas.microsoft.com/office/drawing/2014/main" id="{28F4E580-253A-E533-3A19-A4D24DC48D4B}"/>
-              </a:ext>
-            </a:extLst>
-          </p:cNvPr>
+            <a:endParaRPr lang="en-US"/>
+          </a:p>
+        </p:txBody>
+      </p:sp>
+      <p:sp>
+        <p:nvSpPr>
+          <p:cNvPr id="3" name="Text Placeholder 2"/>
           <p:cNvSpPr>
             <a:spLocks noGrp="1"/>
           </p:cNvSpPr>
@@ -4954,18 +4658,13 @@
               <a:rPr lang="en-US"/>
               <a:t>Click to edit Master text styles</a:t>
             </a:r>
-          </a:p>
-        </p:txBody>
-      </p:sp>
-      <p:sp>
-        <p:nvSpPr>
-          <p:cNvPr id="4" name="Content Placeholder 3">
-            <a:extLst>
-              <a:ext uri="{FF2B5EF4-FFF2-40B4-BE49-F238E27FC236}">
-                <a16:creationId xmlns:a16="http://schemas.microsoft.com/office/drawing/2014/main" id="{EBBDEECC-D5D7-A7C8-D5D5-7AF70E034272}"/>
-              </a:ext>
-            </a:extLst>
-          </p:cNvPr>
+            <a:endParaRPr lang="en-US"/>
+          </a:p>
+        </p:txBody>
+      </p:sp>
+      <p:sp>
+        <p:nvSpPr>
+          <p:cNvPr id="4" name="Content Placeholder 3"/>
           <p:cNvSpPr>
             <a:spLocks noGrp="1"/>
           </p:cNvSpPr>
@@ -4988,6 +4687,7 @@
               <a:rPr lang="en-US"/>
               <a:t>Click to edit Master text styles</a:t>
             </a:r>
+            <a:endParaRPr lang="en-US"/>
           </a:p>
           <a:p>
             <a:pPr lvl="1"/>
@@ -4995,6 +4695,7 @@
               <a:rPr lang="en-US"/>
               <a:t>Second level</a:t>
             </a:r>
+            <a:endParaRPr lang="en-US"/>
           </a:p>
           <a:p>
             <a:pPr lvl="2"/>
@@ -5002,6 +4703,7 @@
               <a:rPr lang="en-US"/>
               <a:t>Third level</a:t>
             </a:r>
+            <a:endParaRPr lang="en-US"/>
           </a:p>
           <a:p>
             <a:pPr lvl="3"/>
@@ -5009,6 +4711,7 @@
               <a:rPr lang="en-US"/>
               <a:t>Fourth level</a:t>
             </a:r>
+            <a:endParaRPr lang="en-US"/>
           </a:p>
           <a:p>
             <a:pPr lvl="4"/>
@@ -5016,18 +4719,13 @@
               <a:rPr lang="en-US"/>
               <a:t>Fifth level</a:t>
             </a:r>
-          </a:p>
-        </p:txBody>
-      </p:sp>
-      <p:sp>
-        <p:nvSpPr>
-          <p:cNvPr id="5" name="Text Placeholder 4">
-            <a:extLst>
-              <a:ext uri="{FF2B5EF4-FFF2-40B4-BE49-F238E27FC236}">
-                <a16:creationId xmlns:a16="http://schemas.microsoft.com/office/drawing/2014/main" id="{C8B62F74-8567-4ACE-015E-990D7C2AC242}"/>
-              </a:ext>
-            </a:extLst>
-          </p:cNvPr>
+            <a:endParaRPr lang="en-US"/>
+          </a:p>
+        </p:txBody>
+      </p:sp>
+      <p:sp>
+        <p:nvSpPr>
+          <p:cNvPr id="5" name="Text Placeholder 4"/>
           <p:cNvSpPr>
             <a:spLocks noGrp="1"/>
           </p:cNvSpPr>
@@ -5087,18 +4785,13 @@
               <a:rPr lang="en-US"/>
               <a:t>Click to edit Master text styles</a:t>
             </a:r>
-          </a:p>
-        </p:txBody>
-      </p:sp>
-      <p:sp>
-        <p:nvSpPr>
-          <p:cNvPr id="6" name="Content Placeholder 5">
-            <a:extLst>
-              <a:ext uri="{FF2B5EF4-FFF2-40B4-BE49-F238E27FC236}">
-                <a16:creationId xmlns:a16="http://schemas.microsoft.com/office/drawing/2014/main" id="{1C4C326D-DEC6-7535-70C3-950D9F3E51D4}"/>
-              </a:ext>
-            </a:extLst>
-          </p:cNvPr>
+            <a:endParaRPr lang="en-US"/>
+          </a:p>
+        </p:txBody>
+      </p:sp>
+      <p:sp>
+        <p:nvSpPr>
+          <p:cNvPr id="6" name="Content Placeholder 5"/>
           <p:cNvSpPr>
             <a:spLocks noGrp="1"/>
           </p:cNvSpPr>
@@ -5121,6 +4814,7 @@
               <a:rPr lang="en-US"/>
               <a:t>Click to edit Master text styles</a:t>
             </a:r>
+            <a:endParaRPr lang="en-US"/>
           </a:p>
           <a:p>
             <a:pPr lvl="1"/>
@@ -5128,6 +4822,7 @@
               <a:rPr lang="en-US"/>
               <a:t>Second level</a:t>
             </a:r>
+            <a:endParaRPr lang="en-US"/>
           </a:p>
           <a:p>
             <a:pPr lvl="2"/>
@@ -5135,6 +4830,7 @@
               <a:rPr lang="en-US"/>
               <a:t>Third level</a:t>
             </a:r>
+            <a:endParaRPr lang="en-US"/>
           </a:p>
           <a:p>
             <a:pPr lvl="3"/>
@@ -5142,6 +4838,7 @@
               <a:rPr lang="en-US"/>
               <a:t>Fourth level</a:t>
             </a:r>
+            <a:endParaRPr lang="en-US"/>
           </a:p>
           <a:p>
             <a:pPr lvl="4"/>
@@ -5149,18 +4846,13 @@
               <a:rPr lang="en-US"/>
               <a:t>Fifth level</a:t>
             </a:r>
-          </a:p>
-        </p:txBody>
-      </p:sp>
-      <p:sp>
-        <p:nvSpPr>
-          <p:cNvPr id="7" name="Date Placeholder 6">
-            <a:extLst>
-              <a:ext uri="{FF2B5EF4-FFF2-40B4-BE49-F238E27FC236}">
-                <a16:creationId xmlns:a16="http://schemas.microsoft.com/office/drawing/2014/main" id="{2D1D1EC6-D660-66A1-E2BE-607E5E575DFC}"/>
-              </a:ext>
-            </a:extLst>
-          </p:cNvPr>
+            <a:endParaRPr lang="en-US"/>
+          </a:p>
+        </p:txBody>
+      </p:sp>
+      <p:sp>
+        <p:nvSpPr>
+          <p:cNvPr id="7" name="Date Placeholder 6"/>
           <p:cNvSpPr>
             <a:spLocks noGrp="1"/>
           </p:cNvSpPr>
@@ -5175,7 +4867,6 @@
           <a:p>
             <a:fld id="{3BFB4463-3776-441D-85CA-AB94FE2EE4CC}" type="datetimeFigureOut">
               <a:rPr lang="en-US" smtClean="0"/>
-              <a:t>3/23/2024</a:t>
             </a:fld>
             <a:endParaRPr lang="en-US"/>
           </a:p>
@@ -5183,13 +4874,7 @@
       </p:sp>
       <p:sp>
         <p:nvSpPr>
-          <p:cNvPr id="8" name="Footer Placeholder 7">
-            <a:extLst>
-              <a:ext uri="{FF2B5EF4-FFF2-40B4-BE49-F238E27FC236}">
-                <a16:creationId xmlns:a16="http://schemas.microsoft.com/office/drawing/2014/main" id="{E91ADC34-F7FE-9598-C95D-CE3F67FB3225}"/>
-              </a:ext>
-            </a:extLst>
-          </p:cNvPr>
+          <p:cNvPr id="8" name="Footer Placeholder 7"/>
           <p:cNvSpPr>
             <a:spLocks noGrp="1"/>
           </p:cNvSpPr>
@@ -5208,13 +4893,7 @@
       </p:sp>
       <p:sp>
         <p:nvSpPr>
-          <p:cNvPr id="9" name="Slide Number Placeholder 8">
-            <a:extLst>
-              <a:ext uri="{FF2B5EF4-FFF2-40B4-BE49-F238E27FC236}">
-                <a16:creationId xmlns:a16="http://schemas.microsoft.com/office/drawing/2014/main" id="{3A77BA07-9860-4142-2045-A1122B1F914B}"/>
-              </a:ext>
-            </a:extLst>
-          </p:cNvPr>
+          <p:cNvPr id="9" name="Slide Number Placeholder 8"/>
           <p:cNvSpPr>
             <a:spLocks noGrp="1"/>
           </p:cNvSpPr>
@@ -5229,18 +4908,12 @@
           <a:p>
             <a:fld id="{7EB64147-2B6D-451A-A8A6-4A08A0555F1E}" type="slidenum">
               <a:rPr lang="en-US" smtClean="0"/>
-              <a:t>‹#›</a:t>
             </a:fld>
             <a:endParaRPr lang="en-US"/>
           </a:p>
         </p:txBody>
       </p:sp>
     </p:spTree>
-    <p:extLst>
-      <p:ext uri="{BB962C8B-B14F-4D97-AF65-F5344CB8AC3E}">
-        <p14:creationId xmlns:p14="http://schemas.microsoft.com/office/powerpoint/2010/main" val="449051141"/>
-      </p:ext>
-    </p:extLst>
   </p:cSld>
   <p:clrMapOvr>
     <a:masterClrMapping/>
@@ -5267,13 +4940,7 @@
       </p:grpSpPr>
       <p:sp>
         <p:nvSpPr>
-          <p:cNvPr id="2" name="Title 1">
-            <a:extLst>
-              <a:ext uri="{FF2B5EF4-FFF2-40B4-BE49-F238E27FC236}">
-                <a16:creationId xmlns:a16="http://schemas.microsoft.com/office/drawing/2014/main" id="{062852BD-207A-E5D2-C4A0-56FA424C8D1F}"/>
-              </a:ext>
-            </a:extLst>
-          </p:cNvPr>
+          <p:cNvPr id="2" name="Title 1"/>
           <p:cNvSpPr>
             <a:spLocks noGrp="1"/>
           </p:cNvSpPr>
@@ -5290,18 +4957,13 @@
               <a:rPr lang="en-US"/>
               <a:t>Click to edit Master title style</a:t>
             </a:r>
-          </a:p>
-        </p:txBody>
-      </p:sp>
-      <p:sp>
-        <p:nvSpPr>
-          <p:cNvPr id="3" name="Date Placeholder 2">
-            <a:extLst>
-              <a:ext uri="{FF2B5EF4-FFF2-40B4-BE49-F238E27FC236}">
-                <a16:creationId xmlns:a16="http://schemas.microsoft.com/office/drawing/2014/main" id="{1062E5AC-DB2B-416A-0483-62228267ABA0}"/>
-              </a:ext>
-            </a:extLst>
-          </p:cNvPr>
+            <a:endParaRPr lang="en-US"/>
+          </a:p>
+        </p:txBody>
+      </p:sp>
+      <p:sp>
+        <p:nvSpPr>
+          <p:cNvPr id="3" name="Date Placeholder 2"/>
           <p:cNvSpPr>
             <a:spLocks noGrp="1"/>
           </p:cNvSpPr>
@@ -5316,7 +4978,6 @@
           <a:p>
             <a:fld id="{3BFB4463-3776-441D-85CA-AB94FE2EE4CC}" type="datetimeFigureOut">
               <a:rPr lang="en-US" smtClean="0"/>
-              <a:t>3/23/2024</a:t>
             </a:fld>
             <a:endParaRPr lang="en-US"/>
           </a:p>
@@ -5324,13 +4985,7 @@
       </p:sp>
       <p:sp>
         <p:nvSpPr>
-          <p:cNvPr id="4" name="Footer Placeholder 3">
-            <a:extLst>
-              <a:ext uri="{FF2B5EF4-FFF2-40B4-BE49-F238E27FC236}">
-                <a16:creationId xmlns:a16="http://schemas.microsoft.com/office/drawing/2014/main" id="{5E8F724A-9909-2BDF-7B0E-D1BE2D25DAD9}"/>
-              </a:ext>
-            </a:extLst>
-          </p:cNvPr>
+          <p:cNvPr id="4" name="Footer Placeholder 3"/>
           <p:cNvSpPr>
             <a:spLocks noGrp="1"/>
           </p:cNvSpPr>
@@ -5349,13 +5004,7 @@
       </p:sp>
       <p:sp>
         <p:nvSpPr>
-          <p:cNvPr id="5" name="Slide Number Placeholder 4">
-            <a:extLst>
-              <a:ext uri="{FF2B5EF4-FFF2-40B4-BE49-F238E27FC236}">
-                <a16:creationId xmlns:a16="http://schemas.microsoft.com/office/drawing/2014/main" id="{AEEDF973-174C-5FC5-46C7-A49ED2FF5C36}"/>
-              </a:ext>
-            </a:extLst>
-          </p:cNvPr>
+          <p:cNvPr id="5" name="Slide Number Placeholder 4"/>
           <p:cNvSpPr>
             <a:spLocks noGrp="1"/>
           </p:cNvSpPr>
@@ -5370,18 +5019,12 @@
           <a:p>
             <a:fld id="{7EB64147-2B6D-451A-A8A6-4A08A0555F1E}" type="slidenum">
               <a:rPr lang="en-US" smtClean="0"/>
-              <a:t>‹#›</a:t>
             </a:fld>
             <a:endParaRPr lang="en-US"/>
           </a:p>
         </p:txBody>
       </p:sp>
     </p:spTree>
-    <p:extLst>
-      <p:ext uri="{BB962C8B-B14F-4D97-AF65-F5344CB8AC3E}">
-        <p14:creationId xmlns:p14="http://schemas.microsoft.com/office/powerpoint/2010/main" val="938779034"/>
-      </p:ext>
-    </p:extLst>
   </p:cSld>
   <p:clrMapOvr>
     <a:masterClrMapping/>
@@ -5408,13 +5051,7 @@
       </p:grpSpPr>
       <p:sp>
         <p:nvSpPr>
-          <p:cNvPr id="2" name="Date Placeholder 1">
-            <a:extLst>
-              <a:ext uri="{FF2B5EF4-FFF2-40B4-BE49-F238E27FC236}">
-                <a16:creationId xmlns:a16="http://schemas.microsoft.com/office/drawing/2014/main" id="{43F9A088-CC41-435F-301E-3BC41D334542}"/>
-              </a:ext>
-            </a:extLst>
-          </p:cNvPr>
+          <p:cNvPr id="2" name="Date Placeholder 1"/>
           <p:cNvSpPr>
             <a:spLocks noGrp="1"/>
           </p:cNvSpPr>
@@ -5429,7 +5066,6 @@
           <a:p>
             <a:fld id="{3BFB4463-3776-441D-85CA-AB94FE2EE4CC}" type="datetimeFigureOut">
               <a:rPr lang="en-US" smtClean="0"/>
-              <a:t>3/23/2024</a:t>
             </a:fld>
             <a:endParaRPr lang="en-US"/>
           </a:p>
@@ -5437,13 +5073,7 @@
       </p:sp>
       <p:sp>
         <p:nvSpPr>
-          <p:cNvPr id="3" name="Footer Placeholder 2">
-            <a:extLst>
-              <a:ext uri="{FF2B5EF4-FFF2-40B4-BE49-F238E27FC236}">
-                <a16:creationId xmlns:a16="http://schemas.microsoft.com/office/drawing/2014/main" id="{4B300A99-97E6-D934-BEED-37EFD44DD25B}"/>
-              </a:ext>
-            </a:extLst>
-          </p:cNvPr>
+          <p:cNvPr id="3" name="Footer Placeholder 2"/>
           <p:cNvSpPr>
             <a:spLocks noGrp="1"/>
           </p:cNvSpPr>
@@ -5462,13 +5092,7 @@
       </p:sp>
       <p:sp>
         <p:nvSpPr>
-          <p:cNvPr id="4" name="Slide Number Placeholder 3">
-            <a:extLst>
-              <a:ext uri="{FF2B5EF4-FFF2-40B4-BE49-F238E27FC236}">
-                <a16:creationId xmlns:a16="http://schemas.microsoft.com/office/drawing/2014/main" id="{720CE6E0-1E6B-6EA3-A93E-C78133A62D19}"/>
-              </a:ext>
-            </a:extLst>
-          </p:cNvPr>
+          <p:cNvPr id="4" name="Slide Number Placeholder 3"/>
           <p:cNvSpPr>
             <a:spLocks noGrp="1"/>
           </p:cNvSpPr>
@@ -5483,18 +5107,12 @@
           <a:p>
             <a:fld id="{7EB64147-2B6D-451A-A8A6-4A08A0555F1E}" type="slidenum">
               <a:rPr lang="en-US" smtClean="0"/>
-              <a:t>‹#›</a:t>
             </a:fld>
             <a:endParaRPr lang="en-US"/>
           </a:p>
         </p:txBody>
       </p:sp>
     </p:spTree>
-    <p:extLst>
-      <p:ext uri="{BB962C8B-B14F-4D97-AF65-F5344CB8AC3E}">
-        <p14:creationId xmlns:p14="http://schemas.microsoft.com/office/powerpoint/2010/main" val="2231687146"/>
-      </p:ext>
-    </p:extLst>
   </p:cSld>
   <p:clrMapOvr>
     <a:masterClrMapping/>
@@ -5521,13 +5139,7 @@
       </p:grpSpPr>
       <p:sp>
         <p:nvSpPr>
-          <p:cNvPr id="2" name="Title 1">
-            <a:extLst>
-              <a:ext uri="{FF2B5EF4-FFF2-40B4-BE49-F238E27FC236}">
-                <a16:creationId xmlns:a16="http://schemas.microsoft.com/office/drawing/2014/main" id="{D7E833F4-D26A-939A-7DDD-E2D580E575CE}"/>
-              </a:ext>
-            </a:extLst>
-          </p:cNvPr>
+          <p:cNvPr id="2" name="Title 1"/>
           <p:cNvSpPr>
             <a:spLocks noGrp="1"/>
           </p:cNvSpPr>
@@ -5553,18 +5165,13 @@
               <a:rPr lang="en-US"/>
               <a:t>Click to edit Master title style</a:t>
             </a:r>
-          </a:p>
-        </p:txBody>
-      </p:sp>
-      <p:sp>
-        <p:nvSpPr>
-          <p:cNvPr id="3" name="Content Placeholder 2">
-            <a:extLst>
-              <a:ext uri="{FF2B5EF4-FFF2-40B4-BE49-F238E27FC236}">
-                <a16:creationId xmlns:a16="http://schemas.microsoft.com/office/drawing/2014/main" id="{99DE692E-1297-A33A-0043-949F3ED1B83C}"/>
-              </a:ext>
-            </a:extLst>
-          </p:cNvPr>
+            <a:endParaRPr lang="en-US"/>
+          </a:p>
+        </p:txBody>
+      </p:sp>
+      <p:sp>
+        <p:nvSpPr>
+          <p:cNvPr id="3" name="Content Placeholder 2"/>
           <p:cNvSpPr>
             <a:spLocks noGrp="1"/>
           </p:cNvSpPr>
@@ -5615,6 +5222,7 @@
               <a:rPr lang="en-US"/>
               <a:t>Click to edit Master text styles</a:t>
             </a:r>
+            <a:endParaRPr lang="en-US"/>
           </a:p>
           <a:p>
             <a:pPr lvl="1"/>
@@ -5622,6 +5230,7 @@
               <a:rPr lang="en-US"/>
               <a:t>Second level</a:t>
             </a:r>
+            <a:endParaRPr lang="en-US"/>
           </a:p>
           <a:p>
             <a:pPr lvl="2"/>
@@ -5629,6 +5238,7 @@
               <a:rPr lang="en-US"/>
               <a:t>Third level</a:t>
             </a:r>
+            <a:endParaRPr lang="en-US"/>
           </a:p>
           <a:p>
             <a:pPr lvl="3"/>
@@ -5636,6 +5246,7 @@
               <a:rPr lang="en-US"/>
               <a:t>Fourth level</a:t>
             </a:r>
+            <a:endParaRPr lang="en-US"/>
           </a:p>
           <a:p>
             <a:pPr lvl="4"/>
@@ -5643,18 +5254,13 @@
               <a:rPr lang="en-US"/>
               <a:t>Fifth level</a:t>
             </a:r>
-          </a:p>
-        </p:txBody>
-      </p:sp>
-      <p:sp>
-        <p:nvSpPr>
-          <p:cNvPr id="4" name="Text Placeholder 3">
-            <a:extLst>
-              <a:ext uri="{FF2B5EF4-FFF2-40B4-BE49-F238E27FC236}">
-                <a16:creationId xmlns:a16="http://schemas.microsoft.com/office/drawing/2014/main" id="{451B1454-CD50-CE5C-4275-7233D0E20DB9}"/>
-              </a:ext>
-            </a:extLst>
-          </p:cNvPr>
+            <a:endParaRPr lang="en-US"/>
+          </a:p>
+        </p:txBody>
+      </p:sp>
+      <p:sp>
+        <p:nvSpPr>
+          <p:cNvPr id="4" name="Text Placeholder 3"/>
           <p:cNvSpPr>
             <a:spLocks noGrp="1"/>
           </p:cNvSpPr>
@@ -5714,18 +5320,13 @@
               <a:rPr lang="en-US"/>
               <a:t>Click to edit Master text styles</a:t>
             </a:r>
-          </a:p>
-        </p:txBody>
-      </p:sp>
-      <p:sp>
-        <p:nvSpPr>
-          <p:cNvPr id="5" name="Date Placeholder 4">
-            <a:extLst>
-              <a:ext uri="{FF2B5EF4-FFF2-40B4-BE49-F238E27FC236}">
-                <a16:creationId xmlns:a16="http://schemas.microsoft.com/office/drawing/2014/main" id="{388224AE-7120-88BE-CBA7-34D67FDD3D56}"/>
-              </a:ext>
-            </a:extLst>
-          </p:cNvPr>
+            <a:endParaRPr lang="en-US"/>
+          </a:p>
+        </p:txBody>
+      </p:sp>
+      <p:sp>
+        <p:nvSpPr>
+          <p:cNvPr id="5" name="Date Placeholder 4"/>
           <p:cNvSpPr>
             <a:spLocks noGrp="1"/>
           </p:cNvSpPr>
@@ -5740,7 +5341,6 @@
           <a:p>
             <a:fld id="{3BFB4463-3776-441D-85CA-AB94FE2EE4CC}" type="datetimeFigureOut">
               <a:rPr lang="en-US" smtClean="0"/>
-              <a:t>3/23/2024</a:t>
             </a:fld>
             <a:endParaRPr lang="en-US"/>
           </a:p>
@@ -5748,13 +5348,7 @@
       </p:sp>
       <p:sp>
         <p:nvSpPr>
-          <p:cNvPr id="6" name="Footer Placeholder 5">
-            <a:extLst>
-              <a:ext uri="{FF2B5EF4-FFF2-40B4-BE49-F238E27FC236}">
-                <a16:creationId xmlns:a16="http://schemas.microsoft.com/office/drawing/2014/main" id="{932BE993-22A3-2133-872A-84F90DD0DB38}"/>
-              </a:ext>
-            </a:extLst>
-          </p:cNvPr>
+          <p:cNvPr id="6" name="Footer Placeholder 5"/>
           <p:cNvSpPr>
             <a:spLocks noGrp="1"/>
           </p:cNvSpPr>
@@ -5773,13 +5367,7 @@
       </p:sp>
       <p:sp>
         <p:nvSpPr>
-          <p:cNvPr id="7" name="Slide Number Placeholder 6">
-            <a:extLst>
-              <a:ext uri="{FF2B5EF4-FFF2-40B4-BE49-F238E27FC236}">
-                <a16:creationId xmlns:a16="http://schemas.microsoft.com/office/drawing/2014/main" id="{C36F5591-810D-2C50-4815-2CF2B6D33054}"/>
-              </a:ext>
-            </a:extLst>
-          </p:cNvPr>
+          <p:cNvPr id="7" name="Slide Number Placeholder 6"/>
           <p:cNvSpPr>
             <a:spLocks noGrp="1"/>
           </p:cNvSpPr>
@@ -5794,18 +5382,12 @@
           <a:p>
             <a:fld id="{7EB64147-2B6D-451A-A8A6-4A08A0555F1E}" type="slidenum">
               <a:rPr lang="en-US" smtClean="0"/>
-              <a:t>‹#›</a:t>
             </a:fld>
             <a:endParaRPr lang="en-US"/>
           </a:p>
         </p:txBody>
       </p:sp>
     </p:spTree>
-    <p:extLst>
-      <p:ext uri="{BB962C8B-B14F-4D97-AF65-F5344CB8AC3E}">
-        <p14:creationId xmlns:p14="http://schemas.microsoft.com/office/powerpoint/2010/main" val="3833476477"/>
-      </p:ext>
-    </p:extLst>
   </p:cSld>
   <p:clrMapOvr>
     <a:masterClrMapping/>
@@ -5832,13 +5414,7 @@
       </p:grpSpPr>
       <p:sp>
         <p:nvSpPr>
-          <p:cNvPr id="2" name="Title 1">
-            <a:extLst>
-              <a:ext uri="{FF2B5EF4-FFF2-40B4-BE49-F238E27FC236}">
-                <a16:creationId xmlns:a16="http://schemas.microsoft.com/office/drawing/2014/main" id="{370BAF25-70BA-EB45-A5E8-729AA6FF1280}"/>
-              </a:ext>
-            </a:extLst>
-          </p:cNvPr>
+          <p:cNvPr id="2" name="Title 1"/>
           <p:cNvSpPr>
             <a:spLocks noGrp="1"/>
           </p:cNvSpPr>
@@ -5864,18 +5440,13 @@
               <a:rPr lang="en-US"/>
               <a:t>Click to edit Master title style</a:t>
             </a:r>
-          </a:p>
-        </p:txBody>
-      </p:sp>
-      <p:sp>
-        <p:nvSpPr>
-          <p:cNvPr id="3" name="Picture Placeholder 2">
-            <a:extLst>
-              <a:ext uri="{FF2B5EF4-FFF2-40B4-BE49-F238E27FC236}">
-                <a16:creationId xmlns:a16="http://schemas.microsoft.com/office/drawing/2014/main" id="{217BCB31-2FBB-495A-3EC3-C1B0AC56AA57}"/>
-              </a:ext>
-            </a:extLst>
-          </p:cNvPr>
+            <a:endParaRPr lang="en-US"/>
+          </a:p>
+        </p:txBody>
+      </p:sp>
+      <p:sp>
+        <p:nvSpPr>
+          <p:cNvPr id="3" name="Picture Placeholder 2"/>
           <p:cNvSpPr>
             <a:spLocks noGrp="1"/>
           </p:cNvSpPr>
@@ -5936,13 +5507,7 @@
       </p:sp>
       <p:sp>
         <p:nvSpPr>
-          <p:cNvPr id="4" name="Text Placeholder 3">
-            <a:extLst>
-              <a:ext uri="{FF2B5EF4-FFF2-40B4-BE49-F238E27FC236}">
-                <a16:creationId xmlns:a16="http://schemas.microsoft.com/office/drawing/2014/main" id="{5A8B51C9-B75C-F9C2-F6F4-C989AF08390E}"/>
-              </a:ext>
-            </a:extLst>
-          </p:cNvPr>
+          <p:cNvPr id="4" name="Text Placeholder 3"/>
           <p:cNvSpPr>
             <a:spLocks noGrp="1"/>
           </p:cNvSpPr>
@@ -6002,18 +5567,13 @@
               <a:rPr lang="en-US"/>
               <a:t>Click to edit Master text styles</a:t>
             </a:r>
-          </a:p>
-        </p:txBody>
-      </p:sp>
-      <p:sp>
-        <p:nvSpPr>
-          <p:cNvPr id="5" name="Date Placeholder 4">
-            <a:extLst>
-              <a:ext uri="{FF2B5EF4-FFF2-40B4-BE49-F238E27FC236}">
-                <a16:creationId xmlns:a16="http://schemas.microsoft.com/office/drawing/2014/main" id="{BD37BAED-54F2-29AB-1795-8881E8AE5150}"/>
-              </a:ext>
-            </a:extLst>
-          </p:cNvPr>
+            <a:endParaRPr lang="en-US"/>
+          </a:p>
+        </p:txBody>
+      </p:sp>
+      <p:sp>
+        <p:nvSpPr>
+          <p:cNvPr id="5" name="Date Placeholder 4"/>
           <p:cNvSpPr>
             <a:spLocks noGrp="1"/>
           </p:cNvSpPr>
@@ -6028,7 +5588,6 @@
           <a:p>
             <a:fld id="{3BFB4463-3776-441D-85CA-AB94FE2EE4CC}" type="datetimeFigureOut">
               <a:rPr lang="en-US" smtClean="0"/>
-              <a:t>3/23/2024</a:t>
             </a:fld>
             <a:endParaRPr lang="en-US"/>
           </a:p>
@@ -6036,13 +5595,7 @@
       </p:sp>
       <p:sp>
         <p:nvSpPr>
-          <p:cNvPr id="6" name="Footer Placeholder 5">
-            <a:extLst>
-              <a:ext uri="{FF2B5EF4-FFF2-40B4-BE49-F238E27FC236}">
-                <a16:creationId xmlns:a16="http://schemas.microsoft.com/office/drawing/2014/main" id="{2FC68844-07FF-BDC5-6E2E-B6288AA63614}"/>
-              </a:ext>
-            </a:extLst>
-          </p:cNvPr>
+          <p:cNvPr id="6" name="Footer Placeholder 5"/>
           <p:cNvSpPr>
             <a:spLocks noGrp="1"/>
           </p:cNvSpPr>
@@ -6061,13 +5614,7 @@
       </p:sp>
       <p:sp>
         <p:nvSpPr>
-          <p:cNvPr id="7" name="Slide Number Placeholder 6">
-            <a:extLst>
-              <a:ext uri="{FF2B5EF4-FFF2-40B4-BE49-F238E27FC236}">
-                <a16:creationId xmlns:a16="http://schemas.microsoft.com/office/drawing/2014/main" id="{4646FCC7-5EB6-6F23-1276-E7E9F8EA68D9}"/>
-              </a:ext>
-            </a:extLst>
-          </p:cNvPr>
+          <p:cNvPr id="7" name="Slide Number Placeholder 6"/>
           <p:cNvSpPr>
             <a:spLocks noGrp="1"/>
           </p:cNvSpPr>
@@ -6082,18 +5629,12 @@
           <a:p>
             <a:fld id="{7EB64147-2B6D-451A-A8A6-4A08A0555F1E}" type="slidenum">
               <a:rPr lang="en-US" smtClean="0"/>
-              <a:t>‹#›</a:t>
             </a:fld>
             <a:endParaRPr lang="en-US"/>
           </a:p>
         </p:txBody>
       </p:sp>
     </p:spTree>
-    <p:extLst>
-      <p:ext uri="{BB962C8B-B14F-4D97-AF65-F5344CB8AC3E}">
-        <p14:creationId xmlns:p14="http://schemas.microsoft.com/office/powerpoint/2010/main" val="2820305784"/>
-      </p:ext>
-    </p:extLst>
   </p:cSld>
   <p:clrMapOvr>
     <a:masterClrMapping/>
@@ -6125,13 +5666,7 @@
       </p:grpSpPr>
       <p:sp>
         <p:nvSpPr>
-          <p:cNvPr id="2" name="Title Placeholder 1">
-            <a:extLst>
-              <a:ext uri="{FF2B5EF4-FFF2-40B4-BE49-F238E27FC236}">
-                <a16:creationId xmlns:a16="http://schemas.microsoft.com/office/drawing/2014/main" id="{AD554917-210C-819F-C81E-EADEB26EEF2B}"/>
-              </a:ext>
-            </a:extLst>
-          </p:cNvPr>
+          <p:cNvPr id="2" name="Title Placeholder 1"/>
           <p:cNvSpPr>
             <a:spLocks noGrp="1"/>
           </p:cNvSpPr>
@@ -6158,18 +5693,13 @@
               <a:rPr lang="en-US"/>
               <a:t>Click to edit Master title style</a:t>
             </a:r>
-          </a:p>
-        </p:txBody>
-      </p:sp>
-      <p:sp>
-        <p:nvSpPr>
-          <p:cNvPr id="3" name="Text Placeholder 2">
-            <a:extLst>
-              <a:ext uri="{FF2B5EF4-FFF2-40B4-BE49-F238E27FC236}">
-                <a16:creationId xmlns:a16="http://schemas.microsoft.com/office/drawing/2014/main" id="{C6BBECB7-3F9B-9831-E7B2-1CEBC092387D}"/>
-              </a:ext>
-            </a:extLst>
-          </p:cNvPr>
+            <a:endParaRPr lang="en-US"/>
+          </a:p>
+        </p:txBody>
+      </p:sp>
+      <p:sp>
+        <p:nvSpPr>
+          <p:cNvPr id="3" name="Text Placeholder 2"/>
           <p:cNvSpPr>
             <a:spLocks noGrp="1"/>
           </p:cNvSpPr>
@@ -6197,6 +5727,7 @@
               <a:rPr lang="en-US"/>
               <a:t>Click to edit Master text styles</a:t>
             </a:r>
+            <a:endParaRPr lang="en-US"/>
           </a:p>
           <a:p>
             <a:pPr lvl="1"/>
@@ -6204,6 +5735,7 @@
               <a:rPr lang="en-US"/>
               <a:t>Second level</a:t>
             </a:r>
+            <a:endParaRPr lang="en-US"/>
           </a:p>
           <a:p>
             <a:pPr lvl="2"/>
@@ -6211,6 +5743,7 @@
               <a:rPr lang="en-US"/>
               <a:t>Third level</a:t>
             </a:r>
+            <a:endParaRPr lang="en-US"/>
           </a:p>
           <a:p>
             <a:pPr lvl="3"/>
@@ -6218,6 +5751,7 @@
               <a:rPr lang="en-US"/>
               <a:t>Fourth level</a:t>
             </a:r>
+            <a:endParaRPr lang="en-US"/>
           </a:p>
           <a:p>
             <a:pPr lvl="4"/>
@@ -6225,18 +5759,13 @@
               <a:rPr lang="en-US"/>
               <a:t>Fifth level</a:t>
             </a:r>
-          </a:p>
-        </p:txBody>
-      </p:sp>
-      <p:sp>
-        <p:nvSpPr>
-          <p:cNvPr id="4" name="Date Placeholder 3">
-            <a:extLst>
-              <a:ext uri="{FF2B5EF4-FFF2-40B4-BE49-F238E27FC236}">
-                <a16:creationId xmlns:a16="http://schemas.microsoft.com/office/drawing/2014/main" id="{89F173E4-D3E6-6537-4CFD-A121C0B05AF7}"/>
-              </a:ext>
-            </a:extLst>
-          </p:cNvPr>
+            <a:endParaRPr lang="en-US"/>
+          </a:p>
+        </p:txBody>
+      </p:sp>
+      <p:sp>
+        <p:nvSpPr>
+          <p:cNvPr id="4" name="Date Placeholder 3"/>
           <p:cNvSpPr>
             <a:spLocks noGrp="1"/>
           </p:cNvSpPr>
@@ -6269,7 +5798,6 @@
           <a:p>
             <a:fld id="{3BFB4463-3776-441D-85CA-AB94FE2EE4CC}" type="datetimeFigureOut">
               <a:rPr lang="en-US" smtClean="0"/>
-              <a:t>3/23/2024</a:t>
             </a:fld>
             <a:endParaRPr lang="en-US"/>
           </a:p>
@@ -6277,13 +5805,7 @@
       </p:sp>
       <p:sp>
         <p:nvSpPr>
-          <p:cNvPr id="5" name="Footer Placeholder 4">
-            <a:extLst>
-              <a:ext uri="{FF2B5EF4-FFF2-40B4-BE49-F238E27FC236}">
-                <a16:creationId xmlns:a16="http://schemas.microsoft.com/office/drawing/2014/main" id="{B024476C-E022-6288-1962-AE8AE9A827BB}"/>
-              </a:ext>
-            </a:extLst>
-          </p:cNvPr>
+          <p:cNvPr id="5" name="Footer Placeholder 4"/>
           <p:cNvSpPr>
             <a:spLocks noGrp="1"/>
           </p:cNvSpPr>
@@ -6320,13 +5842,7 @@
       </p:sp>
       <p:sp>
         <p:nvSpPr>
-          <p:cNvPr id="6" name="Slide Number Placeholder 5">
-            <a:extLst>
-              <a:ext uri="{FF2B5EF4-FFF2-40B4-BE49-F238E27FC236}">
-                <a16:creationId xmlns:a16="http://schemas.microsoft.com/office/drawing/2014/main" id="{FEBE4AFA-7F4A-76B5-4EDE-7EA2E41151F0}"/>
-              </a:ext>
-            </a:extLst>
-          </p:cNvPr>
+          <p:cNvPr id="6" name="Slide Number Placeholder 5"/>
           <p:cNvSpPr>
             <a:spLocks noGrp="1"/>
           </p:cNvSpPr>
@@ -6359,18 +5875,12 @@
           <a:p>
             <a:fld id="{7EB64147-2B6D-451A-A8A6-4A08A0555F1E}" type="slidenum">
               <a:rPr lang="en-US" smtClean="0"/>
-              <a:t>‹#›</a:t>
             </a:fld>
             <a:endParaRPr lang="en-US"/>
           </a:p>
         </p:txBody>
       </p:sp>
     </p:spTree>
-    <p:extLst>
-      <p:ext uri="{BB962C8B-B14F-4D97-AF65-F5344CB8AC3E}">
-        <p14:creationId xmlns:p14="http://schemas.microsoft.com/office/powerpoint/2010/main" val="3723194306"/>
-      </p:ext>
-    </p:extLst>
   </p:cSld>
   <p:clrMap bg1="lt1" tx1="dk1" bg2="lt2" tx2="dk2" accent1="accent1" accent2="accent2" accent3="accent3" accent4="accent4" accent5="accent5" accent6="accent6" hlink="hlink" folHlink="folHlink"/>
   <p:sldLayoutIdLst>
@@ -6723,6 +6233,7 @@
               <a:rPr dirty="0"/>
               <a:t>Click to edit Master title style</a:t>
             </a:r>
+            <a:endParaRPr dirty="0"/>
           </a:p>
         </p:txBody>
       </p:sp>
@@ -6758,6 +6269,7 @@
               <a:rPr dirty="0"/>
               <a:t>Click to edit Master text styles</a:t>
             </a:r>
+            <a:endParaRPr dirty="0"/>
           </a:p>
           <a:p>
             <a:pPr lvl="1"/>
@@ -6765,6 +6277,7 @@
               <a:rPr dirty="0"/>
               <a:t>Second level</a:t>
             </a:r>
+            <a:endParaRPr dirty="0"/>
           </a:p>
           <a:p>
             <a:pPr lvl="2"/>
@@ -6772,6 +6285,7 @@
               <a:rPr dirty="0"/>
               <a:t>Third level</a:t>
             </a:r>
+            <a:endParaRPr dirty="0"/>
           </a:p>
           <a:p>
             <a:pPr lvl="3"/>
@@ -6779,6 +6293,7 @@
               <a:rPr dirty="0"/>
               <a:t>Fourth level</a:t>
             </a:r>
+            <a:endParaRPr dirty="0"/>
           </a:p>
           <a:p>
             <a:pPr lvl="4"/>
@@ -6786,6 +6301,7 @@
               <a:rPr dirty="0"/>
               <a:t>Fifth level</a:t>
             </a:r>
+            <a:endParaRPr dirty="0"/>
           </a:p>
         </p:txBody>
       </p:sp>
@@ -6835,10 +6351,6 @@
             </a:pPr>
             <a:fld id="{B42C9122-BF34-435C-A61B-D2201D289E11}" type="datetimeFigureOut">
               <a:rPr lang="en-US" smtClean="0"/>
-              <a:pPr>
-                <a:defRPr/>
-              </a:pPr>
-              <a:t>3/23/2024</a:t>
             </a:fld>
             <a:endParaRPr lang="en-US"/>
           </a:p>
@@ -6929,7 +6441,6 @@
             </a:pPr>
             <a:fld id="{9A0DB2DC-4C9A-4742-B13C-FB6460FD3503}" type="slidenum">
               <a:rPr lang="en-US" dirty="0"/>
-              <a:t>‹#›</a:t>
             </a:fld>
             <a:endParaRPr lang="en-US" dirty="0">
               <a:latin typeface="Arial" panose="020B0604020202020204" pitchFamily="34" charset="0"/>
@@ -6938,11 +6449,6 @@
         </p:txBody>
       </p:sp>
     </p:spTree>
-    <p:extLst>
-      <p:ext uri="{BB962C8B-B14F-4D97-AF65-F5344CB8AC3E}">
-        <p14:creationId xmlns:p14="http://schemas.microsoft.com/office/powerpoint/2010/main" val="2305316074"/>
-      </p:ext>
-    </p:extLst>
   </p:cSld>
   <p:clrMap bg1="lt1" tx1="dk1" bg2="lt2" tx2="dk2" accent1="accent1" accent2="accent2" accent3="accent3" accent4="accent4" accent5="accent5" accent6="accent6" hlink="hlink" folHlink="folHlink"/>
   <p:sldLayoutIdLst>
@@ -7361,13 +6867,7 @@
       </p:grpSpPr>
       <p:sp>
         <p:nvSpPr>
-          <p:cNvPr id="2" name="Title 1">
-            <a:extLst>
-              <a:ext uri="{FF2B5EF4-FFF2-40B4-BE49-F238E27FC236}">
-                <a16:creationId xmlns:a16="http://schemas.microsoft.com/office/drawing/2014/main" id="{E674BC62-6EAE-D6A1-DD67-853BF5518C56}"/>
-              </a:ext>
-            </a:extLst>
-          </p:cNvPr>
+          <p:cNvPr id="2" name="Title 1"/>
           <p:cNvSpPr>
             <a:spLocks noGrp="1"/>
           </p:cNvSpPr>
@@ -7391,18 +6891,13 @@
               <a:rPr lang="en-US" b="1" dirty="0"/>
               <a:t>Use Case Testing</a:t>
             </a:r>
-          </a:p>
-        </p:txBody>
-      </p:sp>
-      <p:sp>
-        <p:nvSpPr>
-          <p:cNvPr id="3" name="Subtitle 2">
-            <a:extLst>
-              <a:ext uri="{FF2B5EF4-FFF2-40B4-BE49-F238E27FC236}">
-                <a16:creationId xmlns:a16="http://schemas.microsoft.com/office/drawing/2014/main" id="{B058C056-24EF-9317-68AC-8E07D0AD86F7}"/>
-              </a:ext>
-            </a:extLst>
-          </p:cNvPr>
+            <a:endParaRPr lang="en-US" b="1" dirty="0"/>
+          </a:p>
+        </p:txBody>
+      </p:sp>
+      <p:sp>
+        <p:nvSpPr>
+          <p:cNvPr id="3" name="Subtitle 2"/>
           <p:cNvSpPr>
             <a:spLocks noGrp="1"/>
           </p:cNvSpPr>
@@ -7419,15 +6914,11 @@
               <a:rPr lang="en-US" dirty="0"/>
               <a:t>Prepared By Chala Urgessa</a:t>
             </a:r>
+            <a:endParaRPr lang="en-US" dirty="0"/>
           </a:p>
         </p:txBody>
       </p:sp>
     </p:spTree>
-    <p:extLst>
-      <p:ext uri="{BB962C8B-B14F-4D97-AF65-F5344CB8AC3E}">
-        <p14:creationId xmlns:p14="http://schemas.microsoft.com/office/powerpoint/2010/main" val="2074197843"/>
-      </p:ext>
-    </p:extLst>
   </p:cSld>
   <p:clrMapOvr>
     <a:masterClrMapping/>
@@ -7476,74 +6967,101 @@
               <a:rPr b="1" dirty="0"/>
               <a:t>Use Case Testing</a:t>
             </a:r>
-          </a:p>
-        </p:txBody>
-      </p:sp>
-      <p:sp>
-        <p:nvSpPr>
-          <p:cNvPr id="24579" name="Content Placeholder 5"/>
-          <p:cNvSpPr>
-            <a:spLocks noGrp="1"/>
-          </p:cNvSpPr>
-          <p:nvPr>
-            <p:ph idx="1"/>
-          </p:nvPr>
+            <a:endParaRPr b="1" dirty="0"/>
+          </a:p>
+        </p:txBody>
+      </p:sp>
+      <p:sp>
+        <p:nvSpPr>
+          <p:cNvPr id="2" name="Text Box 1"/>
+          <p:cNvSpPr txBox="1"/>
+          <p:nvPr/>
         </p:nvSpPr>
         <p:spPr>
           <a:xfrm>
-            <a:off x="1050966" y="1295401"/>
-            <a:ext cx="9749642" cy="4525963"/>
+            <a:off x="1055370" y="1337310"/>
+            <a:ext cx="10166985" cy="4276725"/>
           </a:xfrm>
+          <a:prstGeom prst="rect">
+            <a:avLst/>
+          </a:prstGeom>
+          <a:noFill/>
         </p:spPr>
         <p:txBody>
-          <a:bodyPr vert="horz" wrap="square" lIns="91440" tIns="45720" rIns="91440" bIns="45720" anchor="t" anchorCtr="0"/>
-          <a:lstStyle/>
-          <a:p>
-            <a:pPr algn="just">
-              <a:buNone/>
+          <a:bodyPr wrap="square" rtlCol="0" anchor="t">
+            <a:spAutoFit/>
+          </a:bodyPr>
+          <a:p>
+            <a:r>
+              <a:rPr lang="en-US" sz="2400"/>
+              <a:t>Use case testing helps find test cases that check the system for each transaction, from beginning to end.</a:t>
+            </a:r>
+            <a:endParaRPr lang="en-US" sz="2400"/>
+          </a:p>
+          <a:p>
+            <a:pPr marL="800100" lvl="1" indent="-342900">
+              <a:buFont typeface="Arial" panose="020B0604020202020204" pitchFamily="34" charset="0"/>
+              <a:buChar char="•"/>
             </a:pPr>
             <a:r>
-              <a:rPr sz="2800" dirty="0"/>
-              <a:t>Use case testing is a technique that helps us identify test cases that exercise the whole system on a </a:t>
-            </a:r>
-            <a:r>
-              <a:rPr lang="en-US" sz="2800" dirty="0"/>
-              <a:t>transaction-by-transaction</a:t>
-            </a:r>
-            <a:r>
-              <a:rPr sz="2800" dirty="0"/>
-              <a:t> basis from start to finish. </a:t>
-            </a:r>
-            <a:endParaRPr lang="en-US" sz="2800" dirty="0"/>
-          </a:p>
-          <a:p>
-            <a:pPr algn="just">
-              <a:buNone/>
+              <a:rPr lang="en-US" sz="2000"/>
+              <a:t>用例测试帮助找到逐个事务检查系统的测试案例，从头到尾。</a:t>
+            </a:r>
+            <a:endParaRPr lang="en-US" sz="2000"/>
+          </a:p>
+          <a:p>
+            <a:r>
+              <a:rPr lang="en-US" sz="2400"/>
+              <a:t>A use case is how an actor (someone or something using the system) uses it.</a:t>
+            </a:r>
+            <a:endParaRPr lang="en-US" sz="2400"/>
+          </a:p>
+          <a:p>
+            <a:pPr marL="800100" lvl="1" indent="-342900">
+              <a:buFont typeface="Arial" panose="020B0604020202020204" pitchFamily="34" charset="0"/>
+              <a:buChar char="•"/>
             </a:pPr>
             <a:r>
-              <a:rPr sz="2800" dirty="0"/>
-              <a:t>A use case is a description of a particular use of the system by an actor (a user of the system). </a:t>
-            </a:r>
-            <a:endParaRPr lang="en-US" sz="2800" dirty="0"/>
-          </a:p>
-          <a:p>
-            <a:pPr algn="just">
-              <a:buNone/>
+              <a:rPr lang="en-US" sz="2000"/>
+              <a:t>用例是行动者（使用系统的某人或某物）如何使用它。</a:t>
+            </a:r>
+            <a:endParaRPr lang="en-US" sz="2000"/>
+          </a:p>
+          <a:p>
+            <a:r>
+              <a:rPr lang="en-US" sz="2400"/>
+              <a:t>Each use case shows the actor's steps with the system to complete a task or create value.</a:t>
+            </a:r>
+            <a:endParaRPr lang="en-US" sz="2400"/>
+          </a:p>
+          <a:p>
+            <a:pPr marL="800100" lvl="1" indent="-342900">
+              <a:buFont typeface="Arial" panose="020B0604020202020204" pitchFamily="34" charset="0"/>
+              <a:buChar char="•"/>
             </a:pPr>
             <a:r>
-              <a:rPr sz="2800" dirty="0"/>
-              <a:t>Each use case describes the interactions the actor has with the system in order to achieve a specific task (or, at least, produce something of value to the user). </a:t>
-            </a:r>
-            <a:endParaRPr lang="en-US" sz="2800" dirty="0"/>
-          </a:p>
-          <a:p>
-            <a:pPr algn="just">
-              <a:buNone/>
+              <a:rPr lang="en-US" sz="2000"/>
+              <a:t>每个用例展示了行动者为了完成任务或创造价值而与系统的互动步骤。</a:t>
+            </a:r>
+            <a:endParaRPr lang="en-US" sz="2000"/>
+          </a:p>
+          <a:p>
+            <a:r>
+              <a:rPr lang="en-US" sz="2400"/>
+              <a:t>Actors are usually people, but can also be other systems. Use cases list these steps and interactions.</a:t>
+            </a:r>
+            <a:endParaRPr lang="en-US" sz="2400"/>
+          </a:p>
+          <a:p>
+            <a:pPr marL="800100" lvl="1" indent="-342900">
+              <a:buFont typeface="Arial" panose="020B0604020202020204" pitchFamily="34" charset="0"/>
+              <a:buChar char="•"/>
             </a:pPr>
             <a:r>
-              <a:rPr sz="2800" dirty="0"/>
-              <a:t>Actors are generally people but they may also be other systems. Use cases are a sequence of steps that describe the interactions between the actor and the system.</a:t>
-            </a:r>
+              <a:rPr lang="en-US" sz="2000"/>
+              <a:t>行动者通常是人，但也可以是其他系统。用例列出了这些步骤和互动。</a:t>
+            </a:r>
+            <a:endParaRPr lang="en-US" sz="2000"/>
           </a:p>
         </p:txBody>
       </p:sp>
@@ -7564,6 +7082,101 @@
         <p:cNvGrpSpPr/>
         <p:nvPr/>
       </p:nvGrpSpPr>
+      <p:grpSpPr/>
+      <p:sp>
+        <p:nvSpPr>
+          <p:cNvPr id="2" name="Title 1"/>
+          <p:cNvSpPr>
+            <a:spLocks noGrp="1"/>
+          </p:cNvSpPr>
+          <p:nvPr>
+            <p:ph type="title"/>
+          </p:nvPr>
+        </p:nvSpPr>
+        <p:spPr/>
+        <p:txBody>
+          <a:bodyPr/>
+          <a:p>
+            <a:r>
+              <a:rPr lang="en-US" b="1"/>
+              <a:t>The Bug Hypothesis</a:t>
+            </a:r>
+            <a:endParaRPr lang="en-US" b="1"/>
+          </a:p>
+        </p:txBody>
+      </p:sp>
+      <p:sp>
+        <p:nvSpPr>
+          <p:cNvPr id="3" name="Content Placeholder 2"/>
+          <p:cNvSpPr>
+            <a:spLocks noGrp="1"/>
+          </p:cNvSpPr>
+          <p:nvPr>
+            <p:ph idx="1"/>
+          </p:nvPr>
+        </p:nvSpPr>
+        <p:spPr/>
+        <p:txBody>
+          <a:bodyPr/>
+          <a:p>
+            <a:pPr lvl="0"/>
+            <a:r>
+              <a:rPr lang="en-US"/>
+              <a:t>Use case testing aims to find errors when:</a:t>
+            </a:r>
+            <a:endParaRPr lang="en-US"/>
+          </a:p>
+          <a:p>
+            <a:pPr lvl="1"/>
+            <a:r>
+              <a:rPr lang="en-US"/>
+              <a:t>The system doesn't interact correctly with the user.</a:t>
+            </a:r>
+            <a:endParaRPr lang="en-US"/>
+          </a:p>
+          <a:p>
+            <a:pPr lvl="2"/>
+            <a:r>
+              <a:rPr lang="en-US"/>
+              <a:t>系统与用户的互动不正确。</a:t>
+            </a:r>
+            <a:endParaRPr lang="en-US"/>
+          </a:p>
+          <a:p>
+            <a:pPr lvl="1"/>
+            <a:r>
+              <a:rPr lang="en-US"/>
+              <a:t>The system gives the wrong result.</a:t>
+            </a:r>
+            <a:endParaRPr lang="en-US"/>
+          </a:p>
+          <a:p>
+            <a:pPr lvl="2"/>
+            <a:r>
+              <a:rPr lang="en-US"/>
+              <a:t>系统提供了错误的结果。</a:t>
+            </a:r>
+            <a:endParaRPr lang="en-US"/>
+          </a:p>
+        </p:txBody>
+      </p:sp>
+    </p:spTree>
+  </p:cSld>
+  <p:clrMapOvr>
+    <a:masterClrMapping/>
+  </p:clrMapOvr>
+</p:sld>
+</file>
+
+<file path=ppt/slides/slide4.xml><?xml version="1.0" encoding="utf-8"?>
+<p:sld xmlns:a="http://schemas.openxmlformats.org/drawingml/2006/main" xmlns:r="http://schemas.openxmlformats.org/officeDocument/2006/relationships" xmlns:p="http://schemas.openxmlformats.org/presentationml/2006/main">
+  <p:cSld>
+    <p:spTree>
+      <p:nvGrpSpPr>
+        <p:cNvPr id="1" name=""/>
+        <p:cNvGrpSpPr/>
+        <p:nvPr/>
+      </p:nvGrpSpPr>
       <p:grpSpPr>
         <a:xfrm>
           <a:off x="0" y="0"/>
@@ -7596,6 +7209,7 @@
               <a:rPr b="1" dirty="0"/>
               <a:t>Use Case Testing</a:t>
             </a:r>
+            <a:endParaRPr b="1" dirty="0"/>
           </a:p>
         </p:txBody>
       </p:sp>
@@ -7626,6 +7240,7 @@
               <a:rPr sz="2400" dirty="0"/>
               <a:t>	The PIN example that we used for state transition testing could also be defined in terms of use cases</a:t>
             </a:r>
+            <a:endParaRPr sz="2400" dirty="0"/>
           </a:p>
         </p:txBody>
       </p:sp>
@@ -7638,7 +7253,7 @@
           <p:nvPr/>
         </p:nvPicPr>
         <p:blipFill>
-          <a:blip r:embed="rId2"/>
+          <a:blip r:embed="rId1"/>
           <a:stretch>
             <a:fillRect/>
           </a:stretch>
@@ -7665,7 +7280,7 @@
 </p:sld>
 </file>
 
-<file path=ppt/slides/slide4.xml><?xml version="1.0" encoding="utf-8"?>
+<file path=ppt/slides/slide5.xml><?xml version="1.0" encoding="utf-8"?>
 <p:sld xmlns:a="http://schemas.openxmlformats.org/drawingml/2006/main" xmlns:r="http://schemas.openxmlformats.org/officeDocument/2006/relationships" xmlns:p="http://schemas.openxmlformats.org/presentationml/2006/main">
   <p:cSld>
     <p:spTree>
@@ -7707,6 +7322,7 @@
               <a:rPr lang="en-US" altLang="en-US" sz="3400" dirty="0"/>
               <a:t>When to Use What…</a:t>
             </a:r>
+            <a:endParaRPr lang="en-US" altLang="en-US" sz="3400" dirty="0"/>
           </a:p>
         </p:txBody>
       </p:sp>
@@ -7729,20 +7345,8 @@
             <a:tbl>
               <a:tblPr/>
               <a:tblGrid>
-                <a:gridCol w="3848100">
-                  <a:extLst>
-                    <a:ext uri="{9D8B030D-6E8A-4147-A177-3AD203B41FA5}">
-                      <a16:colId xmlns:a16="http://schemas.microsoft.com/office/drawing/2014/main" val="20000"/>
-                    </a:ext>
-                  </a:extLst>
-                </a:gridCol>
-                <a:gridCol w="3848100">
-                  <a:extLst>
-                    <a:ext uri="{9D8B030D-6E8A-4147-A177-3AD203B41FA5}">
-                      <a16:colId xmlns:a16="http://schemas.microsoft.com/office/drawing/2014/main" val="20001"/>
-                    </a:ext>
-                  </a:extLst>
-                </a:gridCol>
+                <a:gridCol w="3848100"/>
+                <a:gridCol w="3848100"/>
               </a:tblGrid>
               <a:tr h="487627">
                 <a:tc>
@@ -7933,11 +7537,6 @@
                     </a:solidFill>
                   </a:tcPr>
                 </a:tc>
-                <a:extLst>
-                  <a:ext uri="{0D108BD9-81ED-4DB2-BD59-A6C34878D82A}">
-                    <a16:rowId xmlns:a16="http://schemas.microsoft.com/office/drawing/2014/main" val="10000"/>
-                  </a:ext>
-                </a:extLst>
               </a:tr>
               <a:tr h="685739">
                 <a:tc>
@@ -8124,11 +7723,6 @@
                     <a:noFill/>
                   </a:tcPr>
                 </a:tc>
-                <a:extLst>
-                  <a:ext uri="{0D108BD9-81ED-4DB2-BD59-A6C34878D82A}">
-                    <a16:rowId xmlns:a16="http://schemas.microsoft.com/office/drawing/2014/main" val="10001"/>
-                  </a:ext>
-                </a:extLst>
               </a:tr>
               <a:tr h="491924">
                 <a:tc>
@@ -8315,11 +7909,6 @@
                     <a:noFill/>
                   </a:tcPr>
                 </a:tc>
-                <a:extLst>
-                  <a:ext uri="{0D108BD9-81ED-4DB2-BD59-A6C34878D82A}">
-                    <a16:rowId xmlns:a16="http://schemas.microsoft.com/office/drawing/2014/main" val="10002"/>
-                  </a:ext>
-                </a:extLst>
               </a:tr>
               <a:tr h="685739">
                 <a:tc>
@@ -8506,11 +8095,6 @@
                     <a:noFill/>
                   </a:tcPr>
                 </a:tc>
-                <a:extLst>
-                  <a:ext uri="{0D108BD9-81ED-4DB2-BD59-A6C34878D82A}">
-                    <a16:rowId xmlns:a16="http://schemas.microsoft.com/office/drawing/2014/main" val="10003"/>
-                  </a:ext>
-                </a:extLst>
               </a:tr>
               <a:tr h="289515">
                 <a:tc>
@@ -8685,11 +8269,6 @@
                     <a:noFill/>
                   </a:tcPr>
                 </a:tc>
-                <a:extLst>
-                  <a:ext uri="{0D108BD9-81ED-4DB2-BD59-A6C34878D82A}">
-                    <a16:rowId xmlns:a16="http://schemas.microsoft.com/office/drawing/2014/main" val="10004"/>
-                  </a:ext>
-                </a:extLst>
               </a:tr>
               <a:tr h="487627">
                 <a:tc>
@@ -8876,11 +8455,6 @@
                     <a:noFill/>
                   </a:tcPr>
                 </a:tc>
-                <a:extLst>
-                  <a:ext uri="{0D108BD9-81ED-4DB2-BD59-A6C34878D82A}">
-                    <a16:rowId xmlns:a16="http://schemas.microsoft.com/office/drawing/2014/main" val="10005"/>
-                  </a:ext>
-                </a:extLst>
               </a:tr>
               <a:tr h="487627">
                 <a:tc>
@@ -9067,11 +8641,6 @@
                     <a:noFill/>
                   </a:tcPr>
                 </a:tc>
-                <a:extLst>
-                  <a:ext uri="{0D108BD9-81ED-4DB2-BD59-A6C34878D82A}">
-                    <a16:rowId xmlns:a16="http://schemas.microsoft.com/office/drawing/2014/main" val="10006"/>
-                  </a:ext>
-                </a:extLst>
               </a:tr>
               <a:tr h="487627">
                 <a:tc>
@@ -9258,11 +8827,6 @@
                     <a:noFill/>
                   </a:tcPr>
                 </a:tc>
-                <a:extLst>
-                  <a:ext uri="{0D108BD9-81ED-4DB2-BD59-A6C34878D82A}">
-                    <a16:rowId xmlns:a16="http://schemas.microsoft.com/office/drawing/2014/main" val="10007"/>
-                  </a:ext>
-                </a:extLst>
               </a:tr>
               <a:tr h="487627">
                 <a:tc>
@@ -9449,11 +9013,6 @@
                     <a:noFill/>
                   </a:tcPr>
                 </a:tc>
-                <a:extLst>
-                  <a:ext uri="{0D108BD9-81ED-4DB2-BD59-A6C34878D82A}">
-                    <a16:rowId xmlns:a16="http://schemas.microsoft.com/office/drawing/2014/main" val="10008"/>
-                  </a:ext>
-                </a:extLst>
               </a:tr>
             </a:tbl>
           </a:graphicData>
@@ -9586,8 +9145,6 @@
                 </a:solidFill>
                 <a:latin typeface="Arial" panose="020B0604020202020204" pitchFamily="34" charset="0"/>
               </a:rPr>
-              <a:pPr eaLnBrk="1" hangingPunct="1"/>
-              <a:t>3/23/2024</a:t>
             </a:fld>
             <a:endParaRPr lang="en-US" altLang="en-US" sz="900" dirty="0">
               <a:solidFill>
@@ -9727,6 +9284,12 @@
               </a:rPr>
               <a:t>Black Box Testing</a:t>
             </a:r>
+            <a:endParaRPr lang="en-US" altLang="en-US" sz="900" dirty="0">
+              <a:solidFill>
+                <a:prstClr val="black"/>
+              </a:solidFill>
+              <a:latin typeface="Arial" panose="020B0604020202020204" pitchFamily="34" charset="0"/>
+            </a:endParaRPr>
           </a:p>
         </p:txBody>
       </p:sp>
@@ -9866,8 +9429,6 @@
                 </a:solidFill>
                 <a:latin typeface="Arial" panose="020B0604020202020204" pitchFamily="34" charset="0"/>
               </a:rPr>
-              <a:pPr algn="r" eaLnBrk="1" hangingPunct="1"/>
-              <a:t>4</a:t>
             </a:fld>
             <a:endParaRPr lang="en-US" altLang="en-US" sz="900" dirty="0">
               <a:solidFill>
@@ -9929,7 +9490,7 @@
     </a:clrScheme>
     <a:fontScheme name="Office">
       <a:majorFont>
-        <a:latin typeface="Calibri Light" panose="020F0302020204030204"/>
+        <a:latin typeface="Calibri Light"/>
         <a:ea typeface=""/>
         <a:cs typeface=""/>
         <a:font script="Jpan" typeface="游ゴシック Light"/>
@@ -9962,26 +9523,9 @@
         <a:font script="Viet" typeface="Times New Roman"/>
         <a:font script="Uigh" typeface="Microsoft Uighur"/>
         <a:font script="Geor" typeface="Sylfaen"/>
-        <a:font script="Armn" typeface="Arial"/>
-        <a:font script="Bugi" typeface="Leelawadee UI"/>
-        <a:font script="Bopo" typeface="Microsoft JhengHei"/>
-        <a:font script="Java" typeface="Javanese Text"/>
-        <a:font script="Lisu" typeface="Segoe UI"/>
-        <a:font script="Mymr" typeface="Myanmar Text"/>
-        <a:font script="Nkoo" typeface="Ebrima"/>
-        <a:font script="Olck" typeface="Nirmala UI"/>
-        <a:font script="Osma" typeface="Ebrima"/>
-        <a:font script="Phag" typeface="Phagspa"/>
-        <a:font script="Syrn" typeface="Estrangelo Edessa"/>
-        <a:font script="Syrj" typeface="Estrangelo Edessa"/>
-        <a:font script="Syre" typeface="Estrangelo Edessa"/>
-        <a:font script="Sora" typeface="Nirmala UI"/>
-        <a:font script="Tale" typeface="Microsoft Tai Le"/>
-        <a:font script="Talu" typeface="Microsoft New Tai Lue"/>
-        <a:font script="Tfng" typeface="Ebrima"/>
       </a:majorFont>
       <a:minorFont>
-        <a:latin typeface="Calibri" panose="020F0502020204030204"/>
+        <a:latin typeface="Calibri"/>
         <a:ea typeface=""/>
         <a:cs typeface=""/>
         <a:font script="Jpan" typeface="游ゴシック"/>
@@ -10014,23 +9558,6 @@
         <a:font script="Viet" typeface="Arial"/>
         <a:font script="Uigh" typeface="Microsoft Uighur"/>
         <a:font script="Geor" typeface="Sylfaen"/>
-        <a:font script="Armn" typeface="Arial"/>
-        <a:font script="Bugi" typeface="Leelawadee UI"/>
-        <a:font script="Bopo" typeface="Microsoft JhengHei"/>
-        <a:font script="Java" typeface="Javanese Text"/>
-        <a:font script="Lisu" typeface="Segoe UI"/>
-        <a:font script="Mymr" typeface="Myanmar Text"/>
-        <a:font script="Nkoo" typeface="Ebrima"/>
-        <a:font script="Olck" typeface="Nirmala UI"/>
-        <a:font script="Osma" typeface="Ebrima"/>
-        <a:font script="Phag" typeface="Phagspa"/>
-        <a:font script="Syrn" typeface="Estrangelo Edessa"/>
-        <a:font script="Syrj" typeface="Estrangelo Edessa"/>
-        <a:font script="Syre" typeface="Estrangelo Edessa"/>
-        <a:font script="Sora" typeface="Nirmala UI"/>
-        <a:font script="Tale" typeface="Microsoft Tai Le"/>
-        <a:font script="Talu" typeface="Microsoft New Tai Lue"/>
-        <a:font script="Tfng" typeface="Ebrima"/>
       </a:minorFont>
     </a:fontScheme>
     <a:fmtScheme name="Office">
@@ -10171,8 +9698,6 @@
       </a:bgFillStyleLst>
     </a:fmtScheme>
   </a:themeElements>
-  <a:objectDefaults/>
-  <a:extraClrSchemeLst/>
   <a:extLst>
     <a:ext uri="{05A4C25C-085E-4340-85A3-A5531E510DB2}">
       <thm15:themeFamily xmlns:thm15="http://schemas.microsoft.com/office/thememl/2012/main" name="Office Theme" id="{62F939B6-93AF-4DB8-9C6B-D6C7DFDC589F}" vid="{4A3C46E8-61CC-4603-A589-7422A47A8E4A}"/>
@@ -10459,8 +9984,6 @@
       </a:bgFillStyleLst>
     </a:fmtScheme>
   </a:themeElements>
-  <a:objectDefaults/>
-  <a:extraClrSchemeLst/>
   <a:extLst>
     <a:ext uri="{05A4C25C-085E-4340-85A3-A5531E510DB2}">
       <thm15:themeFamily xmlns:thm15="http://schemas.microsoft.com/office/thememl/2012/main" name="Office Theme" id="{62F939B6-93AF-4DB8-9C6B-D6C7DFDC589F}" vid="{4A3C46E8-61CC-4603-A589-7422A47A8E4A}"/>
@@ -10512,7 +10035,7 @@
     </a:clrScheme>
     <a:fontScheme name="Office">
       <a:majorFont>
-        <a:latin typeface="Calibri Light" panose="020F0302020204030204"/>
+        <a:latin typeface="Calibri Light"/>
         <a:ea typeface=""/>
         <a:cs typeface=""/>
         <a:font script="Jpan" typeface="游ゴシック Light"/>
@@ -10545,26 +10068,9 @@
         <a:font script="Viet" typeface="Times New Roman"/>
         <a:font script="Uigh" typeface="Microsoft Uighur"/>
         <a:font script="Geor" typeface="Sylfaen"/>
-        <a:font script="Armn" typeface="Arial"/>
-        <a:font script="Bugi" typeface="Leelawadee UI"/>
-        <a:font script="Bopo" typeface="Microsoft JhengHei"/>
-        <a:font script="Java" typeface="Javanese Text"/>
-        <a:font script="Lisu" typeface="Segoe UI"/>
-        <a:font script="Mymr" typeface="Myanmar Text"/>
-        <a:font script="Nkoo" typeface="Ebrima"/>
-        <a:font script="Olck" typeface="Nirmala UI"/>
-        <a:font script="Osma" typeface="Ebrima"/>
-        <a:font script="Phag" typeface="Phagspa"/>
-        <a:font script="Syrn" typeface="Estrangelo Edessa"/>
-        <a:font script="Syrj" typeface="Estrangelo Edessa"/>
-        <a:font script="Syre" typeface="Estrangelo Edessa"/>
-        <a:font script="Sora" typeface="Nirmala UI"/>
-        <a:font script="Tale" typeface="Microsoft Tai Le"/>
-        <a:font script="Talu" typeface="Microsoft New Tai Lue"/>
-        <a:font script="Tfng" typeface="Ebrima"/>
       </a:majorFont>
       <a:minorFont>
-        <a:latin typeface="Calibri" panose="020F0502020204030204"/>
+        <a:latin typeface="Calibri"/>
         <a:ea typeface=""/>
         <a:cs typeface=""/>
         <a:font script="Jpan" typeface="游ゴシック"/>
@@ -10597,23 +10103,6 @@
         <a:font script="Viet" typeface="Arial"/>
         <a:font script="Uigh" typeface="Microsoft Uighur"/>
         <a:font script="Geor" typeface="Sylfaen"/>
-        <a:font script="Armn" typeface="Arial"/>
-        <a:font script="Bugi" typeface="Leelawadee UI"/>
-        <a:font script="Bopo" typeface="Microsoft JhengHei"/>
-        <a:font script="Java" typeface="Javanese Text"/>
-        <a:font script="Lisu" typeface="Segoe UI"/>
-        <a:font script="Mymr" typeface="Myanmar Text"/>
-        <a:font script="Nkoo" typeface="Ebrima"/>
-        <a:font script="Olck" typeface="Nirmala UI"/>
-        <a:font script="Osma" typeface="Ebrima"/>
-        <a:font script="Phag" typeface="Phagspa"/>
-        <a:font script="Syrn" typeface="Estrangelo Edessa"/>
-        <a:font script="Syrj" typeface="Estrangelo Edessa"/>
-        <a:font script="Syre" typeface="Estrangelo Edessa"/>
-        <a:font script="Sora" typeface="Nirmala UI"/>
-        <a:font script="Tale" typeface="Microsoft Tai Le"/>
-        <a:font script="Talu" typeface="Microsoft New Tai Lue"/>
-        <a:font script="Tfng" typeface="Ebrima"/>
       </a:minorFont>
     </a:fontScheme>
     <a:fmtScheme name="Office">
@@ -10754,8 +10243,6 @@
       </a:bgFillStyleLst>
     </a:fmtScheme>
   </a:themeElements>
-  <a:objectDefaults/>
-  <a:extraClrSchemeLst/>
   <a:extLst>
     <a:ext uri="{05A4C25C-085E-4340-85A3-A5531E510DB2}">
       <thm15:themeFamily xmlns:thm15="http://schemas.microsoft.com/office/thememl/2012/main" name="Office Theme" id="{62F939B6-93AF-4DB8-9C6B-D6C7DFDC589F}" vid="{4A3C46E8-61CC-4603-A589-7422A47A8E4A}"/>
